--- a/AAA-Final presentation/PresentazioneMowy.pptx
+++ b/AAA-Final presentation/PresentazioneMowy.pptx
@@ -5,13 +5,15 @@
     <p:sldMasterId id="2147483648" r:id="rId1"/>
   </p:sldMasterIdLst>
   <p:notesMasterIdLst>
-    <p:notesMasterId r:id="rId6"/>
+    <p:notesMasterId r:id="rId8"/>
   </p:notesMasterIdLst>
   <p:sldIdLst>
     <p:sldId id="257" r:id="rId2"/>
-    <p:sldId id="259" r:id="rId3"/>
-    <p:sldId id="260" r:id="rId4"/>
-    <p:sldId id="261" r:id="rId5"/>
+    <p:sldId id="262" r:id="rId3"/>
+    <p:sldId id="259" r:id="rId4"/>
+    <p:sldId id="260" r:id="rId5"/>
+    <p:sldId id="261" r:id="rId6"/>
+    <p:sldId id="263" r:id="rId7"/>
   </p:sldIdLst>
   <p:sldSz cx="12192000" cy="6858000"/>
   <p:notesSz cx="6858000" cy="9144000"/>
@@ -110,6 +112,11 @@
       </a:defRPr>
     </a:lvl9pPr>
   </p:defaultTextStyle>
+  <p:extLst>
+    <p:ext uri="{EFAFB233-063F-42B5-8137-9DF3F51BA10A}">
+      <p15:sldGuideLst xmlns:p15="http://schemas.microsoft.com/office/powerpoint/2012/main"/>
+    </p:ext>
+  </p:extLst>
 </p:presentation>
 </file>
 
@@ -195,7 +202,7 @@
           <a:p>
             <a:fld id="{33DB569A-0D9F-E343-9FF9-919F5CE9D15F}" type="datetimeFigureOut">
               <a:rPr lang="it-IT" smtClean="0"/>
-              <a:t>07/07/17</a:t>
+              <a:t>08/07/17</a:t>
             </a:fld>
             <a:endParaRPr lang="it-IT"/>
           </a:p>
@@ -594,7 +601,7 @@
           <a:p>
             <a:fld id="{ED310DC3-54BA-614A-9270-7E7F322F0ECE}" type="datetimeFigureOut">
               <a:rPr lang="it-IT" smtClean="0"/>
-              <a:t>07/07/17</a:t>
+              <a:t>08/07/17</a:t>
             </a:fld>
             <a:endParaRPr lang="it-IT"/>
           </a:p>
@@ -764,7 +771,7 @@
           <a:p>
             <a:fld id="{ED310DC3-54BA-614A-9270-7E7F322F0ECE}" type="datetimeFigureOut">
               <a:rPr lang="it-IT" smtClean="0"/>
-              <a:t>07/07/17</a:t>
+              <a:t>08/07/17</a:t>
             </a:fld>
             <a:endParaRPr lang="it-IT"/>
           </a:p>
@@ -944,7 +951,7 @@
           <a:p>
             <a:fld id="{ED310DC3-54BA-614A-9270-7E7F322F0ECE}" type="datetimeFigureOut">
               <a:rPr lang="it-IT" smtClean="0"/>
-              <a:t>07/07/17</a:t>
+              <a:t>08/07/17</a:t>
             </a:fld>
             <a:endParaRPr lang="it-IT"/>
           </a:p>
@@ -1114,7 +1121,7 @@
           <a:p>
             <a:fld id="{ED310DC3-54BA-614A-9270-7E7F322F0ECE}" type="datetimeFigureOut">
               <a:rPr lang="it-IT" smtClean="0"/>
-              <a:t>07/07/17</a:t>
+              <a:t>08/07/17</a:t>
             </a:fld>
             <a:endParaRPr lang="it-IT"/>
           </a:p>
@@ -1360,7 +1367,7 @@
           <a:p>
             <a:fld id="{ED310DC3-54BA-614A-9270-7E7F322F0ECE}" type="datetimeFigureOut">
               <a:rPr lang="it-IT" smtClean="0"/>
-              <a:t>07/07/17</a:t>
+              <a:t>08/07/17</a:t>
             </a:fld>
             <a:endParaRPr lang="it-IT"/>
           </a:p>
@@ -1592,7 +1599,7 @@
           <a:p>
             <a:fld id="{ED310DC3-54BA-614A-9270-7E7F322F0ECE}" type="datetimeFigureOut">
               <a:rPr lang="it-IT" smtClean="0"/>
-              <a:t>07/07/17</a:t>
+              <a:t>08/07/17</a:t>
             </a:fld>
             <a:endParaRPr lang="it-IT"/>
           </a:p>
@@ -1959,7 +1966,7 @@
           <a:p>
             <a:fld id="{ED310DC3-54BA-614A-9270-7E7F322F0ECE}" type="datetimeFigureOut">
               <a:rPr lang="it-IT" smtClean="0"/>
-              <a:t>07/07/17</a:t>
+              <a:t>08/07/17</a:t>
             </a:fld>
             <a:endParaRPr lang="it-IT"/>
           </a:p>
@@ -2077,7 +2084,7 @@
           <a:p>
             <a:fld id="{ED310DC3-54BA-614A-9270-7E7F322F0ECE}" type="datetimeFigureOut">
               <a:rPr lang="it-IT" smtClean="0"/>
-              <a:t>07/07/17</a:t>
+              <a:t>08/07/17</a:t>
             </a:fld>
             <a:endParaRPr lang="it-IT"/>
           </a:p>
@@ -2172,7 +2179,7 @@
           <a:p>
             <a:fld id="{ED310DC3-54BA-614A-9270-7E7F322F0ECE}" type="datetimeFigureOut">
               <a:rPr lang="it-IT" smtClean="0"/>
-              <a:t>07/07/17</a:t>
+              <a:t>08/07/17</a:t>
             </a:fld>
             <a:endParaRPr lang="it-IT"/>
           </a:p>
@@ -2449,7 +2456,7 @@
           <a:p>
             <a:fld id="{ED310DC3-54BA-614A-9270-7E7F322F0ECE}" type="datetimeFigureOut">
               <a:rPr lang="it-IT" smtClean="0"/>
-              <a:t>07/07/17</a:t>
+              <a:t>08/07/17</a:t>
             </a:fld>
             <a:endParaRPr lang="it-IT"/>
           </a:p>
@@ -2702,7 +2709,7 @@
           <a:p>
             <a:fld id="{ED310DC3-54BA-614A-9270-7E7F322F0ECE}" type="datetimeFigureOut">
               <a:rPr lang="it-IT" smtClean="0"/>
-              <a:t>07/07/17</a:t>
+              <a:t>08/07/17</a:t>
             </a:fld>
             <a:endParaRPr lang="it-IT"/>
           </a:p>
@@ -2915,7 +2922,7 @@
           <a:p>
             <a:fld id="{ED310DC3-54BA-614A-9270-7E7F322F0ECE}" type="datetimeFigureOut">
               <a:rPr lang="it-IT" smtClean="0"/>
-              <a:t>07/07/17</a:t>
+              <a:t>08/07/17</a:t>
             </a:fld>
             <a:endParaRPr lang="it-IT"/>
           </a:p>
@@ -3659,7 +3666,7 @@
         </p:nvSpPr>
         <p:spPr>
           <a:xfrm>
-            <a:off x="3935760" y="5157193"/>
+            <a:off x="3935760" y="5168623"/>
             <a:ext cx="1872208" cy="584775"/>
           </a:xfrm>
           <a:prstGeom prst="rect">
@@ -3688,7 +3695,6 @@
               <a:rPr lang="it-IT" sz="3200" dirty="0"/>
               <a:t>PCA</a:t>
             </a:r>
-            <a:endParaRPr lang="it-IT" sz="3200" dirty="0"/>
           </a:p>
         </p:txBody>
       </p:sp>
@@ -4011,338 +4017,52 @@
           <a:chExt cx="0" cy="0"/>
         </a:xfrm>
       </p:grpSpPr>
-      <p:pic>
-        <p:nvPicPr>
-          <p:cNvPr id="4" name="Picture 2" descr="C:\Users\Leonardo\Desktop\United-Globe.png"/>
-          <p:cNvPicPr>
-            <a:picLocks noChangeAspect="1" noChangeArrowheads="1"/>
-          </p:cNvPicPr>
-          <p:nvPr/>
-        </p:nvPicPr>
-        <p:blipFill>
-          <a:blip r:embed="rId2" cstate="print"/>
-          <a:srcRect/>
-          <a:stretch>
-            <a:fillRect/>
-          </a:stretch>
-        </p:blipFill>
-        <p:spPr bwMode="auto">
-          <a:xfrm>
-            <a:off x="9192344" y="5373217"/>
-            <a:ext cx="1254238" cy="1257003"/>
-          </a:xfrm>
-          <a:prstGeom prst="rect">
-            <a:avLst/>
-          </a:prstGeom>
-          <a:noFill/>
-        </p:spPr>
-      </p:pic>
-      <p:sp>
-        <p:nvSpPr>
-          <p:cNvPr id="13" name="CasellaDiTesto 12"/>
-          <p:cNvSpPr txBox="1"/>
-          <p:nvPr/>
-        </p:nvSpPr>
-        <p:spPr>
-          <a:xfrm>
-            <a:off x="3584105" y="1493168"/>
-            <a:ext cx="184731" cy="369332"/>
-          </a:xfrm>
-          <a:prstGeom prst="rect">
-            <a:avLst/>
-          </a:prstGeom>
-          <a:noFill/>
-        </p:spPr>
-        <p:txBody>
-          <a:bodyPr wrap="none" rtlCol="0">
-            <a:spAutoFit/>
-          </a:bodyPr>
-          <a:lstStyle/>
-          <a:p>
+      <p:sp>
+        <p:nvSpPr>
+          <p:cNvPr id="2" name="Titolo 1"/>
+          <p:cNvSpPr>
+            <a:spLocks noGrp="1"/>
+          </p:cNvSpPr>
+          <p:nvPr>
+            <p:ph type="title"/>
+          </p:nvPr>
+        </p:nvSpPr>
+        <p:spPr/>
+        <p:txBody>
+          <a:bodyPr/>
+          <a:lstStyle/>
+          <a:p>
+            <a:r>
+              <a:rPr lang="it-IT" dirty="0" smtClean="0"/>
+              <a:t>Tutti tipo di cluster e perché escluse</a:t>
+            </a:r>
             <a:endParaRPr lang="it-IT" dirty="0"/>
           </a:p>
         </p:txBody>
       </p:sp>
       <p:sp>
         <p:nvSpPr>
-          <p:cNvPr id="14" name="CasellaDiTesto 13"/>
-          <p:cNvSpPr txBox="1"/>
-          <p:nvPr/>
-        </p:nvSpPr>
-        <p:spPr>
-          <a:xfrm>
-            <a:off x="3736505" y="1645568"/>
-            <a:ext cx="184731" cy="369332"/>
-          </a:xfrm>
-          <a:prstGeom prst="rect">
-            <a:avLst/>
-          </a:prstGeom>
-          <a:noFill/>
-        </p:spPr>
-        <p:txBody>
-          <a:bodyPr wrap="none" rtlCol="0">
-            <a:spAutoFit/>
-          </a:bodyPr>
-          <a:lstStyle/>
-          <a:p>
-            <a:endParaRPr lang="it-IT" dirty="0"/>
-          </a:p>
-        </p:txBody>
-      </p:sp>
-      <p:sp>
-        <p:nvSpPr>
-          <p:cNvPr id="6" name="CasellaDiTesto 5"/>
-          <p:cNvSpPr txBox="1"/>
-          <p:nvPr/>
-        </p:nvSpPr>
-        <p:spPr>
-          <a:xfrm>
-            <a:off x="3933967" y="1065056"/>
-            <a:ext cx="1353769" cy="523220"/>
-          </a:xfrm>
-          <a:prstGeom prst="rect">
-            <a:avLst/>
-          </a:prstGeom>
-          <a:noFill/>
-          <a:scene3d>
-            <a:camera prst="orthographicFront">
-              <a:rot lat="0" lon="0" rev="0"/>
-            </a:camera>
-            <a:lightRig rig="threePt" dir="t"/>
-          </a:scene3d>
-        </p:spPr>
-        <p:txBody>
-          <a:bodyPr wrap="none" rtlCol="0">
-            <a:spAutoFit/>
-          </a:bodyPr>
-          <a:lstStyle/>
-          <a:p>
-            <a:pPr algn="ctr"/>
-            <a:r>
-              <a:rPr lang="it-IT" sz="2800" dirty="0" err="1" smtClean="0"/>
-              <a:t>Stability</a:t>
-            </a:r>
-            <a:endParaRPr lang="it-IT" sz="2800" dirty="0"/>
-          </a:p>
-        </p:txBody>
-      </p:sp>
-      <p:sp>
-        <p:nvSpPr>
-          <p:cNvPr id="7" name="CasellaDiTesto 6"/>
-          <p:cNvSpPr txBox="1"/>
-          <p:nvPr/>
-        </p:nvSpPr>
-        <p:spPr>
-          <a:xfrm>
-            <a:off x="5115733" y="2206604"/>
-            <a:ext cx="2270685" cy="1815882"/>
-          </a:xfrm>
-          <a:prstGeom prst="rect">
-            <a:avLst/>
-          </a:prstGeom>
-          <a:noFill/>
-        </p:spPr>
-        <p:txBody>
-          <a:bodyPr wrap="none" rtlCol="0">
-            <a:spAutoFit/>
-          </a:bodyPr>
-          <a:lstStyle/>
-          <a:p>
-            <a:pPr algn="ctr"/>
-            <a:r>
-              <a:rPr lang="it-IT" sz="2800" dirty="0"/>
-              <a:t>k</a:t>
-            </a:r>
-            <a:r>
-              <a:rPr lang="it-IT" sz="2800" smtClean="0"/>
-              <a:t> </a:t>
-            </a:r>
-            <a:r>
-              <a:rPr lang="it-IT" sz="2800" dirty="0" err="1" smtClean="0"/>
-              <a:t>found</a:t>
-            </a:r>
-            <a:r>
-              <a:rPr lang="it-IT" sz="2800" dirty="0" smtClean="0"/>
-              <a:t> </a:t>
-            </a:r>
-          </a:p>
-          <a:p>
-            <a:pPr algn="ctr"/>
-            <a:r>
-              <a:rPr lang="it-IT" sz="2800" dirty="0" err="1" smtClean="0"/>
-              <a:t>quantitatively</a:t>
-            </a:r>
-            <a:r>
-              <a:rPr lang="it-IT" sz="2800" dirty="0" smtClean="0"/>
-              <a:t> </a:t>
-            </a:r>
-          </a:p>
-          <a:p>
-            <a:pPr algn="ctr"/>
-            <a:r>
-              <a:rPr lang="it-IT" sz="2800" dirty="0" smtClean="0"/>
-              <a:t>&amp; </a:t>
-            </a:r>
-          </a:p>
-          <a:p>
-            <a:pPr algn="ctr"/>
-            <a:r>
-              <a:rPr lang="it-IT" sz="2800" dirty="0" err="1" smtClean="0"/>
-              <a:t>qualitatively</a:t>
-            </a:r>
-            <a:endParaRPr lang="it-IT" sz="2800" dirty="0"/>
-          </a:p>
-        </p:txBody>
-      </p:sp>
-      <p:sp>
-        <p:nvSpPr>
-          <p:cNvPr id="8" name="CasellaDiTesto 7"/>
-          <p:cNvSpPr txBox="1"/>
-          <p:nvPr/>
-        </p:nvSpPr>
-        <p:spPr>
-          <a:xfrm>
-            <a:off x="3933967" y="4735922"/>
-            <a:ext cx="1858650" cy="523220"/>
-          </a:xfrm>
-          <a:prstGeom prst="rect">
-            <a:avLst/>
-          </a:prstGeom>
-          <a:noFill/>
-          <a:scene3d>
-            <a:camera prst="orthographicFront">
-              <a:rot lat="0" lon="0" rev="0"/>
-            </a:camera>
-            <a:lightRig rig="threePt" dir="t"/>
-          </a:scene3d>
-        </p:spPr>
-        <p:txBody>
-          <a:bodyPr wrap="none" rtlCol="0">
-            <a:spAutoFit/>
-          </a:bodyPr>
-          <a:lstStyle/>
-          <a:p>
-            <a:pPr algn="ctr"/>
-            <a:r>
-              <a:rPr lang="it-IT" sz="2800" dirty="0" smtClean="0"/>
-              <a:t>Real </a:t>
-            </a:r>
-            <a:r>
-              <a:rPr lang="it-IT" sz="2800" dirty="0" err="1" smtClean="0"/>
-              <a:t>results</a:t>
-            </a:r>
-            <a:endParaRPr lang="it-IT" sz="2800" dirty="0"/>
-          </a:p>
-        </p:txBody>
-      </p:sp>
-      <p:sp>
-        <p:nvSpPr>
-          <p:cNvPr id="11" name="Ovale 10"/>
-          <p:cNvSpPr/>
-          <p:nvPr/>
-        </p:nvSpPr>
-        <p:spPr>
-          <a:xfrm>
-            <a:off x="1228902" y="1906404"/>
-            <a:ext cx="2447568" cy="2416283"/>
-          </a:xfrm>
-          <a:prstGeom prst="ellipse">
-            <a:avLst/>
-          </a:prstGeom>
-          <a:solidFill>
-            <a:schemeClr val="accent6">
-              <a:lumMod val="60000"/>
-              <a:lumOff val="40000"/>
-            </a:schemeClr>
-          </a:solidFill>
-          <a:ln>
-            <a:solidFill>
-              <a:schemeClr val="tx1">
-                <a:lumMod val="65000"/>
-                <a:lumOff val="35000"/>
-              </a:schemeClr>
-            </a:solidFill>
-          </a:ln>
-        </p:spPr>
-        <p:style>
-          <a:lnRef idx="2">
-            <a:schemeClr val="accent1">
-              <a:shade val="50000"/>
-            </a:schemeClr>
-          </a:lnRef>
-          <a:fillRef idx="1">
-            <a:schemeClr val="accent1"/>
-          </a:fillRef>
-          <a:effectRef idx="0">
-            <a:schemeClr val="accent1"/>
-          </a:effectRef>
-          <a:fontRef idx="minor">
-            <a:schemeClr val="lt1"/>
-          </a:fontRef>
-        </p:style>
-        <p:txBody>
-          <a:bodyPr lIns="90000" rtlCol="0" anchor="ctr"/>
-          <a:lstStyle/>
-          <a:p>
-            <a:pPr algn="ctr"/>
-            <a:r>
-              <a:rPr lang="it-IT" sz="4400" dirty="0" smtClean="0"/>
-              <a:t>K </a:t>
-            </a:r>
-            <a:r>
-              <a:rPr lang="it-IT" sz="4400" dirty="0" err="1"/>
-              <a:t>M</a:t>
-            </a:r>
-            <a:r>
-              <a:rPr lang="it-IT" sz="4400" dirty="0" err="1" smtClean="0"/>
-              <a:t>eans</a:t>
-            </a:r>
-            <a:endParaRPr lang="it-IT" sz="4400" dirty="0"/>
-          </a:p>
-        </p:txBody>
-      </p:sp>
-      <p:sp>
-        <p:nvSpPr>
-          <p:cNvPr id="2" name="CasellaDiTesto 1"/>
-          <p:cNvSpPr txBox="1"/>
-          <p:nvPr/>
-        </p:nvSpPr>
-        <p:spPr>
-          <a:xfrm>
-            <a:off x="8252460" y="228600"/>
-            <a:ext cx="4080510" cy="830997"/>
-          </a:xfrm>
-          <a:prstGeom prst="rect">
-            <a:avLst/>
-          </a:prstGeom>
-          <a:noFill/>
-        </p:spPr>
-        <p:txBody>
-          <a:bodyPr wrap="square" rtlCol="0">
-            <a:spAutoFit/>
-          </a:bodyPr>
-          <a:lstStyle/>
-          <a:p>
-            <a:r>
-              <a:rPr lang="it-IT" sz="4800" dirty="0" smtClean="0">
-                <a:solidFill>
-                  <a:srgbClr val="FF0000"/>
-                </a:solidFill>
-              </a:rPr>
-              <a:t>Clustering</a:t>
-            </a:r>
-            <a:endParaRPr lang="it-IT" sz="4800" dirty="0">
-              <a:solidFill>
-                <a:srgbClr val="FF0000"/>
-              </a:solidFill>
-            </a:endParaRPr>
+          <p:cNvPr id="3" name="Segnaposto contenuto 2"/>
+          <p:cNvSpPr>
+            <a:spLocks noGrp="1"/>
+          </p:cNvSpPr>
+          <p:nvPr>
+            <p:ph idx="1"/>
+          </p:nvPr>
+        </p:nvSpPr>
+        <p:spPr/>
+        <p:txBody>
+          <a:bodyPr/>
+          <a:lstStyle/>
+          <a:p>
+            <a:endParaRPr lang="it-IT"/>
           </a:p>
         </p:txBody>
       </p:sp>
     </p:spTree>
     <p:extLst>
       <p:ext uri="{BB962C8B-B14F-4D97-AF65-F5344CB8AC3E}">
-        <p14:creationId xmlns:p14="http://schemas.microsoft.com/office/powerpoint/2010/main" val="64031430"/>
+        <p14:creationId xmlns:p14="http://schemas.microsoft.com/office/powerpoint/2010/main" val="1841337268"/>
       </p:ext>
     </p:extLst>
   </p:cSld>
@@ -4397,54 +4117,6 @@
       </p:pic>
       <p:sp>
         <p:nvSpPr>
-          <p:cNvPr id="12" name="CasellaDiTesto 11"/>
-          <p:cNvSpPr txBox="1"/>
-          <p:nvPr/>
-        </p:nvSpPr>
-        <p:spPr>
-          <a:xfrm>
-            <a:off x="4788426" y="530394"/>
-            <a:ext cx="2592288" cy="523220"/>
-          </a:xfrm>
-          <a:prstGeom prst="rect">
-            <a:avLst/>
-          </a:prstGeom>
-          <a:solidFill>
-            <a:schemeClr val="bg1">
-              <a:lumMod val="75000"/>
-            </a:schemeClr>
-          </a:solidFill>
-          <a:ln w="19050">
-            <a:solidFill>
-              <a:schemeClr val="tx1"/>
-            </a:solidFill>
-          </a:ln>
-        </p:spPr>
-        <p:txBody>
-          <a:bodyPr wrap="square" rtlCol="0">
-            <a:spAutoFit/>
-          </a:bodyPr>
-          <a:lstStyle/>
-          <a:p>
-            <a:pPr algn="ctr"/>
-            <a:r>
-              <a:rPr lang="it-IT" sz="2800" dirty="0" smtClean="0"/>
-              <a:t>No </a:t>
-            </a:r>
-            <a:r>
-              <a:rPr lang="it-IT" sz="2800" dirty="0" err="1"/>
-              <a:t>G</a:t>
-            </a:r>
-            <a:r>
-              <a:rPr lang="it-IT" sz="2800" dirty="0" err="1" smtClean="0"/>
-              <a:t>aussianity</a:t>
-            </a:r>
-            <a:endParaRPr lang="it-IT" sz="2800" dirty="0"/>
-          </a:p>
-        </p:txBody>
-      </p:sp>
-      <p:sp>
-        <p:nvSpPr>
           <p:cNvPr id="13" name="CasellaDiTesto 12"/>
           <p:cNvSpPr txBox="1"/>
           <p:nvPr/>
@@ -4497,39 +4169,36 @@
       </p:sp>
       <p:sp>
         <p:nvSpPr>
-          <p:cNvPr id="27" name="CasellaDiTesto 26"/>
+          <p:cNvPr id="6" name="CasellaDiTesto 5"/>
           <p:cNvSpPr txBox="1"/>
           <p:nvPr/>
         </p:nvSpPr>
         <p:spPr>
           <a:xfrm>
-            <a:off x="2244542" y="2517133"/>
-            <a:ext cx="1872208" cy="523220"/>
+            <a:off x="6368804" y="1125664"/>
+            <a:ext cx="1353769" cy="523220"/>
           </a:xfrm>
           <a:prstGeom prst="rect">
             <a:avLst/>
           </a:prstGeom>
-          <a:solidFill>
-            <a:schemeClr val="bg1">
-              <a:lumMod val="75000"/>
-            </a:schemeClr>
-          </a:solidFill>
-          <a:ln w="19050">
-            <a:solidFill>
-              <a:schemeClr val="tx1"/>
-            </a:solidFill>
-          </a:ln>
-        </p:spPr>
-        <p:txBody>
-          <a:bodyPr wrap="square" rtlCol="0">
+          <a:noFill/>
+          <a:scene3d>
+            <a:camera prst="orthographicFront">
+              <a:rot lat="0" lon="0" rev="0"/>
+            </a:camera>
+            <a:lightRig rig="threePt" dir="t"/>
+          </a:scene3d>
+        </p:spPr>
+        <p:txBody>
+          <a:bodyPr wrap="none" rtlCol="0">
             <a:spAutoFit/>
           </a:bodyPr>
           <a:lstStyle/>
           <a:p>
             <a:pPr algn="ctr"/>
             <a:r>
-              <a:rPr lang="it-IT" sz="2800" dirty="0" smtClean="0"/>
-              <a:t>FDA</a:t>
+              <a:rPr lang="it-IT" sz="2800" dirty="0" err="1" smtClean="0"/>
+              <a:t>Stability</a:t>
             </a:r>
             <a:endParaRPr lang="it-IT" sz="2800" dirty="0"/>
           </a:p>
@@ -4537,39 +4206,67 @@
       </p:sp>
       <p:sp>
         <p:nvSpPr>
-          <p:cNvPr id="28" name="CasellaDiTesto 27"/>
+          <p:cNvPr id="7" name="CasellaDiTesto 6"/>
           <p:cNvSpPr txBox="1"/>
           <p:nvPr/>
         </p:nvSpPr>
         <p:spPr>
           <a:xfrm>
-            <a:off x="7947255" y="2519666"/>
-            <a:ext cx="1872208" cy="523220"/>
+            <a:off x="6921659" y="2210694"/>
+            <a:ext cx="2270685" cy="1815882"/>
           </a:xfrm>
           <a:prstGeom prst="rect">
             <a:avLst/>
           </a:prstGeom>
-          <a:solidFill>
-            <a:schemeClr val="bg1">
-              <a:lumMod val="75000"/>
-            </a:schemeClr>
-          </a:solidFill>
-          <a:ln w="19050">
-            <a:solidFill>
-              <a:schemeClr val="tx1"/>
-            </a:solidFill>
-          </a:ln>
-        </p:spPr>
-        <p:txBody>
-          <a:bodyPr wrap="square" rtlCol="0">
+          <a:noFill/>
+        </p:spPr>
+        <p:txBody>
+          <a:bodyPr wrap="none" rtlCol="0">
             <a:spAutoFit/>
           </a:bodyPr>
           <a:lstStyle/>
           <a:p>
             <a:pPr algn="ctr"/>
             <a:r>
+              <a:rPr lang="it-IT" sz="2800" dirty="0"/>
+              <a:t>k</a:t>
+            </a:r>
+            <a:r>
               <a:rPr lang="it-IT" sz="2800" dirty="0" smtClean="0"/>
-              <a:t>KNN</a:t>
+              <a:t> </a:t>
+            </a:r>
+            <a:r>
+              <a:rPr lang="it-IT" sz="2800" dirty="0" err="1" smtClean="0"/>
+              <a:t>found</a:t>
+            </a:r>
+            <a:r>
+              <a:rPr lang="it-IT" sz="2800" dirty="0" smtClean="0"/>
+              <a:t> </a:t>
+            </a:r>
+          </a:p>
+          <a:p>
+            <a:pPr algn="ctr"/>
+            <a:r>
+              <a:rPr lang="it-IT" sz="2800" dirty="0" err="1" smtClean="0"/>
+              <a:t>quantitatively</a:t>
+            </a:r>
+            <a:r>
+              <a:rPr lang="it-IT" sz="2800" dirty="0" smtClean="0"/>
+              <a:t> </a:t>
+            </a:r>
+          </a:p>
+          <a:p>
+            <a:pPr algn="ctr"/>
+            <a:r>
+              <a:rPr lang="it-IT" sz="2800" dirty="0" smtClean="0"/>
+              <a:t>&amp; </a:t>
+            </a:r>
+          </a:p>
+          <a:p>
+            <a:pPr algn="ctr"/>
+            <a:r>
+              <a:rPr lang="it-IT" sz="2800" dirty="0" err="1" smtClean="0"/>
+              <a:t>qualitatively</a:t>
             </a:r>
             <a:endParaRPr lang="it-IT" sz="2800" dirty="0"/>
           </a:p>
@@ -4577,113 +4274,57 @@
       </p:sp>
       <p:sp>
         <p:nvSpPr>
-          <p:cNvPr id="31" name="CasellaDiTesto 30"/>
+          <p:cNvPr id="8" name="CasellaDiTesto 7"/>
           <p:cNvSpPr txBox="1"/>
           <p:nvPr/>
         </p:nvSpPr>
         <p:spPr>
           <a:xfrm>
-            <a:off x="4788426" y="4655873"/>
-            <a:ext cx="1872208" cy="584775"/>
+            <a:off x="6368804" y="4584790"/>
+            <a:ext cx="1858650" cy="523220"/>
           </a:xfrm>
           <a:prstGeom prst="rect">
             <a:avLst/>
           </a:prstGeom>
-          <a:solidFill>
-            <a:schemeClr val="accent6">
-              <a:lumMod val="60000"/>
-              <a:lumOff val="40000"/>
-            </a:schemeClr>
-          </a:solidFill>
-          <a:ln w="19050">
-            <a:solidFill>
-              <a:schemeClr val="tx1"/>
-            </a:solidFill>
-          </a:ln>
-        </p:spPr>
-        <p:txBody>
-          <a:bodyPr wrap="square" rtlCol="0">
+          <a:noFill/>
+          <a:scene3d>
+            <a:camera prst="orthographicFront">
+              <a:rot lat="0" lon="0" rev="0"/>
+            </a:camera>
+            <a:lightRig rig="threePt" dir="t"/>
+          </a:scene3d>
+        </p:spPr>
+        <p:txBody>
+          <a:bodyPr wrap="none" rtlCol="0">
             <a:spAutoFit/>
           </a:bodyPr>
           <a:lstStyle/>
           <a:p>
             <a:pPr algn="ctr"/>
             <a:r>
-              <a:rPr lang="it-IT" sz="3200" dirty="0" err="1" smtClean="0"/>
-              <a:t>Prediction</a:t>
-            </a:r>
-            <a:endParaRPr lang="it-IT" sz="3200" dirty="0"/>
-          </a:p>
-        </p:txBody>
-      </p:sp>
-      <p:sp>
-        <p:nvSpPr>
-          <p:cNvPr id="32" name="CasellaDiTesto 31"/>
-          <p:cNvSpPr txBox="1"/>
-          <p:nvPr/>
-        </p:nvSpPr>
-        <p:spPr>
-          <a:xfrm>
-            <a:off x="372334" y="4655874"/>
-            <a:ext cx="2336576" cy="1569660"/>
-          </a:xfrm>
-          <a:prstGeom prst="rect">
-            <a:avLst/>
-          </a:prstGeom>
-          <a:solidFill>
-            <a:schemeClr val="accent6">
-              <a:lumMod val="60000"/>
-              <a:lumOff val="40000"/>
-            </a:schemeClr>
-          </a:solidFill>
-          <a:ln w="19050">
-            <a:solidFill>
-              <a:schemeClr val="tx1"/>
-            </a:solidFill>
-          </a:ln>
-        </p:spPr>
-        <p:txBody>
-          <a:bodyPr wrap="square" rtlCol="0">
-            <a:spAutoFit/>
-          </a:bodyPr>
-          <a:lstStyle/>
-          <a:p>
-            <a:pPr algn="ctr"/>
-            <a:r>
-              <a:rPr lang="it-IT" sz="3200" dirty="0" err="1" smtClean="0"/>
-              <a:t>Centroids</a:t>
-            </a:r>
-            <a:endParaRPr lang="it-IT" sz="3200" dirty="0" smtClean="0"/>
-          </a:p>
-          <a:p>
-            <a:pPr algn="ctr"/>
-            <a:r>
-              <a:rPr lang="it-IT" sz="3200" dirty="0" smtClean="0"/>
-              <a:t>&amp;</a:t>
-            </a:r>
-          </a:p>
-          <a:p>
-            <a:pPr algn="ctr"/>
-            <a:r>
-              <a:rPr lang="it-IT" sz="3200" dirty="0" smtClean="0"/>
-              <a:t>Components</a:t>
-            </a:r>
-            <a:endParaRPr lang="it-IT" sz="3200" dirty="0"/>
-          </a:p>
-        </p:txBody>
-      </p:sp>
-      <p:sp>
-        <p:nvSpPr>
-          <p:cNvPr id="34" name="Freccia in giù 33"/>
+              <a:rPr lang="it-IT" sz="2800" dirty="0" smtClean="0"/>
+              <a:t>Real </a:t>
+            </a:r>
+            <a:r>
+              <a:rPr lang="it-IT" sz="2800" dirty="0" err="1" smtClean="0"/>
+              <a:t>results</a:t>
+            </a:r>
+            <a:endParaRPr lang="it-IT" sz="2800" dirty="0"/>
+          </a:p>
+        </p:txBody>
+      </p:sp>
+      <p:sp>
+        <p:nvSpPr>
+          <p:cNvPr id="11" name="Ovale 10"/>
           <p:cNvSpPr/>
           <p:nvPr/>
         </p:nvSpPr>
         <p:spPr>
           <a:xfrm>
-            <a:off x="6960096" y="1489100"/>
-            <a:ext cx="1008112" cy="648072"/>
-          </a:xfrm>
-          <a:prstGeom prst="downArrow">
+            <a:off x="3921236" y="1910494"/>
+            <a:ext cx="2447568" cy="2416283"/>
+          </a:xfrm>
+          <a:prstGeom prst="ellipse">
             <a:avLst/>
           </a:prstGeom>
           <a:solidFill>
@@ -4694,17 +4335,12 @@
           </a:solidFill>
           <a:ln>
             <a:solidFill>
-              <a:schemeClr val="bg1">
-                <a:lumMod val="50000"/>
+              <a:schemeClr val="tx1">
+                <a:lumMod val="65000"/>
+                <a:lumOff val="35000"/>
               </a:schemeClr>
             </a:solidFill>
           </a:ln>
-          <a:scene3d>
-            <a:camera prst="orthographicFront">
-              <a:rot lat="0" lon="0" rev="3000000"/>
-            </a:camera>
-            <a:lightRig rig="threePt" dir="t"/>
-          </a:scene3d>
         </p:spPr>
         <p:style>
           <a:lnRef idx="2">
@@ -4723,70 +4359,23 @@
           </a:fontRef>
         </p:style>
         <p:txBody>
-          <a:bodyPr rtlCol="0" anchor="ctr"/>
+          <a:bodyPr lIns="90000" rtlCol="0" anchor="ctr"/>
           <a:lstStyle/>
           <a:p>
             <a:pPr algn="ctr"/>
-            <a:endParaRPr lang="it-IT"/>
-          </a:p>
-        </p:txBody>
-      </p:sp>
-      <p:sp>
-        <p:nvSpPr>
-          <p:cNvPr id="35" name="Freccia in giù 34"/>
-          <p:cNvSpPr/>
-          <p:nvPr/>
-        </p:nvSpPr>
-        <p:spPr>
-          <a:xfrm>
-            <a:off x="4116750" y="1489100"/>
-            <a:ext cx="1008112" cy="648072"/>
-          </a:xfrm>
-          <a:prstGeom prst="downArrow">
-            <a:avLst/>
-          </a:prstGeom>
-          <a:solidFill>
-            <a:schemeClr val="accent6">
-              <a:lumMod val="60000"/>
-              <a:lumOff val="40000"/>
-            </a:schemeClr>
-          </a:solidFill>
-          <a:ln>
-            <a:solidFill>
-              <a:schemeClr val="bg1">
-                <a:lumMod val="50000"/>
-              </a:schemeClr>
-            </a:solidFill>
-          </a:ln>
-          <a:scene3d>
-            <a:camera prst="orthographicFront">
-              <a:rot lat="0" lon="0" rev="18600000"/>
-            </a:camera>
-            <a:lightRig rig="threePt" dir="t"/>
-          </a:scene3d>
-        </p:spPr>
-        <p:style>
-          <a:lnRef idx="2">
-            <a:schemeClr val="accent1">
-              <a:shade val="50000"/>
-            </a:schemeClr>
-          </a:lnRef>
-          <a:fillRef idx="1">
-            <a:schemeClr val="accent1"/>
-          </a:fillRef>
-          <a:effectRef idx="0">
-            <a:schemeClr val="accent1"/>
-          </a:effectRef>
-          <a:fontRef idx="minor">
-            <a:schemeClr val="lt1"/>
-          </a:fontRef>
-        </p:style>
-        <p:txBody>
-          <a:bodyPr rtlCol="0" anchor="ctr"/>
-          <a:lstStyle/>
-          <a:p>
-            <a:pPr algn="ctr"/>
-            <a:endParaRPr lang="it-IT"/>
+            <a:r>
+              <a:rPr lang="it-IT" sz="4400" dirty="0" smtClean="0"/>
+              <a:t>K </a:t>
+            </a:r>
+            <a:r>
+              <a:rPr lang="it-IT" sz="4400" dirty="0" err="1"/>
+              <a:t>M</a:t>
+            </a:r>
+            <a:r>
+              <a:rPr lang="it-IT" sz="4400" dirty="0" err="1" smtClean="0"/>
+              <a:t>eans</a:t>
+            </a:r>
+            <a:endParaRPr lang="it-IT" sz="4400" dirty="0"/>
           </a:p>
         </p:txBody>
       </p:sp>
@@ -4798,8 +4387,8 @@
         </p:nvSpPr>
         <p:spPr>
           <a:xfrm>
-            <a:off x="415404" y="373894"/>
-            <a:ext cx="3505832" cy="1446550"/>
+            <a:off x="530341" y="224721"/>
+            <a:ext cx="4080510" cy="830997"/>
           </a:xfrm>
           <a:prstGeom prst="rect">
             <a:avLst/>
@@ -4807,166 +4396,31 @@
           <a:noFill/>
         </p:spPr>
         <p:txBody>
-          <a:bodyPr wrap="none" rtlCol="0">
+          <a:bodyPr wrap="square" rtlCol="0">
             <a:spAutoFit/>
           </a:bodyPr>
           <a:lstStyle/>
           <a:p>
-            <a:pPr algn="ctr"/>
-            <a:r>
-              <a:rPr lang="it-IT" sz="4400" dirty="0" err="1" smtClean="0">
+            <a:r>
+              <a:rPr lang="it-IT" sz="4800" dirty="0" smtClean="0">
                 <a:solidFill>
                   <a:srgbClr val="FF0000"/>
                 </a:solidFill>
               </a:rPr>
-              <a:t>Discrimination</a:t>
-            </a:r>
-            <a:endParaRPr lang="it-IT" sz="4400" dirty="0" smtClean="0">
+              <a:t>Clustering</a:t>
+            </a:r>
+            <a:endParaRPr lang="it-IT" sz="4800" dirty="0">
               <a:solidFill>
                 <a:srgbClr val="FF0000"/>
               </a:solidFill>
             </a:endParaRPr>
           </a:p>
-          <a:p>
-            <a:pPr algn="ctr"/>
-            <a:r>
-              <a:rPr lang="it-IT" sz="4400" dirty="0" smtClean="0">
-                <a:solidFill>
-                  <a:srgbClr val="FF0000"/>
-                </a:solidFill>
-              </a:rPr>
-              <a:t>Analysis</a:t>
-            </a:r>
-            <a:endParaRPr lang="it-IT" sz="4400" dirty="0">
-              <a:solidFill>
-                <a:srgbClr val="FF0000"/>
-              </a:solidFill>
-            </a:endParaRPr>
-          </a:p>
-        </p:txBody>
-      </p:sp>
-      <p:sp>
-        <p:nvSpPr>
-          <p:cNvPr id="18" name="Freccia in giù 34"/>
-          <p:cNvSpPr/>
-          <p:nvPr/>
-        </p:nvSpPr>
-        <p:spPr>
-          <a:xfrm>
-            <a:off x="1474259" y="3545806"/>
-            <a:ext cx="1008112" cy="648072"/>
-          </a:xfrm>
-          <a:prstGeom prst="downArrow">
-            <a:avLst/>
-          </a:prstGeom>
-          <a:solidFill>
-            <a:schemeClr val="accent6">
-              <a:lumMod val="60000"/>
-              <a:lumOff val="40000"/>
-            </a:schemeClr>
-          </a:solidFill>
-          <a:ln>
-            <a:solidFill>
-              <a:schemeClr val="bg1">
-                <a:lumMod val="50000"/>
-              </a:schemeClr>
-            </a:solidFill>
-          </a:ln>
-          <a:scene3d>
-            <a:camera prst="orthographicFront">
-              <a:rot lat="0" lon="0" rev="18600000"/>
-            </a:camera>
-            <a:lightRig rig="threePt" dir="t"/>
-          </a:scene3d>
-        </p:spPr>
-        <p:style>
-          <a:lnRef idx="2">
-            <a:schemeClr val="accent1">
-              <a:shade val="50000"/>
-            </a:schemeClr>
-          </a:lnRef>
-          <a:fillRef idx="1">
-            <a:schemeClr val="accent1"/>
-          </a:fillRef>
-          <a:effectRef idx="0">
-            <a:schemeClr val="accent1"/>
-          </a:effectRef>
-          <a:fontRef idx="minor">
-            <a:schemeClr val="lt1"/>
-          </a:fontRef>
-        </p:style>
-        <p:txBody>
-          <a:bodyPr rtlCol="0" anchor="ctr"/>
-          <a:lstStyle/>
-          <a:p>
-            <a:pPr algn="ctr"/>
-            <a:endParaRPr lang="it-IT"/>
-          </a:p>
-        </p:txBody>
-      </p:sp>
-      <p:sp>
-        <p:nvSpPr>
-          <p:cNvPr id="19" name="Freccia in giù 33"/>
-          <p:cNvSpPr/>
-          <p:nvPr/>
-        </p:nvSpPr>
-        <p:spPr>
-          <a:xfrm>
-            <a:off x="3935760" y="3542586"/>
-            <a:ext cx="1008112" cy="648072"/>
-          </a:xfrm>
-          <a:prstGeom prst="downArrow">
-            <a:avLst/>
-          </a:prstGeom>
-          <a:solidFill>
-            <a:schemeClr val="accent6">
-              <a:lumMod val="60000"/>
-              <a:lumOff val="40000"/>
-            </a:schemeClr>
-          </a:solidFill>
-          <a:ln>
-            <a:solidFill>
-              <a:schemeClr val="bg1">
-                <a:lumMod val="50000"/>
-              </a:schemeClr>
-            </a:solidFill>
-          </a:ln>
-          <a:scene3d>
-            <a:camera prst="orthographicFront">
-              <a:rot lat="0" lon="0" rev="3000000"/>
-            </a:camera>
-            <a:lightRig rig="threePt" dir="t"/>
-          </a:scene3d>
-        </p:spPr>
-        <p:style>
-          <a:lnRef idx="2">
-            <a:schemeClr val="accent1">
-              <a:shade val="50000"/>
-            </a:schemeClr>
-          </a:lnRef>
-          <a:fillRef idx="1">
-            <a:schemeClr val="accent1"/>
-          </a:fillRef>
-          <a:effectRef idx="0">
-            <a:schemeClr val="accent1"/>
-          </a:effectRef>
-          <a:fontRef idx="minor">
-            <a:schemeClr val="lt1"/>
-          </a:fontRef>
-        </p:style>
-        <p:txBody>
-          <a:bodyPr rtlCol="0" anchor="ctr"/>
-          <a:lstStyle/>
-          <a:p>
-            <a:pPr algn="ctr"/>
-            <a:endParaRPr lang="it-IT"/>
-          </a:p>
         </p:txBody>
       </p:sp>
     </p:spTree>
     <p:extLst>
       <p:ext uri="{BB962C8B-B14F-4D97-AF65-F5344CB8AC3E}">
-        <p14:creationId xmlns:p14="http://schemas.microsoft.com/office/powerpoint/2010/main" val="1345029688"/>
+        <p14:creationId xmlns:p14="http://schemas.microsoft.com/office/powerpoint/2010/main" val="64031430"/>
       </p:ext>
     </p:extLst>
   </p:cSld>
@@ -5027,8 +4481,8 @@
         </p:nvSpPr>
         <p:spPr>
           <a:xfrm>
-            <a:off x="3603893" y="609622"/>
-            <a:ext cx="4241274" cy="523220"/>
+            <a:off x="4788426" y="530394"/>
+            <a:ext cx="2592288" cy="523220"/>
           </a:xfrm>
           <a:prstGeom prst="rect">
             <a:avLst/>
@@ -5052,20 +4506,16 @@
           <a:p>
             <a:pPr algn="ctr"/>
             <a:r>
+              <a:rPr lang="it-IT" sz="2800" dirty="0" smtClean="0"/>
+              <a:t>No </a:t>
+            </a:r>
+            <a:r>
+              <a:rPr lang="it-IT" sz="2800" dirty="0" err="1"/>
+              <a:t>G</a:t>
+            </a:r>
+            <a:r>
               <a:rPr lang="it-IT" sz="2800" dirty="0" err="1" smtClean="0"/>
-              <a:t>Should</a:t>
-            </a:r>
-            <a:r>
-              <a:rPr lang="it-IT" sz="2800" dirty="0" smtClean="0"/>
-              <a:t> </a:t>
-            </a:r>
-            <a:r>
-              <a:rPr lang="it-IT" sz="2800" dirty="0" err="1" smtClean="0"/>
-              <a:t>we</a:t>
-            </a:r>
-            <a:r>
-              <a:rPr lang="it-IT" sz="2800" dirty="0" smtClean="0"/>
-              <a:t> use FDA or KNN?</a:t>
+              <a:t>aussianity</a:t>
             </a:r>
             <a:endParaRPr lang="it-IT" sz="2800" dirty="0"/>
           </a:p>
@@ -5131,8 +4581,8 @@
         </p:nvSpPr>
         <p:spPr>
           <a:xfrm>
-            <a:off x="1794174" y="2517133"/>
-            <a:ext cx="2571750" cy="523220"/>
+            <a:off x="2244542" y="2517133"/>
+            <a:ext cx="1872208" cy="523220"/>
           </a:xfrm>
           <a:prstGeom prst="rect">
             <a:avLst/>
@@ -5157,11 +4607,7 @@
             <a:pPr algn="ctr"/>
             <a:r>
               <a:rPr lang="it-IT" sz="2800" dirty="0" smtClean="0"/>
-              <a:t>Cross-</a:t>
-            </a:r>
-            <a:r>
-              <a:rPr lang="it-IT" sz="2800" dirty="0" err="1" smtClean="0"/>
-              <a:t>Validation</a:t>
+              <a:t>FDA</a:t>
             </a:r>
             <a:endParaRPr lang="it-IT" sz="2800" dirty="0"/>
           </a:p>
@@ -5175,8 +4621,8 @@
         </p:nvSpPr>
         <p:spPr>
           <a:xfrm>
-            <a:off x="7845167" y="2517133"/>
-            <a:ext cx="1872208" cy="1384995"/>
+            <a:off x="7947255" y="2519666"/>
+            <a:ext cx="1872208" cy="523220"/>
           </a:xfrm>
           <a:prstGeom prst="rect">
             <a:avLst/>
@@ -5200,21 +4646,107 @@
           <a:p>
             <a:pPr algn="ctr"/>
             <a:r>
-              <a:rPr lang="it-IT" sz="2800" dirty="0" err="1" smtClean="0"/>
+              <a:rPr lang="it-IT" sz="2800" dirty="0" smtClean="0"/>
+              <a:t>KNN</a:t>
+            </a:r>
+            <a:endParaRPr lang="it-IT" sz="2800" dirty="0"/>
+          </a:p>
+        </p:txBody>
+      </p:sp>
+      <p:sp>
+        <p:nvSpPr>
+          <p:cNvPr id="31" name="CasellaDiTesto 30"/>
+          <p:cNvSpPr txBox="1"/>
+          <p:nvPr/>
+        </p:nvSpPr>
+        <p:spPr>
+          <a:xfrm>
+            <a:off x="4788426" y="4655873"/>
+            <a:ext cx="1872208" cy="584775"/>
+          </a:xfrm>
+          <a:prstGeom prst="rect">
+            <a:avLst/>
+          </a:prstGeom>
+          <a:solidFill>
+            <a:schemeClr val="accent6">
+              <a:lumMod val="60000"/>
+              <a:lumOff val="40000"/>
+            </a:schemeClr>
+          </a:solidFill>
+          <a:ln w="19050">
+            <a:solidFill>
+              <a:schemeClr val="tx1"/>
+            </a:solidFill>
+          </a:ln>
+        </p:spPr>
+        <p:txBody>
+          <a:bodyPr wrap="square" rtlCol="0">
+            <a:spAutoFit/>
+          </a:bodyPr>
+          <a:lstStyle/>
+          <a:p>
+            <a:pPr algn="ctr"/>
+            <a:r>
+              <a:rPr lang="it-IT" sz="3200" dirty="0" err="1" smtClean="0"/>
               <a:t>Prediction</a:t>
             </a:r>
-            <a:r>
-              <a:rPr lang="it-IT" sz="2800" dirty="0" smtClean="0"/>
-              <a:t> on the </a:t>
-            </a:r>
-          </a:p>
+            <a:endParaRPr lang="it-IT" sz="3200" dirty="0"/>
+          </a:p>
+        </p:txBody>
+      </p:sp>
+      <p:sp>
+        <p:nvSpPr>
+          <p:cNvPr id="32" name="CasellaDiTesto 31"/>
+          <p:cNvSpPr txBox="1"/>
+          <p:nvPr/>
+        </p:nvSpPr>
+        <p:spPr>
+          <a:xfrm>
+            <a:off x="372334" y="4655874"/>
+            <a:ext cx="2336576" cy="1569660"/>
+          </a:xfrm>
+          <a:prstGeom prst="rect">
+            <a:avLst/>
+          </a:prstGeom>
+          <a:solidFill>
+            <a:schemeClr val="accent6">
+              <a:lumMod val="60000"/>
+              <a:lumOff val="40000"/>
+            </a:schemeClr>
+          </a:solidFill>
+          <a:ln w="19050">
+            <a:solidFill>
+              <a:schemeClr val="tx1"/>
+            </a:solidFill>
+          </a:ln>
+        </p:spPr>
+        <p:txBody>
+          <a:bodyPr wrap="square" rtlCol="0">
+            <a:spAutoFit/>
+          </a:bodyPr>
+          <a:lstStyle/>
           <a:p>
             <a:pPr algn="ctr"/>
             <a:r>
-              <a:rPr lang="it-IT" sz="2800" dirty="0" err="1" smtClean="0"/>
-              <a:t>past</a:t>
-            </a:r>
-            <a:endParaRPr lang="it-IT" sz="2800" dirty="0"/>
+              <a:rPr lang="it-IT" sz="3200" dirty="0" err="1" smtClean="0"/>
+              <a:t>Centroids</a:t>
+            </a:r>
+            <a:endParaRPr lang="it-IT" sz="3200" dirty="0" smtClean="0"/>
+          </a:p>
+          <a:p>
+            <a:pPr algn="ctr"/>
+            <a:r>
+              <a:rPr lang="it-IT" sz="3200" dirty="0" smtClean="0"/>
+              <a:t>&amp;</a:t>
+            </a:r>
+          </a:p>
+          <a:p>
+            <a:pPr algn="ctr"/>
+            <a:r>
+              <a:rPr lang="it-IT" sz="3200" dirty="0" smtClean="0"/>
+              <a:t>Components</a:t>
+            </a:r>
+            <a:endParaRPr lang="it-IT" sz="3200" dirty="0"/>
           </a:p>
         </p:txBody>
       </p:sp>
@@ -5226,7 +4758,7 @@
         </p:nvSpPr>
         <p:spPr>
           <a:xfrm>
-            <a:off x="6644468" y="1489100"/>
+            <a:off x="6960096" y="1489100"/>
             <a:ext cx="1008112" cy="648072"/>
           </a:xfrm>
           <a:prstGeom prst="downArrow">
@@ -5285,7 +4817,7 @@
         </p:nvSpPr>
         <p:spPr>
           <a:xfrm>
-            <a:off x="3694484" y="1489100"/>
+            <a:off x="4116750" y="1489100"/>
             <a:ext cx="1008112" cy="648072"/>
           </a:xfrm>
           <a:prstGeom prst="downArrow">
@@ -5338,13 +4870,68 @@
       </p:sp>
       <p:sp>
         <p:nvSpPr>
-          <p:cNvPr id="15" name="Freccia in giù 32"/>
+          <p:cNvPr id="2" name="CasellaDiTesto 1"/>
+          <p:cNvSpPr txBox="1"/>
+          <p:nvPr/>
+        </p:nvSpPr>
+        <p:spPr>
+          <a:xfrm>
+            <a:off x="415404" y="373894"/>
+            <a:ext cx="3505832" cy="1446550"/>
+          </a:xfrm>
+          <a:prstGeom prst="rect">
+            <a:avLst/>
+          </a:prstGeom>
+          <a:noFill/>
+        </p:spPr>
+        <p:txBody>
+          <a:bodyPr wrap="none" rtlCol="0">
+            <a:spAutoFit/>
+          </a:bodyPr>
+          <a:lstStyle/>
+          <a:p>
+            <a:pPr algn="ctr"/>
+            <a:r>
+              <a:rPr lang="it-IT" sz="4400" dirty="0" err="1" smtClean="0">
+                <a:solidFill>
+                  <a:srgbClr val="FF0000"/>
+                </a:solidFill>
+              </a:rPr>
+              <a:t>Discrimination</a:t>
+            </a:r>
+            <a:endParaRPr lang="it-IT" sz="4400" dirty="0" smtClean="0">
+              <a:solidFill>
+                <a:srgbClr val="FF0000"/>
+              </a:solidFill>
+            </a:endParaRPr>
+          </a:p>
+          <a:p>
+            <a:pPr algn="ctr"/>
+            <a:r>
+              <a:rPr lang="it-IT" sz="4400" dirty="0" smtClean="0">
+                <a:solidFill>
+                  <a:srgbClr val="FF0000"/>
+                </a:solidFill>
+              </a:rPr>
+              <a:t>Analysis</a:t>
+            </a:r>
+            <a:endParaRPr lang="it-IT" sz="4400" dirty="0">
+              <a:solidFill>
+                <a:srgbClr val="FF0000"/>
+              </a:solidFill>
+            </a:endParaRPr>
+          </a:p>
+        </p:txBody>
+      </p:sp>
+      <p:sp>
+        <p:nvSpPr>
+          <p:cNvPr id="18" name="Freccia in giù 34"/>
           <p:cNvSpPr/>
           <p:nvPr/>
         </p:nvSpPr>
         <p:spPr>
           <a:xfrm>
-            <a:off x="2575993" y="3420314"/>
+            <a:off x="1474259" y="3545806"/>
             <a:ext cx="1008112" cy="648072"/>
           </a:xfrm>
           <a:prstGeom prst="downArrow">
@@ -5363,6 +4950,12 @@
               </a:schemeClr>
             </a:solidFill>
           </a:ln>
+          <a:scene3d>
+            <a:camera prst="orthographicFront">
+              <a:rot lat="0" lon="0" rev="18600000"/>
+            </a:camera>
+            <a:lightRig rig="threePt" dir="t"/>
+          </a:scene3d>
         </p:spPr>
         <p:style>
           <a:lnRef idx="2">
@@ -5391,13 +4984,72 @@
       </p:sp>
       <p:sp>
         <p:nvSpPr>
-          <p:cNvPr id="16" name="CasellaDiTesto 15"/>
+          <p:cNvPr id="19" name="Freccia in giù 33"/>
+          <p:cNvSpPr/>
+          <p:nvPr/>
+        </p:nvSpPr>
+        <p:spPr>
+          <a:xfrm>
+            <a:off x="3935760" y="3542586"/>
+            <a:ext cx="1008112" cy="648072"/>
+          </a:xfrm>
+          <a:prstGeom prst="downArrow">
+            <a:avLst/>
+          </a:prstGeom>
+          <a:solidFill>
+            <a:schemeClr val="accent6">
+              <a:lumMod val="60000"/>
+              <a:lumOff val="40000"/>
+            </a:schemeClr>
+          </a:solidFill>
+          <a:ln>
+            <a:solidFill>
+              <a:schemeClr val="bg1">
+                <a:lumMod val="50000"/>
+              </a:schemeClr>
+            </a:solidFill>
+          </a:ln>
+          <a:scene3d>
+            <a:camera prst="orthographicFront">
+              <a:rot lat="0" lon="0" rev="3000000"/>
+            </a:camera>
+            <a:lightRig rig="threePt" dir="t"/>
+          </a:scene3d>
+        </p:spPr>
+        <p:style>
+          <a:lnRef idx="2">
+            <a:schemeClr val="accent1">
+              <a:shade val="50000"/>
+            </a:schemeClr>
+          </a:lnRef>
+          <a:fillRef idx="1">
+            <a:schemeClr val="accent1"/>
+          </a:fillRef>
+          <a:effectRef idx="0">
+            <a:schemeClr val="accent1"/>
+          </a:effectRef>
+          <a:fontRef idx="minor">
+            <a:schemeClr val="lt1"/>
+          </a:fontRef>
+        </p:style>
+        <p:txBody>
+          <a:bodyPr rtlCol="0" anchor="ctr"/>
+          <a:lstStyle/>
+          <a:p>
+            <a:pPr algn="ctr"/>
+            <a:endParaRPr lang="it-IT"/>
+          </a:p>
+        </p:txBody>
+      </p:sp>
+      <p:sp>
+        <p:nvSpPr>
+          <p:cNvPr id="15" name="CasellaDiTesto 14"/>
           <p:cNvSpPr txBox="1"/>
           <p:nvPr/>
         </p:nvSpPr>
         <p:spPr>
           <a:xfrm>
-            <a:off x="2143945" y="4448347"/>
+            <a:off x="7947255" y="4655872"/>
             <a:ext cx="1872208" cy="584775"/>
           </a:xfrm>
           <a:prstGeom prst="rect">
@@ -5423,13 +5075,691 @@
           <a:p>
             <a:pPr algn="ctr"/>
             <a:r>
-              <a:rPr lang="it-IT" sz="3200" dirty="0" smtClean="0"/>
-              <a:t>APERCV</a:t>
+              <a:rPr lang="it-IT" sz="3200" dirty="0" err="1" smtClean="0"/>
+              <a:t>Prediction</a:t>
             </a:r>
             <a:endParaRPr lang="it-IT" sz="3200" dirty="0"/>
           </a:p>
         </p:txBody>
       </p:sp>
+      <p:sp>
+        <p:nvSpPr>
+          <p:cNvPr id="16" name="Freccia in giù 32"/>
+          <p:cNvSpPr/>
+          <p:nvPr/>
+        </p:nvSpPr>
+        <p:spPr>
+          <a:xfrm>
+            <a:off x="8379303" y="3559979"/>
+            <a:ext cx="1008112" cy="648072"/>
+          </a:xfrm>
+          <a:prstGeom prst="downArrow">
+            <a:avLst/>
+          </a:prstGeom>
+          <a:solidFill>
+            <a:schemeClr val="accent6">
+              <a:lumMod val="60000"/>
+              <a:lumOff val="40000"/>
+            </a:schemeClr>
+          </a:solidFill>
+          <a:ln>
+            <a:solidFill>
+              <a:schemeClr val="bg1">
+                <a:lumMod val="50000"/>
+              </a:schemeClr>
+            </a:solidFill>
+          </a:ln>
+        </p:spPr>
+        <p:style>
+          <a:lnRef idx="2">
+            <a:schemeClr val="accent1">
+              <a:shade val="50000"/>
+            </a:schemeClr>
+          </a:lnRef>
+          <a:fillRef idx="1">
+            <a:schemeClr val="accent1"/>
+          </a:fillRef>
+          <a:effectRef idx="0">
+            <a:schemeClr val="accent1"/>
+          </a:effectRef>
+          <a:fontRef idx="minor">
+            <a:schemeClr val="lt1"/>
+          </a:fontRef>
+        </p:style>
+        <p:txBody>
+          <a:bodyPr rtlCol="0" anchor="ctr"/>
+          <a:lstStyle/>
+          <a:p>
+            <a:pPr algn="ctr"/>
+            <a:endParaRPr lang="it-IT"/>
+          </a:p>
+        </p:txBody>
+      </p:sp>
+    </p:spTree>
+    <p:extLst>
+      <p:ext uri="{BB962C8B-B14F-4D97-AF65-F5344CB8AC3E}">
+        <p14:creationId xmlns:p14="http://schemas.microsoft.com/office/powerpoint/2010/main" val="1345029688"/>
+      </p:ext>
+    </p:extLst>
+  </p:cSld>
+  <p:clrMapOvr>
+    <a:masterClrMapping/>
+  </p:clrMapOvr>
+</p:sld>
+</file>
+
+<file path=ppt/slides/slide5.xml><?xml version="1.0" encoding="utf-8"?>
+<p:sld xmlns:a="http://schemas.openxmlformats.org/drawingml/2006/main" xmlns:r="http://schemas.openxmlformats.org/officeDocument/2006/relationships" xmlns:p="http://schemas.openxmlformats.org/presentationml/2006/main">
+  <p:cSld>
+    <p:spTree>
+      <p:nvGrpSpPr>
+        <p:cNvPr id="1" name=""/>
+        <p:cNvGrpSpPr/>
+        <p:nvPr/>
+      </p:nvGrpSpPr>
+      <p:grpSpPr>
+        <a:xfrm>
+          <a:off x="0" y="0"/>
+          <a:ext cx="0" cy="0"/>
+          <a:chOff x="0" y="0"/>
+          <a:chExt cx="0" cy="0"/>
+        </a:xfrm>
+      </p:grpSpPr>
+      <p:pic>
+        <p:nvPicPr>
+          <p:cNvPr id="4" name="Picture 2" descr="C:\Users\Leonardo\Desktop\United-Globe.png"/>
+          <p:cNvPicPr>
+            <a:picLocks noChangeAspect="1" noChangeArrowheads="1"/>
+          </p:cNvPicPr>
+          <p:nvPr/>
+        </p:nvPicPr>
+        <p:blipFill>
+          <a:blip r:embed="rId2" cstate="print"/>
+          <a:srcRect/>
+          <a:stretch>
+            <a:fillRect/>
+          </a:stretch>
+        </p:blipFill>
+        <p:spPr bwMode="auto">
+          <a:xfrm>
+            <a:off x="9192344" y="5373217"/>
+            <a:ext cx="1254238" cy="1257003"/>
+          </a:xfrm>
+          <a:prstGeom prst="rect">
+            <a:avLst/>
+          </a:prstGeom>
+          <a:noFill/>
+        </p:spPr>
+      </p:pic>
+      <p:sp>
+        <p:nvSpPr>
+          <p:cNvPr id="12" name="CasellaDiTesto 11"/>
+          <p:cNvSpPr txBox="1"/>
+          <p:nvPr/>
+        </p:nvSpPr>
+        <p:spPr>
+          <a:xfrm>
+            <a:off x="3603893" y="609622"/>
+            <a:ext cx="4241274" cy="523220"/>
+          </a:xfrm>
+          <a:prstGeom prst="rect">
+            <a:avLst/>
+          </a:prstGeom>
+          <a:solidFill>
+            <a:schemeClr val="bg1">
+              <a:lumMod val="75000"/>
+            </a:schemeClr>
+          </a:solidFill>
+          <a:ln w="19050">
+            <a:solidFill>
+              <a:schemeClr val="tx1"/>
+            </a:solidFill>
+          </a:ln>
+        </p:spPr>
+        <p:txBody>
+          <a:bodyPr wrap="square" rtlCol="0">
+            <a:spAutoFit/>
+          </a:bodyPr>
+          <a:lstStyle/>
+          <a:p>
+            <a:pPr algn="ctr"/>
+            <a:r>
+              <a:rPr lang="it-IT" sz="2800" dirty="0" err="1" smtClean="0"/>
+              <a:t>Should</a:t>
+            </a:r>
+            <a:r>
+              <a:rPr lang="it-IT" sz="2800" dirty="0" smtClean="0"/>
+              <a:t> </a:t>
+            </a:r>
+            <a:r>
+              <a:rPr lang="it-IT" sz="2800" dirty="0" err="1" smtClean="0"/>
+              <a:t>we</a:t>
+            </a:r>
+            <a:r>
+              <a:rPr lang="it-IT" sz="2800" dirty="0" smtClean="0"/>
+              <a:t> use FDA or KNN?</a:t>
+            </a:r>
+            <a:endParaRPr lang="it-IT" sz="2800" dirty="0"/>
+          </a:p>
+        </p:txBody>
+      </p:sp>
+      <p:sp>
+        <p:nvSpPr>
+          <p:cNvPr id="13" name="CasellaDiTesto 12"/>
+          <p:cNvSpPr txBox="1"/>
+          <p:nvPr/>
+        </p:nvSpPr>
+        <p:spPr>
+          <a:xfrm>
+            <a:off x="3584105" y="1493168"/>
+            <a:ext cx="184731" cy="369332"/>
+          </a:xfrm>
+          <a:prstGeom prst="rect">
+            <a:avLst/>
+          </a:prstGeom>
+          <a:noFill/>
+        </p:spPr>
+        <p:txBody>
+          <a:bodyPr wrap="none" rtlCol="0">
+            <a:spAutoFit/>
+          </a:bodyPr>
+          <a:lstStyle/>
+          <a:p>
+            <a:endParaRPr lang="it-IT" dirty="0"/>
+          </a:p>
+        </p:txBody>
+      </p:sp>
+      <p:sp>
+        <p:nvSpPr>
+          <p:cNvPr id="14" name="CasellaDiTesto 13"/>
+          <p:cNvSpPr txBox="1"/>
+          <p:nvPr/>
+        </p:nvSpPr>
+        <p:spPr>
+          <a:xfrm>
+            <a:off x="3736505" y="1645568"/>
+            <a:ext cx="184731" cy="369332"/>
+          </a:xfrm>
+          <a:prstGeom prst="rect">
+            <a:avLst/>
+          </a:prstGeom>
+          <a:noFill/>
+        </p:spPr>
+        <p:txBody>
+          <a:bodyPr wrap="none" rtlCol="0">
+            <a:spAutoFit/>
+          </a:bodyPr>
+          <a:lstStyle/>
+          <a:p>
+            <a:endParaRPr lang="it-IT" dirty="0"/>
+          </a:p>
+        </p:txBody>
+      </p:sp>
+      <p:graphicFrame>
+        <p:nvGraphicFramePr>
+          <p:cNvPr id="17" name="Segnaposto contenuto 3"/>
+          <p:cNvGraphicFramePr>
+            <a:graphicFrameLocks noGrp="1"/>
+          </p:cNvGraphicFramePr>
+          <p:nvPr>
+            <p:ph idx="1"/>
+            <p:extLst>
+              <p:ext uri="{D42A27DB-BD31-4B8C-83A1-F6EECF244321}">
+                <p14:modId xmlns:p14="http://schemas.microsoft.com/office/powerpoint/2010/main" val="1321993764"/>
+              </p:ext>
+            </p:extLst>
+          </p:nvPr>
+        </p:nvGraphicFramePr>
+        <p:xfrm>
+          <a:off x="838200" y="1825625"/>
+          <a:ext cx="10515600" cy="2966720"/>
+        </p:xfrm>
+        <a:graphic>
+          <a:graphicData uri="http://schemas.openxmlformats.org/drawingml/2006/table">
+            <a:tbl>
+              <a:tblPr firstRow="1" bandRow="1">
+                <a:tableStyleId>{5C22544A-7EE6-4342-B048-85BDC9FD1C3A}</a:tableStyleId>
+              </a:tblPr>
+              <a:tblGrid>
+                <a:gridCol w="3505200"/>
+                <a:gridCol w="3505200"/>
+                <a:gridCol w="3505200"/>
+              </a:tblGrid>
+              <a:tr h="370840">
+                <a:tc>
+                  <a:txBody>
+                    <a:bodyPr/>
+                    <a:lstStyle/>
+                    <a:p>
+                      <a:pPr algn="ctr"/>
+                      <a:endParaRPr lang="it-IT" dirty="0"/>
+                    </a:p>
+                  </a:txBody>
+                  <a:tcPr/>
+                </a:tc>
+                <a:tc>
+                  <a:txBody>
+                    <a:bodyPr/>
+                    <a:lstStyle/>
+                    <a:p>
+                      <a:pPr algn="ctr"/>
+                      <a:r>
+                        <a:rPr lang="it-IT" dirty="0" smtClean="0"/>
+                        <a:t>APERCV K-</a:t>
+                      </a:r>
+                      <a:r>
+                        <a:rPr lang="it-IT" dirty="0" err="1" smtClean="0"/>
+                        <a:t>Means</a:t>
+                      </a:r>
+                      <a:endParaRPr lang="it-IT" dirty="0"/>
+                    </a:p>
+                  </a:txBody>
+                  <a:tcPr/>
+                </a:tc>
+                <a:tc>
+                  <a:txBody>
+                    <a:bodyPr/>
+                    <a:lstStyle/>
+                    <a:p>
+                      <a:pPr algn="ctr"/>
+                      <a:r>
+                        <a:rPr lang="it-IT" dirty="0" smtClean="0"/>
+                        <a:t>APERCV FDA</a:t>
+                      </a:r>
+                      <a:endParaRPr lang="it-IT" dirty="0"/>
+                    </a:p>
+                  </a:txBody>
+                  <a:tcPr/>
+                </a:tc>
+              </a:tr>
+              <a:tr h="370840">
+                <a:tc>
+                  <a:txBody>
+                    <a:bodyPr/>
+                    <a:lstStyle/>
+                    <a:p>
+                      <a:r>
+                        <a:rPr lang="it-IT" dirty="0" smtClean="0"/>
+                        <a:t>Agricolture</a:t>
+                      </a:r>
+                      <a:endParaRPr lang="it-IT" dirty="0"/>
+                    </a:p>
+                  </a:txBody>
+                  <a:tcPr/>
+                </a:tc>
+                <a:tc>
+                  <a:txBody>
+                    <a:bodyPr/>
+                    <a:lstStyle/>
+                    <a:p>
+                      <a:r>
+                        <a:rPr lang="nb-NO" dirty="0" smtClean="0"/>
+                        <a:t>0.1275</a:t>
+                      </a:r>
+                      <a:endParaRPr lang="it-IT" dirty="0"/>
+                    </a:p>
+                  </a:txBody>
+                  <a:tcPr>
+                    <a:solidFill>
+                      <a:srgbClr val="00B050"/>
+                    </a:solidFill>
+                  </a:tcPr>
+                </a:tc>
+                <a:tc>
+                  <a:txBody>
+                    <a:bodyPr/>
+                    <a:lstStyle/>
+                    <a:p>
+                      <a:r>
+                        <a:rPr lang="is-IS" dirty="0" smtClean="0"/>
+                        <a:t>0.2617</a:t>
+                      </a:r>
+                      <a:endParaRPr lang="it-IT" dirty="0"/>
+                    </a:p>
+                  </a:txBody>
+                  <a:tcPr>
+                    <a:solidFill>
+                      <a:srgbClr val="FF0000"/>
+                    </a:solidFill>
+                  </a:tcPr>
+                </a:tc>
+              </a:tr>
+              <a:tr h="370840">
+                <a:tc>
+                  <a:txBody>
+                    <a:bodyPr/>
+                    <a:lstStyle/>
+                    <a:p>
+                      <a:r>
+                        <a:rPr lang="it-IT" dirty="0" err="1" smtClean="0"/>
+                        <a:t>Economic</a:t>
+                      </a:r>
+                      <a:r>
+                        <a:rPr lang="it-IT" dirty="0" smtClean="0"/>
+                        <a:t> </a:t>
+                      </a:r>
+                      <a:r>
+                        <a:rPr lang="it-IT" dirty="0" err="1" smtClean="0"/>
+                        <a:t>indicators</a:t>
+                      </a:r>
+                      <a:endParaRPr lang="it-IT" dirty="0"/>
+                    </a:p>
+                  </a:txBody>
+                  <a:tcPr/>
+                </a:tc>
+                <a:tc>
+                  <a:txBody>
+                    <a:bodyPr/>
+                    <a:lstStyle/>
+                    <a:p>
+                      <a:r>
+                        <a:rPr lang="it-IT" dirty="0" smtClean="0"/>
+                        <a:t>0.0712</a:t>
+                      </a:r>
+                      <a:endParaRPr lang="it-IT" dirty="0"/>
+                    </a:p>
+                  </a:txBody>
+                  <a:tcPr>
+                    <a:solidFill>
+                      <a:srgbClr val="00B050"/>
+                    </a:solidFill>
+                  </a:tcPr>
+                </a:tc>
+                <a:tc>
+                  <a:txBody>
+                    <a:bodyPr/>
+                    <a:lstStyle/>
+                    <a:p>
+                      <a:r>
+                        <a:rPr lang="it-IT" dirty="0" smtClean="0"/>
+                        <a:t>0.1905</a:t>
+                      </a:r>
+                      <a:endParaRPr lang="it-IT" dirty="0"/>
+                    </a:p>
+                  </a:txBody>
+                  <a:tcPr>
+                    <a:solidFill>
+                      <a:srgbClr val="FF0000"/>
+                    </a:solidFill>
+                  </a:tcPr>
+                </a:tc>
+              </a:tr>
+              <a:tr h="370840">
+                <a:tc>
+                  <a:txBody>
+                    <a:bodyPr/>
+                    <a:lstStyle/>
+                    <a:p>
+                      <a:r>
+                        <a:rPr lang="it-IT" dirty="0" err="1" smtClean="0"/>
+                        <a:t>Ease</a:t>
+                      </a:r>
+                      <a:r>
+                        <a:rPr lang="it-IT" baseline="0" dirty="0" smtClean="0"/>
+                        <a:t> to start a business</a:t>
+                      </a:r>
+                      <a:endParaRPr lang="it-IT" dirty="0"/>
+                    </a:p>
+                  </a:txBody>
+                  <a:tcPr/>
+                </a:tc>
+                <a:tc>
+                  <a:txBody>
+                    <a:bodyPr/>
+                    <a:lstStyle/>
+                    <a:p>
+                      <a:r>
+                        <a:rPr lang="pl-PL" dirty="0" smtClean="0"/>
+                        <a:t>0.0643</a:t>
+                      </a:r>
+                      <a:endParaRPr lang="it-IT" dirty="0"/>
+                    </a:p>
+                  </a:txBody>
+                  <a:tcPr>
+                    <a:solidFill>
+                      <a:srgbClr val="00B050"/>
+                    </a:solidFill>
+                  </a:tcPr>
+                </a:tc>
+                <a:tc>
+                  <a:txBody>
+                    <a:bodyPr/>
+                    <a:lstStyle/>
+                    <a:p>
+                      <a:r>
+                        <a:rPr lang="nb-NO" dirty="0" smtClean="0"/>
+                        <a:t>0.1462</a:t>
+                      </a:r>
+                      <a:endParaRPr lang="it-IT" dirty="0"/>
+                    </a:p>
+                  </a:txBody>
+                  <a:tcPr>
+                    <a:solidFill>
+                      <a:srgbClr val="FF0000"/>
+                    </a:solidFill>
+                  </a:tcPr>
+                </a:tc>
+              </a:tr>
+              <a:tr h="370840">
+                <a:tc>
+                  <a:txBody>
+                    <a:bodyPr/>
+                    <a:lstStyle/>
+                    <a:p>
+                      <a:r>
+                        <a:rPr lang="it-IT" dirty="0" smtClean="0"/>
+                        <a:t>Natural</a:t>
+                      </a:r>
+                      <a:r>
+                        <a:rPr lang="it-IT" baseline="0" dirty="0" smtClean="0"/>
+                        <a:t> </a:t>
+                      </a:r>
+                      <a:r>
+                        <a:rPr lang="it-IT" baseline="0" dirty="0" err="1" smtClean="0"/>
+                        <a:t>resources</a:t>
+                      </a:r>
+                      <a:endParaRPr lang="it-IT" dirty="0"/>
+                    </a:p>
+                  </a:txBody>
+                  <a:tcPr/>
+                </a:tc>
+                <a:tc>
+                  <a:txBody>
+                    <a:bodyPr/>
+                    <a:lstStyle/>
+                    <a:p>
+                      <a:r>
+                        <a:rPr lang="nb-NO" dirty="0" smtClean="0"/>
+                        <a:t>0.0393</a:t>
+                      </a:r>
+                      <a:endParaRPr lang="it-IT" dirty="0"/>
+                    </a:p>
+                  </a:txBody>
+                  <a:tcPr>
+                    <a:solidFill>
+                      <a:srgbClr val="00B050"/>
+                    </a:solidFill>
+                  </a:tcPr>
+                </a:tc>
+                <a:tc>
+                  <a:txBody>
+                    <a:bodyPr/>
+                    <a:lstStyle/>
+                    <a:p>
+                      <a:r>
+                        <a:rPr lang="hr-HR" dirty="0" smtClean="0"/>
+                        <a:t>0.0561</a:t>
+                      </a:r>
+                      <a:endParaRPr lang="it-IT" dirty="0"/>
+                    </a:p>
+                  </a:txBody>
+                  <a:tcPr>
+                    <a:solidFill>
+                      <a:srgbClr val="FF0000"/>
+                    </a:solidFill>
+                  </a:tcPr>
+                </a:tc>
+              </a:tr>
+              <a:tr h="370840">
+                <a:tc>
+                  <a:txBody>
+                    <a:bodyPr/>
+                    <a:lstStyle/>
+                    <a:p>
+                      <a:r>
+                        <a:rPr lang="it-IT" dirty="0" smtClean="0"/>
+                        <a:t>Production</a:t>
+                      </a:r>
+                      <a:endParaRPr lang="it-IT" dirty="0"/>
+                    </a:p>
+                  </a:txBody>
+                  <a:tcPr/>
+                </a:tc>
+                <a:tc>
+                  <a:txBody>
+                    <a:bodyPr/>
+                    <a:lstStyle/>
+                    <a:p>
+                      <a:r>
+                        <a:rPr lang="pt-BR" dirty="0" smtClean="0"/>
+                        <a:t>0.0559</a:t>
+                      </a:r>
+                      <a:endParaRPr lang="it-IT" dirty="0"/>
+                    </a:p>
+                  </a:txBody>
+                  <a:tcPr>
+                    <a:solidFill>
+                      <a:srgbClr val="00B050"/>
+                    </a:solidFill>
+                  </a:tcPr>
+                </a:tc>
+                <a:tc>
+                  <a:txBody>
+                    <a:bodyPr/>
+                    <a:lstStyle/>
+                    <a:p>
+                      <a:r>
+                        <a:rPr lang="nb-NO" dirty="0" smtClean="0"/>
+                        <a:t>0.3230</a:t>
+                      </a:r>
+                      <a:endParaRPr lang="it-IT" dirty="0"/>
+                    </a:p>
+                  </a:txBody>
+                  <a:tcPr>
+                    <a:solidFill>
+                      <a:srgbClr val="FF0000"/>
+                    </a:solidFill>
+                  </a:tcPr>
+                </a:tc>
+              </a:tr>
+              <a:tr h="370840">
+                <a:tc>
+                  <a:txBody>
+                    <a:bodyPr/>
+                    <a:lstStyle/>
+                    <a:p>
+                      <a:r>
+                        <a:rPr lang="it-IT" dirty="0" smtClean="0"/>
+                        <a:t>Telecommunication</a:t>
+                      </a:r>
+                      <a:endParaRPr lang="it-IT" dirty="0"/>
+                    </a:p>
+                  </a:txBody>
+                  <a:tcPr/>
+                </a:tc>
+                <a:tc>
+                  <a:txBody>
+                    <a:bodyPr/>
+                    <a:lstStyle/>
+                    <a:p>
+                      <a:r>
+                        <a:rPr lang="hr-HR" dirty="0" smtClean="0"/>
+                        <a:t>0.0653</a:t>
+                      </a:r>
+                      <a:endParaRPr lang="it-IT" dirty="0"/>
+                    </a:p>
+                  </a:txBody>
+                  <a:tcPr>
+                    <a:solidFill>
+                      <a:srgbClr val="FF0000"/>
+                    </a:solidFill>
+                  </a:tcPr>
+                </a:tc>
+                <a:tc>
+                  <a:txBody>
+                    <a:bodyPr/>
+                    <a:lstStyle/>
+                    <a:p>
+                      <a:r>
+                        <a:rPr lang="nb-NO" dirty="0" smtClean="0"/>
+                        <a:t>0.0151</a:t>
+                      </a:r>
+                      <a:endParaRPr lang="it-IT" dirty="0"/>
+                    </a:p>
+                  </a:txBody>
+                  <a:tcPr>
+                    <a:solidFill>
+                      <a:srgbClr val="00B050"/>
+                    </a:solidFill>
+                  </a:tcPr>
+                </a:tc>
+              </a:tr>
+              <a:tr h="370840">
+                <a:tc>
+                  <a:txBody>
+                    <a:bodyPr/>
+                    <a:lstStyle/>
+                    <a:p>
+                      <a:r>
+                        <a:rPr lang="it-IT" dirty="0" err="1" smtClean="0"/>
+                        <a:t>Trade</a:t>
+                      </a:r>
+                      <a:endParaRPr lang="it-IT" dirty="0"/>
+                    </a:p>
+                  </a:txBody>
+                  <a:tcPr/>
+                </a:tc>
+                <a:tc>
+                  <a:txBody>
+                    <a:bodyPr/>
+                    <a:lstStyle/>
+                    <a:p>
+                      <a:r>
+                        <a:rPr lang="hr-HR" dirty="0" smtClean="0"/>
+                        <a:t>0.1361</a:t>
+                      </a:r>
+                      <a:endParaRPr lang="it-IT" dirty="0"/>
+                    </a:p>
+                  </a:txBody>
+                  <a:tcPr>
+                    <a:solidFill>
+                      <a:srgbClr val="FF0000"/>
+                    </a:solidFill>
+                  </a:tcPr>
+                </a:tc>
+                <a:tc>
+                  <a:txBody>
+                    <a:bodyPr/>
+                    <a:lstStyle/>
+                    <a:p>
+                      <a:r>
+                        <a:rPr lang="pl-PL" dirty="0" smtClean="0"/>
+                        <a:t>0.0651</a:t>
+                      </a:r>
+                      <a:endParaRPr lang="it-IT" dirty="0"/>
+                    </a:p>
+                  </a:txBody>
+                  <a:tcPr>
+                    <a:solidFill>
+                      <a:srgbClr val="00B050"/>
+                    </a:solidFill>
+                  </a:tcPr>
+                </a:tc>
+              </a:tr>
+            </a:tbl>
+          </a:graphicData>
+        </a:graphic>
+      </p:graphicFrame>
     </p:spTree>
     <p:extLst>
       <p:ext uri="{BB962C8B-B14F-4D97-AF65-F5344CB8AC3E}">
@@ -5440,6 +5770,96 @@
   <p:clrMapOvr>
     <a:masterClrMapping/>
   </p:clrMapOvr>
+  <p:timing>
+    <p:tnLst>
+      <p:par>
+        <p:cTn id="1" dur="indefinite" restart="never" nodeType="tmRoot"/>
+      </p:par>
+    </p:tnLst>
+  </p:timing>
+</p:sld>
+</file>
+
+<file path=ppt/slides/slide6.xml><?xml version="1.0" encoding="utf-8"?>
+<p:sld xmlns:a="http://schemas.openxmlformats.org/drawingml/2006/main" xmlns:r="http://schemas.openxmlformats.org/officeDocument/2006/relationships" xmlns:p="http://schemas.openxmlformats.org/presentationml/2006/main">
+  <p:cSld>
+    <p:spTree>
+      <p:nvGrpSpPr>
+        <p:cNvPr id="1" name=""/>
+        <p:cNvGrpSpPr/>
+        <p:nvPr/>
+      </p:nvGrpSpPr>
+      <p:grpSpPr>
+        <a:xfrm>
+          <a:off x="0" y="0"/>
+          <a:ext cx="0" cy="0"/>
+          <a:chOff x="0" y="0"/>
+          <a:chExt cx="0" cy="0"/>
+        </a:xfrm>
+      </p:grpSpPr>
+      <p:sp>
+        <p:nvSpPr>
+          <p:cNvPr id="2" name="Titolo 1"/>
+          <p:cNvSpPr>
+            <a:spLocks noGrp="1"/>
+          </p:cNvSpPr>
+          <p:nvPr>
+            <p:ph type="title"/>
+          </p:nvPr>
+        </p:nvSpPr>
+        <p:spPr/>
+        <p:txBody>
+          <a:bodyPr/>
+          <a:lstStyle/>
+          <a:p>
+            <a:r>
+              <a:rPr lang="it-IT" dirty="0" smtClean="0"/>
+              <a:t>Tabella </a:t>
+            </a:r>
+            <a:r>
+              <a:rPr lang="it-IT" smtClean="0"/>
+              <a:t>aper</a:t>
+            </a:r>
+            <a:endParaRPr lang="it-IT"/>
+          </a:p>
+        </p:txBody>
+      </p:sp>
+      <p:sp>
+        <p:nvSpPr>
+          <p:cNvPr id="5" name="Segnaposto contenuto 4"/>
+          <p:cNvSpPr>
+            <a:spLocks noGrp="1"/>
+          </p:cNvSpPr>
+          <p:nvPr>
+            <p:ph idx="1"/>
+          </p:nvPr>
+        </p:nvSpPr>
+        <p:spPr/>
+        <p:txBody>
+          <a:bodyPr/>
+          <a:lstStyle/>
+          <a:p>
+            <a:endParaRPr lang="it-IT"/>
+          </a:p>
+        </p:txBody>
+      </p:sp>
+    </p:spTree>
+    <p:extLst>
+      <p:ext uri="{BB962C8B-B14F-4D97-AF65-F5344CB8AC3E}">
+        <p14:creationId xmlns:p14="http://schemas.microsoft.com/office/powerpoint/2010/main" val="2072589235"/>
+      </p:ext>
+    </p:extLst>
+  </p:cSld>
+  <p:clrMapOvr>
+    <a:masterClrMapping/>
+  </p:clrMapOvr>
+  <p:timing>
+    <p:tnLst>
+      <p:par>
+        <p:cTn id="1" dur="indefinite" restart="never" nodeType="tmRoot"/>
+      </p:par>
+    </p:tnLst>
+  </p:timing>
 </p:sld>
 </file>
 

--- a/AAA-Final presentation/PresentazioneMowy.pptx
+++ b/AAA-Final presentation/PresentazioneMowy.pptx
@@ -5,15 +5,13 @@
     <p:sldMasterId id="2147483648" r:id="rId1"/>
   </p:sldMasterIdLst>
   <p:notesMasterIdLst>
-    <p:notesMasterId r:id="rId8"/>
+    <p:notesMasterId r:id="rId6"/>
   </p:notesMasterIdLst>
   <p:sldIdLst>
     <p:sldId id="257" r:id="rId2"/>
-    <p:sldId id="262" r:id="rId3"/>
-    <p:sldId id="259" r:id="rId4"/>
-    <p:sldId id="260" r:id="rId5"/>
-    <p:sldId id="261" r:id="rId6"/>
-    <p:sldId id="263" r:id="rId7"/>
+    <p:sldId id="259" r:id="rId3"/>
+    <p:sldId id="260" r:id="rId4"/>
+    <p:sldId id="261" r:id="rId5"/>
   </p:sldIdLst>
   <p:sldSz cx="12192000" cy="6858000"/>
   <p:notesSz cx="6858000" cy="9144000"/>
@@ -3361,7 +3359,7 @@
         </p:nvSpPr>
         <p:spPr>
           <a:xfrm>
-            <a:off x="4799856" y="404664"/>
+            <a:off x="4799856" y="419406"/>
             <a:ext cx="2592288" cy="523220"/>
           </a:xfrm>
           <a:prstGeom prst="rect">
@@ -3457,8 +3455,8 @@
         </p:nvSpPr>
         <p:spPr>
           <a:xfrm>
-            <a:off x="5159896" y="1826822"/>
-            <a:ext cx="1872208" cy="954107"/>
+            <a:off x="5159896" y="1728086"/>
+            <a:ext cx="1872208" cy="523220"/>
           </a:xfrm>
           <a:prstGeom prst="rect">
             <a:avLst/>
@@ -3482,24 +3480,8 @@
           <a:p>
             <a:pPr algn="ctr"/>
             <a:r>
-              <a:rPr lang="it-IT" sz="2800" dirty="0" err="1"/>
-              <a:t>select</a:t>
-            </a:r>
-            <a:r>
-              <a:rPr lang="it-IT" sz="2800" dirty="0"/>
-              <a:t> the </a:t>
-            </a:r>
-            <a:r>
-              <a:rPr lang="it-IT" sz="2800" dirty="0" err="1"/>
-              <a:t>fullest</a:t>
-            </a:r>
-            <a:r>
-              <a:rPr lang="it-IT" sz="2800" dirty="0"/>
-              <a:t> </a:t>
-            </a:r>
-            <a:r>
-              <a:rPr lang="it-IT" sz="2800" dirty="0" err="1"/>
-              <a:t>ones</a:t>
+              <a:rPr lang="it-IT" sz="2800" dirty="0" err="1" smtClean="0"/>
+              <a:t>Filtering</a:t>
             </a:r>
             <a:endParaRPr lang="it-IT" sz="2800" dirty="0"/>
           </a:p>
@@ -3513,8 +3495,8 @@
         </p:nvSpPr>
         <p:spPr>
           <a:xfrm>
-            <a:off x="2279576" y="3194974"/>
-            <a:ext cx="1872208" cy="954107"/>
+            <a:off x="5159896" y="4386526"/>
+            <a:ext cx="1872208" cy="523220"/>
           </a:xfrm>
           <a:prstGeom prst="rect">
             <a:avLst/>
@@ -3538,24 +3520,8 @@
           <a:p>
             <a:pPr algn="ctr"/>
             <a:r>
-              <a:rPr lang="it-IT" sz="2800" dirty="0" err="1"/>
-              <a:t>arrange</a:t>
-            </a:r>
-            <a:r>
-              <a:rPr lang="it-IT" sz="2800" dirty="0"/>
-              <a:t> </a:t>
-            </a:r>
-            <a:r>
-              <a:rPr lang="it-IT" sz="2800" dirty="0" err="1"/>
-              <a:t>into</a:t>
-            </a:r>
-            <a:r>
-              <a:rPr lang="it-IT" sz="2800" dirty="0"/>
-              <a:t> </a:t>
-            </a:r>
-            <a:r>
-              <a:rPr lang="it-IT" sz="2800" dirty="0" err="1"/>
-              <a:t>topics</a:t>
+              <a:rPr lang="it-IT" sz="2800" smtClean="0"/>
+              <a:t>PCA</a:t>
             </a:r>
             <a:endParaRPr lang="it-IT" sz="2800" dirty="0"/>
           </a:p>
@@ -3563,22 +3529,20 @@
       </p:sp>
       <p:sp>
         <p:nvSpPr>
-          <p:cNvPr id="28" name="CasellaDiTesto 27"/>
+          <p:cNvPr id="32" name="CasellaDiTesto 31"/>
           <p:cNvSpPr txBox="1"/>
           <p:nvPr/>
         </p:nvSpPr>
         <p:spPr>
           <a:xfrm>
-            <a:off x="7968208" y="3212977"/>
-            <a:ext cx="1872208" cy="954107"/>
+            <a:off x="5159896" y="5709330"/>
+            <a:ext cx="1872208" cy="584775"/>
           </a:xfrm>
           <a:prstGeom prst="rect">
             <a:avLst/>
           </a:prstGeom>
           <a:solidFill>
-            <a:schemeClr val="bg1">
-              <a:lumMod val="75000"/>
-            </a:schemeClr>
+            <a:srgbClr val="FF0000"/>
           </a:solidFill>
           <a:ln w="19050">
             <a:solidFill>
@@ -3594,107 +3558,10 @@
           <a:p>
             <a:pPr algn="ctr"/>
             <a:r>
-              <a:rPr lang="it-IT" sz="2800" dirty="0" err="1"/>
-              <a:t>analyze</a:t>
-            </a:r>
-            <a:r>
-              <a:rPr lang="it-IT" sz="2800" dirty="0"/>
-              <a:t> the </a:t>
-            </a:r>
-            <a:r>
-              <a:rPr lang="it-IT" sz="2800" dirty="0" err="1"/>
-              <a:t>main</a:t>
-            </a:r>
-            <a:r>
-              <a:rPr lang="it-IT" sz="2800" dirty="0"/>
-              <a:t> </a:t>
-            </a:r>
-            <a:r>
-              <a:rPr lang="it-IT" sz="2800" dirty="0" err="1"/>
-              <a:t>ones</a:t>
-            </a:r>
-            <a:endParaRPr lang="it-IT" sz="2800" dirty="0"/>
-          </a:p>
-        </p:txBody>
-      </p:sp>
-      <p:sp>
-        <p:nvSpPr>
-          <p:cNvPr id="31" name="CasellaDiTesto 30"/>
-          <p:cNvSpPr txBox="1"/>
-          <p:nvPr/>
-        </p:nvSpPr>
-        <p:spPr>
-          <a:xfrm>
-            <a:off x="6312024" y="5157193"/>
-            <a:ext cx="1872208" cy="584775"/>
-          </a:xfrm>
-          <a:prstGeom prst="rect">
-            <a:avLst/>
-          </a:prstGeom>
-          <a:solidFill>
-            <a:schemeClr val="accent6">
-              <a:lumMod val="60000"/>
-              <a:lumOff val="40000"/>
-            </a:schemeClr>
-          </a:solidFill>
-          <a:ln w="19050">
-            <a:solidFill>
-              <a:schemeClr val="tx1"/>
-            </a:solidFill>
-          </a:ln>
-        </p:spPr>
-        <p:txBody>
-          <a:bodyPr wrap="square" rtlCol="0">
-            <a:spAutoFit/>
-          </a:bodyPr>
-          <a:lstStyle/>
-          <a:p>
-            <a:pPr algn="ctr"/>
-            <a:r>
-              <a:rPr lang="it-IT" sz="3200" dirty="0" err="1"/>
-              <a:t>Inference</a:t>
+              <a:rPr lang="it-IT" sz="3200" smtClean="0"/>
+              <a:t>Clustering</a:t>
             </a:r>
             <a:endParaRPr lang="it-IT" sz="3200" dirty="0"/>
-          </a:p>
-        </p:txBody>
-      </p:sp>
-      <p:sp>
-        <p:nvSpPr>
-          <p:cNvPr id="32" name="CasellaDiTesto 31"/>
-          <p:cNvSpPr txBox="1"/>
-          <p:nvPr/>
-        </p:nvSpPr>
-        <p:spPr>
-          <a:xfrm>
-            <a:off x="3935760" y="5168623"/>
-            <a:ext cx="1872208" cy="584775"/>
-          </a:xfrm>
-          <a:prstGeom prst="rect">
-            <a:avLst/>
-          </a:prstGeom>
-          <a:solidFill>
-            <a:schemeClr val="accent6">
-              <a:lumMod val="60000"/>
-              <a:lumOff val="40000"/>
-            </a:schemeClr>
-          </a:solidFill>
-          <a:ln w="19050">
-            <a:solidFill>
-              <a:schemeClr val="tx1"/>
-            </a:solidFill>
-          </a:ln>
-        </p:spPr>
-        <p:txBody>
-          <a:bodyPr wrap="square" rtlCol="0">
-            <a:spAutoFit/>
-          </a:bodyPr>
-          <a:lstStyle/>
-          <a:p>
-            <a:pPr algn="ctr"/>
-            <a:r>
-              <a:rPr lang="it-IT" sz="3200" dirty="0"/>
-              <a:t>PCA</a:t>
-            </a:r>
           </a:p>
         </p:txBody>
       </p:sp>
@@ -3706,16 +3573,15 @@
         </p:nvSpPr>
         <p:spPr>
           <a:xfrm>
-            <a:off x="5591944" y="1052736"/>
-            <a:ext cx="1008112" cy="648072"/>
+            <a:off x="5591944" y="1069243"/>
+            <a:ext cx="1008112" cy="537770"/>
           </a:xfrm>
           <a:prstGeom prst="downArrow">
             <a:avLst/>
           </a:prstGeom>
           <a:solidFill>
-            <a:schemeClr val="accent6">
-              <a:lumMod val="60000"/>
-              <a:lumOff val="40000"/>
+            <a:schemeClr val="accent2">
+              <a:lumMod val="75000"/>
             </a:schemeClr>
           </a:solidFill>
           <a:ln>
@@ -3753,22 +3619,130 @@
       </p:sp>
       <p:sp>
         <p:nvSpPr>
-          <p:cNvPr id="34" name="Freccia in giù 33"/>
+          <p:cNvPr id="3" name="CasellaDiTesto 2"/>
+          <p:cNvSpPr txBox="1"/>
+          <p:nvPr/>
+        </p:nvSpPr>
+        <p:spPr>
+          <a:xfrm>
+            <a:off x="827340" y="404664"/>
+            <a:ext cx="2619500" cy="2308324"/>
+          </a:xfrm>
+          <a:prstGeom prst="rect">
+            <a:avLst/>
+          </a:prstGeom>
+          <a:noFill/>
+        </p:spPr>
+        <p:txBody>
+          <a:bodyPr wrap="none" rtlCol="0">
+            <a:spAutoFit/>
+          </a:bodyPr>
+          <a:lstStyle/>
+          <a:p>
+            <a:pPr algn="ctr"/>
+            <a:r>
+              <a:rPr lang="it-IT" sz="4800" dirty="0" err="1" smtClean="0">
+                <a:solidFill>
+                  <a:srgbClr val="FF0000"/>
+                </a:solidFill>
+              </a:rPr>
+              <a:t>Steps</a:t>
+            </a:r>
+            <a:r>
+              <a:rPr lang="it-IT" sz="4800" dirty="0" smtClean="0">
+                <a:solidFill>
+                  <a:srgbClr val="FF0000"/>
+                </a:solidFill>
+              </a:rPr>
+              <a:t> </a:t>
+            </a:r>
+          </a:p>
+          <a:p>
+            <a:pPr algn="ctr"/>
+            <a:r>
+              <a:rPr lang="it-IT" sz="4800" dirty="0" smtClean="0">
+                <a:solidFill>
+                  <a:srgbClr val="FF0000"/>
+                </a:solidFill>
+              </a:rPr>
+              <a:t>to</a:t>
+            </a:r>
+          </a:p>
+          <a:p>
+            <a:pPr algn="ctr"/>
+            <a:r>
+              <a:rPr lang="it-IT" sz="4800" dirty="0" err="1" smtClean="0">
+                <a:solidFill>
+                  <a:srgbClr val="FF0000"/>
+                </a:solidFill>
+              </a:rPr>
+              <a:t>clustering</a:t>
+            </a:r>
+            <a:endParaRPr lang="it-IT" sz="4800" dirty="0">
+              <a:solidFill>
+                <a:srgbClr val="FF0000"/>
+              </a:solidFill>
+            </a:endParaRPr>
+          </a:p>
+        </p:txBody>
+      </p:sp>
+      <p:sp>
+        <p:nvSpPr>
+          <p:cNvPr id="21" name="CasellaDiTesto 20"/>
+          <p:cNvSpPr txBox="1"/>
+          <p:nvPr/>
+        </p:nvSpPr>
+        <p:spPr>
+          <a:xfrm>
+            <a:off x="5159896" y="3042756"/>
+            <a:ext cx="1872208" cy="523220"/>
+          </a:xfrm>
+          <a:prstGeom prst="rect">
+            <a:avLst/>
+          </a:prstGeom>
+          <a:solidFill>
+            <a:schemeClr val="bg1">
+              <a:lumMod val="75000"/>
+            </a:schemeClr>
+          </a:solidFill>
+          <a:ln w="19050">
+            <a:solidFill>
+              <a:schemeClr val="tx1"/>
+            </a:solidFill>
+          </a:ln>
+        </p:spPr>
+        <p:txBody>
+          <a:bodyPr wrap="square" rtlCol="0">
+            <a:spAutoFit/>
+          </a:bodyPr>
+          <a:lstStyle/>
+          <a:p>
+            <a:pPr algn="ctr"/>
+            <a:r>
+              <a:rPr lang="it-IT" sz="2800" smtClean="0"/>
+              <a:t>Topics</a:t>
+            </a:r>
+            <a:endParaRPr lang="it-IT" sz="2800" dirty="0"/>
+          </a:p>
+        </p:txBody>
+      </p:sp>
+      <p:sp>
+        <p:nvSpPr>
+          <p:cNvPr id="23" name="Freccia in giù 32"/>
           <p:cNvSpPr/>
           <p:nvPr/>
         </p:nvSpPr>
         <p:spPr>
           <a:xfrm>
-            <a:off x="7032104" y="2564904"/>
-            <a:ext cx="1008112" cy="648072"/>
+            <a:off x="5591944" y="5040653"/>
+            <a:ext cx="1008112" cy="537770"/>
           </a:xfrm>
           <a:prstGeom prst="downArrow">
             <a:avLst/>
           </a:prstGeom>
           <a:solidFill>
-            <a:schemeClr val="accent6">
-              <a:lumMod val="60000"/>
-              <a:lumOff val="40000"/>
+            <a:schemeClr val="accent2">
+              <a:lumMod val="75000"/>
             </a:schemeClr>
           </a:solidFill>
           <a:ln>
@@ -3778,12 +3752,6 @@
               </a:schemeClr>
             </a:solidFill>
           </a:ln>
-          <a:scene3d>
-            <a:camera prst="orthographicFront">
-              <a:rot lat="0" lon="0" rev="3000000"/>
-            </a:camera>
-            <a:lightRig rig="threePt" dir="t"/>
-          </a:scene3d>
         </p:spPr>
         <p:style>
           <a:lnRef idx="2">
@@ -3812,22 +3780,21 @@
       </p:sp>
       <p:sp>
         <p:nvSpPr>
-          <p:cNvPr id="35" name="Freccia in giù 34"/>
+          <p:cNvPr id="24" name="Freccia in giù 32"/>
           <p:cNvSpPr/>
           <p:nvPr/>
         </p:nvSpPr>
         <p:spPr>
           <a:xfrm>
-            <a:off x="4151784" y="2564904"/>
-            <a:ext cx="1008112" cy="648072"/>
+            <a:off x="5591944" y="3707366"/>
+            <a:ext cx="1008112" cy="537770"/>
           </a:xfrm>
           <a:prstGeom prst="downArrow">
             <a:avLst/>
           </a:prstGeom>
           <a:solidFill>
-            <a:schemeClr val="accent6">
-              <a:lumMod val="60000"/>
-              <a:lumOff val="40000"/>
+            <a:schemeClr val="accent2">
+              <a:lumMod val="75000"/>
             </a:schemeClr>
           </a:solidFill>
           <a:ln>
@@ -3837,12 +3804,6 @@
               </a:schemeClr>
             </a:solidFill>
           </a:ln>
-          <a:scene3d>
-            <a:camera prst="orthographicFront">
-              <a:rot lat="0" lon="0" rev="18600000"/>
-            </a:camera>
-            <a:lightRig rig="threePt" dir="t"/>
-          </a:scene3d>
         </p:spPr>
         <p:style>
           <a:lnRef idx="2">
@@ -3871,22 +3832,21 @@
       </p:sp>
       <p:sp>
         <p:nvSpPr>
-          <p:cNvPr id="36" name="Freccia in giù 35"/>
+          <p:cNvPr id="25" name="Freccia in giù 32"/>
           <p:cNvSpPr/>
           <p:nvPr/>
         </p:nvSpPr>
         <p:spPr>
           <a:xfrm>
-            <a:off x="7248128" y="4293096"/>
-            <a:ext cx="1008112" cy="648072"/>
+            <a:off x="5591944" y="2378146"/>
+            <a:ext cx="1008112" cy="537770"/>
           </a:xfrm>
           <a:prstGeom prst="downArrow">
             <a:avLst/>
           </a:prstGeom>
           <a:solidFill>
-            <a:schemeClr val="accent6">
-              <a:lumMod val="60000"/>
-              <a:lumOff val="40000"/>
+            <a:schemeClr val="accent2">
+              <a:lumMod val="75000"/>
             </a:schemeClr>
           </a:solidFill>
           <a:ln>
@@ -3896,12 +3856,6 @@
               </a:schemeClr>
             </a:solidFill>
           </a:ln>
-          <a:scene3d>
-            <a:camera prst="orthographicFront">
-              <a:rot lat="0" lon="0" rev="20400000"/>
-            </a:camera>
-            <a:lightRig rig="threePt" dir="t"/>
-          </a:scene3d>
         </p:spPr>
         <p:style>
           <a:lnRef idx="2">
@@ -3928,65 +3882,6 @@
           </a:p>
         </p:txBody>
       </p:sp>
-      <p:sp>
-        <p:nvSpPr>
-          <p:cNvPr id="37" name="Freccia in giù 36"/>
-          <p:cNvSpPr/>
-          <p:nvPr/>
-        </p:nvSpPr>
-        <p:spPr>
-          <a:xfrm>
-            <a:off x="3863752" y="4293096"/>
-            <a:ext cx="1008112" cy="648072"/>
-          </a:xfrm>
-          <a:prstGeom prst="downArrow">
-            <a:avLst/>
-          </a:prstGeom>
-          <a:solidFill>
-            <a:schemeClr val="accent6">
-              <a:lumMod val="60000"/>
-              <a:lumOff val="40000"/>
-            </a:schemeClr>
-          </a:solidFill>
-          <a:ln>
-            <a:solidFill>
-              <a:schemeClr val="bg1">
-                <a:lumMod val="50000"/>
-              </a:schemeClr>
-            </a:solidFill>
-          </a:ln>
-          <a:scene3d>
-            <a:camera prst="orthographicFront">
-              <a:rot lat="0" lon="0" rev="1200000"/>
-            </a:camera>
-            <a:lightRig rig="threePt" dir="t"/>
-          </a:scene3d>
-        </p:spPr>
-        <p:style>
-          <a:lnRef idx="2">
-            <a:schemeClr val="accent1">
-              <a:shade val="50000"/>
-            </a:schemeClr>
-          </a:lnRef>
-          <a:fillRef idx="1">
-            <a:schemeClr val="accent1"/>
-          </a:fillRef>
-          <a:effectRef idx="0">
-            <a:schemeClr val="accent1"/>
-          </a:effectRef>
-          <a:fontRef idx="minor">
-            <a:schemeClr val="lt1"/>
-          </a:fontRef>
-        </p:style>
-        <p:txBody>
-          <a:bodyPr rtlCol="0" anchor="ctr"/>
-          <a:lstStyle/>
-          <a:p>
-            <a:pPr algn="ctr"/>
-            <a:endParaRPr lang="it-IT"/>
-          </a:p>
-        </p:txBody>
-      </p:sp>
     </p:spTree>
     <p:extLst>
       <p:ext uri="{BB962C8B-B14F-4D97-AF65-F5344CB8AC3E}">
@@ -3997,6 +3892,13 @@
   <p:clrMapOvr>
     <a:masterClrMapping/>
   </p:clrMapOvr>
+  <p:timing>
+    <p:tnLst>
+      <p:par>
+        <p:cTn id="1" dur="indefinite" restart="never" nodeType="tmRoot"/>
+      </p:par>
+    </p:tnLst>
+  </p:timing>
 </p:sld>
 </file>
 
@@ -4017,58 +3919,350 @@
           <a:chExt cx="0" cy="0"/>
         </a:xfrm>
       </p:grpSpPr>
-      <p:sp>
-        <p:nvSpPr>
-          <p:cNvPr id="2" name="Titolo 1"/>
-          <p:cNvSpPr>
-            <a:spLocks noGrp="1"/>
-          </p:cNvSpPr>
-          <p:nvPr>
-            <p:ph type="title"/>
-          </p:nvPr>
-        </p:nvSpPr>
-        <p:spPr/>
-        <p:txBody>
-          <a:bodyPr/>
-          <a:lstStyle/>
-          <a:p>
-            <a:r>
-              <a:rPr lang="it-IT" dirty="0" smtClean="0"/>
-              <a:t>Tutti tipo di cluster e perché escluse</a:t>
-            </a:r>
+      <p:pic>
+        <p:nvPicPr>
+          <p:cNvPr id="4" name="Picture 2" descr="C:\Users\Leonardo\Desktop\United-Globe.png"/>
+          <p:cNvPicPr>
+            <a:picLocks noChangeAspect="1" noChangeArrowheads="1"/>
+          </p:cNvPicPr>
+          <p:nvPr/>
+        </p:nvPicPr>
+        <p:blipFill>
+          <a:blip r:embed="rId2" cstate="print"/>
+          <a:srcRect/>
+          <a:stretch>
+            <a:fillRect/>
+          </a:stretch>
+        </p:blipFill>
+        <p:spPr bwMode="auto">
+          <a:xfrm>
+            <a:off x="9192344" y="5373217"/>
+            <a:ext cx="1254238" cy="1257003"/>
+          </a:xfrm>
+          <a:prstGeom prst="rect">
+            <a:avLst/>
+          </a:prstGeom>
+          <a:noFill/>
+        </p:spPr>
+      </p:pic>
+      <p:sp>
+        <p:nvSpPr>
+          <p:cNvPr id="13" name="CasellaDiTesto 12"/>
+          <p:cNvSpPr txBox="1"/>
+          <p:nvPr/>
+        </p:nvSpPr>
+        <p:spPr>
+          <a:xfrm>
+            <a:off x="3584105" y="1493168"/>
+            <a:ext cx="184731" cy="369332"/>
+          </a:xfrm>
+          <a:prstGeom prst="rect">
+            <a:avLst/>
+          </a:prstGeom>
+          <a:noFill/>
+        </p:spPr>
+        <p:txBody>
+          <a:bodyPr wrap="none" rtlCol="0">
+            <a:spAutoFit/>
+          </a:bodyPr>
+          <a:lstStyle/>
+          <a:p>
             <a:endParaRPr lang="it-IT" dirty="0"/>
           </a:p>
         </p:txBody>
       </p:sp>
       <p:sp>
         <p:nvSpPr>
-          <p:cNvPr id="3" name="Segnaposto contenuto 2"/>
-          <p:cNvSpPr>
-            <a:spLocks noGrp="1"/>
-          </p:cNvSpPr>
-          <p:nvPr>
-            <p:ph idx="1"/>
-          </p:nvPr>
-        </p:nvSpPr>
-        <p:spPr/>
-        <p:txBody>
-          <a:bodyPr/>
-          <a:lstStyle/>
-          <a:p>
-            <a:endParaRPr lang="it-IT"/>
+          <p:cNvPr id="14" name="CasellaDiTesto 13"/>
+          <p:cNvSpPr txBox="1"/>
+          <p:nvPr/>
+        </p:nvSpPr>
+        <p:spPr>
+          <a:xfrm>
+            <a:off x="3736505" y="1645568"/>
+            <a:ext cx="184731" cy="369332"/>
+          </a:xfrm>
+          <a:prstGeom prst="rect">
+            <a:avLst/>
+          </a:prstGeom>
+          <a:noFill/>
+        </p:spPr>
+        <p:txBody>
+          <a:bodyPr wrap="none" rtlCol="0">
+            <a:spAutoFit/>
+          </a:bodyPr>
+          <a:lstStyle/>
+          <a:p>
+            <a:endParaRPr lang="it-IT" dirty="0"/>
+          </a:p>
+        </p:txBody>
+      </p:sp>
+      <p:sp>
+        <p:nvSpPr>
+          <p:cNvPr id="6" name="CasellaDiTesto 5"/>
+          <p:cNvSpPr txBox="1"/>
+          <p:nvPr/>
+        </p:nvSpPr>
+        <p:spPr>
+          <a:xfrm>
+            <a:off x="6368804" y="1125664"/>
+            <a:ext cx="1353769" cy="523220"/>
+          </a:xfrm>
+          <a:prstGeom prst="rect">
+            <a:avLst/>
+          </a:prstGeom>
+          <a:noFill/>
+          <a:scene3d>
+            <a:camera prst="orthographicFront">
+              <a:rot lat="0" lon="0" rev="0"/>
+            </a:camera>
+            <a:lightRig rig="threePt" dir="t"/>
+          </a:scene3d>
+        </p:spPr>
+        <p:txBody>
+          <a:bodyPr wrap="none" rtlCol="0">
+            <a:spAutoFit/>
+          </a:bodyPr>
+          <a:lstStyle/>
+          <a:p>
+            <a:pPr algn="ctr"/>
+            <a:r>
+              <a:rPr lang="it-IT" sz="2800" dirty="0" err="1" smtClean="0"/>
+              <a:t>Stability</a:t>
+            </a:r>
+            <a:endParaRPr lang="it-IT" sz="2800" dirty="0"/>
+          </a:p>
+        </p:txBody>
+      </p:sp>
+      <p:sp>
+        <p:nvSpPr>
+          <p:cNvPr id="7" name="CasellaDiTesto 6"/>
+          <p:cNvSpPr txBox="1"/>
+          <p:nvPr/>
+        </p:nvSpPr>
+        <p:spPr>
+          <a:xfrm>
+            <a:off x="6921659" y="2210694"/>
+            <a:ext cx="2270685" cy="1815882"/>
+          </a:xfrm>
+          <a:prstGeom prst="rect">
+            <a:avLst/>
+          </a:prstGeom>
+          <a:noFill/>
+        </p:spPr>
+        <p:txBody>
+          <a:bodyPr wrap="none" rtlCol="0">
+            <a:spAutoFit/>
+          </a:bodyPr>
+          <a:lstStyle/>
+          <a:p>
+            <a:pPr algn="ctr"/>
+            <a:r>
+              <a:rPr lang="it-IT" sz="2800" dirty="0"/>
+              <a:t>k</a:t>
+            </a:r>
+            <a:r>
+              <a:rPr lang="it-IT" sz="2800" dirty="0" smtClean="0"/>
+              <a:t> </a:t>
+            </a:r>
+            <a:r>
+              <a:rPr lang="it-IT" sz="2800" dirty="0" err="1" smtClean="0"/>
+              <a:t>found</a:t>
+            </a:r>
+            <a:r>
+              <a:rPr lang="it-IT" sz="2800" dirty="0" smtClean="0"/>
+              <a:t> </a:t>
+            </a:r>
+          </a:p>
+          <a:p>
+            <a:pPr algn="ctr"/>
+            <a:r>
+              <a:rPr lang="it-IT" sz="2800" dirty="0" err="1" smtClean="0"/>
+              <a:t>quantitatively</a:t>
+            </a:r>
+            <a:r>
+              <a:rPr lang="it-IT" sz="2800" dirty="0" smtClean="0"/>
+              <a:t> </a:t>
+            </a:r>
+          </a:p>
+          <a:p>
+            <a:pPr algn="ctr"/>
+            <a:r>
+              <a:rPr lang="it-IT" sz="2800" dirty="0" smtClean="0"/>
+              <a:t>&amp; </a:t>
+            </a:r>
+          </a:p>
+          <a:p>
+            <a:pPr algn="ctr"/>
+            <a:r>
+              <a:rPr lang="it-IT" sz="2800" dirty="0" err="1" smtClean="0"/>
+              <a:t>qualitatively</a:t>
+            </a:r>
+            <a:endParaRPr lang="it-IT" sz="2800" dirty="0"/>
+          </a:p>
+        </p:txBody>
+      </p:sp>
+      <p:sp>
+        <p:nvSpPr>
+          <p:cNvPr id="8" name="CasellaDiTesto 7"/>
+          <p:cNvSpPr txBox="1"/>
+          <p:nvPr/>
+        </p:nvSpPr>
+        <p:spPr>
+          <a:xfrm>
+            <a:off x="6368804" y="4584790"/>
+            <a:ext cx="1858650" cy="523220"/>
+          </a:xfrm>
+          <a:prstGeom prst="rect">
+            <a:avLst/>
+          </a:prstGeom>
+          <a:noFill/>
+          <a:scene3d>
+            <a:camera prst="orthographicFront">
+              <a:rot lat="0" lon="0" rev="0"/>
+            </a:camera>
+            <a:lightRig rig="threePt" dir="t"/>
+          </a:scene3d>
+        </p:spPr>
+        <p:txBody>
+          <a:bodyPr wrap="none" rtlCol="0">
+            <a:spAutoFit/>
+          </a:bodyPr>
+          <a:lstStyle/>
+          <a:p>
+            <a:pPr algn="ctr"/>
+            <a:r>
+              <a:rPr lang="it-IT" sz="2800" dirty="0" smtClean="0"/>
+              <a:t>Real </a:t>
+            </a:r>
+            <a:r>
+              <a:rPr lang="it-IT" sz="2800" dirty="0" err="1" smtClean="0"/>
+              <a:t>results</a:t>
+            </a:r>
+            <a:endParaRPr lang="it-IT" sz="2800" dirty="0"/>
+          </a:p>
+        </p:txBody>
+      </p:sp>
+      <p:sp>
+        <p:nvSpPr>
+          <p:cNvPr id="11" name="Ovale 10"/>
+          <p:cNvSpPr/>
+          <p:nvPr/>
+        </p:nvSpPr>
+        <p:spPr>
+          <a:xfrm>
+            <a:off x="3921236" y="1910494"/>
+            <a:ext cx="2447568" cy="2416283"/>
+          </a:xfrm>
+          <a:prstGeom prst="ellipse">
+            <a:avLst/>
+          </a:prstGeom>
+          <a:solidFill>
+            <a:schemeClr val="accent2">
+              <a:lumMod val="75000"/>
+            </a:schemeClr>
+          </a:solidFill>
+          <a:ln>
+            <a:solidFill>
+              <a:schemeClr val="tx1">
+                <a:lumMod val="65000"/>
+                <a:lumOff val="35000"/>
+              </a:schemeClr>
+            </a:solidFill>
+          </a:ln>
+        </p:spPr>
+        <p:style>
+          <a:lnRef idx="2">
+            <a:schemeClr val="accent1">
+              <a:shade val="50000"/>
+            </a:schemeClr>
+          </a:lnRef>
+          <a:fillRef idx="1">
+            <a:schemeClr val="accent1"/>
+          </a:fillRef>
+          <a:effectRef idx="0">
+            <a:schemeClr val="accent1"/>
+          </a:effectRef>
+          <a:fontRef idx="minor">
+            <a:schemeClr val="lt1"/>
+          </a:fontRef>
+        </p:style>
+        <p:txBody>
+          <a:bodyPr lIns="90000" rtlCol="0" anchor="ctr"/>
+          <a:lstStyle/>
+          <a:p>
+            <a:pPr algn="ctr"/>
+            <a:r>
+              <a:rPr lang="it-IT" sz="4400" dirty="0" smtClean="0"/>
+              <a:t>K </a:t>
+            </a:r>
+            <a:r>
+              <a:rPr lang="it-IT" sz="4400" dirty="0" err="1"/>
+              <a:t>M</a:t>
+            </a:r>
+            <a:r>
+              <a:rPr lang="it-IT" sz="4400" dirty="0" err="1" smtClean="0"/>
+              <a:t>eans</a:t>
+            </a:r>
+            <a:endParaRPr lang="it-IT" sz="4400" dirty="0"/>
+          </a:p>
+        </p:txBody>
+      </p:sp>
+      <p:sp>
+        <p:nvSpPr>
+          <p:cNvPr id="2" name="CasellaDiTesto 1"/>
+          <p:cNvSpPr txBox="1"/>
+          <p:nvPr/>
+        </p:nvSpPr>
+        <p:spPr>
+          <a:xfrm>
+            <a:off x="530341" y="224721"/>
+            <a:ext cx="4080510" cy="830997"/>
+          </a:xfrm>
+          <a:prstGeom prst="rect">
+            <a:avLst/>
+          </a:prstGeom>
+          <a:noFill/>
+        </p:spPr>
+        <p:txBody>
+          <a:bodyPr wrap="square" rtlCol="0">
+            <a:spAutoFit/>
+          </a:bodyPr>
+          <a:lstStyle/>
+          <a:p>
+            <a:r>
+              <a:rPr lang="it-IT" sz="4800" dirty="0" smtClean="0">
+                <a:solidFill>
+                  <a:srgbClr val="FF0000"/>
+                </a:solidFill>
+              </a:rPr>
+              <a:t>Clustering</a:t>
+            </a:r>
+            <a:endParaRPr lang="it-IT" sz="4800" dirty="0">
+              <a:solidFill>
+                <a:srgbClr val="FF0000"/>
+              </a:solidFill>
+            </a:endParaRPr>
           </a:p>
         </p:txBody>
       </p:sp>
     </p:spTree>
     <p:extLst>
       <p:ext uri="{BB962C8B-B14F-4D97-AF65-F5344CB8AC3E}">
-        <p14:creationId xmlns:p14="http://schemas.microsoft.com/office/powerpoint/2010/main" val="1841337268"/>
+        <p14:creationId xmlns:p14="http://schemas.microsoft.com/office/powerpoint/2010/main" val="64031430"/>
       </p:ext>
     </p:extLst>
   </p:cSld>
   <p:clrMapOvr>
     <a:masterClrMapping/>
   </p:clrMapOvr>
+  <p:timing>
+    <p:tnLst>
+      <p:par>
+        <p:cTn id="1" dur="indefinite" restart="never" nodeType="tmRoot"/>
+      </p:par>
+    </p:tnLst>
+  </p:timing>
 </p:sld>
 </file>
 
@@ -4117,6 +4311,54 @@
       </p:pic>
       <p:sp>
         <p:nvSpPr>
+          <p:cNvPr id="12" name="CasellaDiTesto 11"/>
+          <p:cNvSpPr txBox="1"/>
+          <p:nvPr/>
+        </p:nvSpPr>
+        <p:spPr>
+          <a:xfrm>
+            <a:off x="4788426" y="530394"/>
+            <a:ext cx="2592288" cy="523220"/>
+          </a:xfrm>
+          <a:prstGeom prst="rect">
+            <a:avLst/>
+          </a:prstGeom>
+          <a:solidFill>
+            <a:schemeClr val="bg1">
+              <a:lumMod val="75000"/>
+            </a:schemeClr>
+          </a:solidFill>
+          <a:ln w="19050">
+            <a:solidFill>
+              <a:schemeClr val="tx1"/>
+            </a:solidFill>
+          </a:ln>
+        </p:spPr>
+        <p:txBody>
+          <a:bodyPr wrap="square" rtlCol="0">
+            <a:spAutoFit/>
+          </a:bodyPr>
+          <a:lstStyle/>
+          <a:p>
+            <a:pPr algn="ctr"/>
+            <a:r>
+              <a:rPr lang="it-IT" sz="2800" dirty="0" smtClean="0"/>
+              <a:t>No </a:t>
+            </a:r>
+            <a:r>
+              <a:rPr lang="it-IT" sz="2800" dirty="0" err="1"/>
+              <a:t>G</a:t>
+            </a:r>
+            <a:r>
+              <a:rPr lang="it-IT" sz="2800" dirty="0" err="1" smtClean="0"/>
+              <a:t>aussianity</a:t>
+            </a:r>
+            <a:endParaRPr lang="it-IT" sz="2800" dirty="0"/>
+          </a:p>
+        </p:txBody>
+      </p:sp>
+      <p:sp>
+        <p:nvSpPr>
           <p:cNvPr id="13" name="CasellaDiTesto 12"/>
           <p:cNvSpPr txBox="1"/>
           <p:nvPr/>
@@ -4169,36 +4411,39 @@
       </p:sp>
       <p:sp>
         <p:nvSpPr>
-          <p:cNvPr id="6" name="CasellaDiTesto 5"/>
+          <p:cNvPr id="27" name="CasellaDiTesto 26"/>
           <p:cNvSpPr txBox="1"/>
           <p:nvPr/>
         </p:nvSpPr>
         <p:spPr>
           <a:xfrm>
-            <a:off x="6368804" y="1125664"/>
-            <a:ext cx="1353769" cy="523220"/>
+            <a:off x="2244542" y="2517133"/>
+            <a:ext cx="1872208" cy="523220"/>
           </a:xfrm>
           <a:prstGeom prst="rect">
             <a:avLst/>
           </a:prstGeom>
-          <a:noFill/>
-          <a:scene3d>
-            <a:camera prst="orthographicFront">
-              <a:rot lat="0" lon="0" rev="0"/>
-            </a:camera>
-            <a:lightRig rig="threePt" dir="t"/>
-          </a:scene3d>
-        </p:spPr>
-        <p:txBody>
-          <a:bodyPr wrap="none" rtlCol="0">
+          <a:solidFill>
+            <a:schemeClr val="bg1">
+              <a:lumMod val="75000"/>
+            </a:schemeClr>
+          </a:solidFill>
+          <a:ln w="19050">
+            <a:solidFill>
+              <a:schemeClr val="tx1"/>
+            </a:solidFill>
+          </a:ln>
+        </p:spPr>
+        <p:txBody>
+          <a:bodyPr wrap="square" rtlCol="0">
             <a:spAutoFit/>
           </a:bodyPr>
           <a:lstStyle/>
           <a:p>
             <a:pPr algn="ctr"/>
             <a:r>
-              <a:rPr lang="it-IT" sz="2800" dirty="0" err="1" smtClean="0"/>
-              <a:t>Stability</a:t>
+              <a:rPr lang="it-IT" sz="2800" dirty="0" smtClean="0"/>
+              <a:t>FDA</a:t>
             </a:r>
             <a:endParaRPr lang="it-IT" sz="2800" dirty="0"/>
           </a:p>
@@ -4206,67 +4451,39 @@
       </p:sp>
       <p:sp>
         <p:nvSpPr>
-          <p:cNvPr id="7" name="CasellaDiTesto 6"/>
+          <p:cNvPr id="28" name="CasellaDiTesto 27"/>
           <p:cNvSpPr txBox="1"/>
           <p:nvPr/>
         </p:nvSpPr>
         <p:spPr>
           <a:xfrm>
-            <a:off x="6921659" y="2210694"/>
-            <a:ext cx="2270685" cy="1815882"/>
+            <a:off x="7947255" y="2519666"/>
+            <a:ext cx="1872208" cy="523220"/>
           </a:xfrm>
           <a:prstGeom prst="rect">
             <a:avLst/>
           </a:prstGeom>
-          <a:noFill/>
-        </p:spPr>
-        <p:txBody>
-          <a:bodyPr wrap="none" rtlCol="0">
+          <a:solidFill>
+            <a:schemeClr val="bg1">
+              <a:lumMod val="75000"/>
+            </a:schemeClr>
+          </a:solidFill>
+          <a:ln w="19050">
+            <a:solidFill>
+              <a:schemeClr val="tx1"/>
+            </a:solidFill>
+          </a:ln>
+        </p:spPr>
+        <p:txBody>
+          <a:bodyPr wrap="square" rtlCol="0">
             <a:spAutoFit/>
           </a:bodyPr>
           <a:lstStyle/>
           <a:p>
             <a:pPr algn="ctr"/>
             <a:r>
-              <a:rPr lang="it-IT" sz="2800" dirty="0"/>
-              <a:t>k</a:t>
-            </a:r>
-            <a:r>
               <a:rPr lang="it-IT" sz="2800" dirty="0" smtClean="0"/>
-              <a:t> </a:t>
-            </a:r>
-            <a:r>
-              <a:rPr lang="it-IT" sz="2800" dirty="0" err="1" smtClean="0"/>
-              <a:t>found</a:t>
-            </a:r>
-            <a:r>
-              <a:rPr lang="it-IT" sz="2800" dirty="0" smtClean="0"/>
-              <a:t> </a:t>
-            </a:r>
-          </a:p>
-          <a:p>
-            <a:pPr algn="ctr"/>
-            <a:r>
-              <a:rPr lang="it-IT" sz="2800" dirty="0" err="1" smtClean="0"/>
-              <a:t>quantitatively</a:t>
-            </a:r>
-            <a:r>
-              <a:rPr lang="it-IT" sz="2800" dirty="0" smtClean="0"/>
-              <a:t> </a:t>
-            </a:r>
-          </a:p>
-          <a:p>
-            <a:pPr algn="ctr"/>
-            <a:r>
-              <a:rPr lang="it-IT" sz="2800" dirty="0" smtClean="0"/>
-              <a:t>&amp; </a:t>
-            </a:r>
-          </a:p>
-          <a:p>
-            <a:pPr algn="ctr"/>
-            <a:r>
-              <a:rPr lang="it-IT" sz="2800" dirty="0" err="1" smtClean="0"/>
-              <a:t>qualitatively</a:t>
+              <a:t>KNN</a:t>
             </a:r>
             <a:endParaRPr lang="it-IT" sz="2800" dirty="0"/>
           </a:p>
@@ -4274,73 +4491,127 @@
       </p:sp>
       <p:sp>
         <p:nvSpPr>
-          <p:cNvPr id="8" name="CasellaDiTesto 7"/>
+          <p:cNvPr id="31" name="CasellaDiTesto 30"/>
           <p:cNvSpPr txBox="1"/>
           <p:nvPr/>
         </p:nvSpPr>
         <p:spPr>
           <a:xfrm>
-            <a:off x="6368804" y="4584790"/>
-            <a:ext cx="1858650" cy="523220"/>
+            <a:off x="4788426" y="4655873"/>
+            <a:ext cx="1872208" cy="584775"/>
           </a:xfrm>
           <a:prstGeom prst="rect">
             <a:avLst/>
           </a:prstGeom>
-          <a:noFill/>
-          <a:scene3d>
-            <a:camera prst="orthographicFront">
-              <a:rot lat="0" lon="0" rev="0"/>
-            </a:camera>
-            <a:lightRig rig="threePt" dir="t"/>
-          </a:scene3d>
-        </p:spPr>
-        <p:txBody>
-          <a:bodyPr wrap="none" rtlCol="0">
+          <a:solidFill>
+            <a:srgbClr val="FF0000"/>
+          </a:solidFill>
+          <a:ln w="19050">
+            <a:solidFill>
+              <a:schemeClr val="tx1"/>
+            </a:solidFill>
+          </a:ln>
+        </p:spPr>
+        <p:txBody>
+          <a:bodyPr wrap="square" rtlCol="0">
             <a:spAutoFit/>
           </a:bodyPr>
           <a:lstStyle/>
           <a:p>
             <a:pPr algn="ctr"/>
             <a:r>
-              <a:rPr lang="it-IT" sz="2800" dirty="0" smtClean="0"/>
-              <a:t>Real </a:t>
-            </a:r>
-            <a:r>
-              <a:rPr lang="it-IT" sz="2800" dirty="0" err="1" smtClean="0"/>
-              <a:t>results</a:t>
-            </a:r>
-            <a:endParaRPr lang="it-IT" sz="2800" dirty="0"/>
-          </a:p>
-        </p:txBody>
-      </p:sp>
-      <p:sp>
-        <p:nvSpPr>
-          <p:cNvPr id="11" name="Ovale 10"/>
-          <p:cNvSpPr/>
+              <a:rPr lang="it-IT" sz="3200" dirty="0" err="1" smtClean="0"/>
+              <a:t>Prediction</a:t>
+            </a:r>
+            <a:endParaRPr lang="it-IT" sz="3200" dirty="0"/>
+          </a:p>
+        </p:txBody>
+      </p:sp>
+      <p:sp>
+        <p:nvSpPr>
+          <p:cNvPr id="32" name="CasellaDiTesto 31"/>
+          <p:cNvSpPr txBox="1"/>
           <p:nvPr/>
         </p:nvSpPr>
         <p:spPr>
           <a:xfrm>
-            <a:off x="3921236" y="1910494"/>
-            <a:ext cx="2447568" cy="2416283"/>
-          </a:xfrm>
-          <a:prstGeom prst="ellipse">
+            <a:off x="372334" y="4655874"/>
+            <a:ext cx="2336576" cy="1569660"/>
+          </a:xfrm>
+          <a:prstGeom prst="rect">
             <a:avLst/>
           </a:prstGeom>
           <a:solidFill>
-            <a:schemeClr val="accent6">
-              <a:lumMod val="60000"/>
-              <a:lumOff val="40000"/>
+            <a:srgbClr val="FF0000"/>
+          </a:solidFill>
+          <a:ln w="19050">
+            <a:solidFill>
+              <a:schemeClr val="tx1"/>
+            </a:solidFill>
+          </a:ln>
+        </p:spPr>
+        <p:txBody>
+          <a:bodyPr wrap="square" rtlCol="0">
+            <a:spAutoFit/>
+          </a:bodyPr>
+          <a:lstStyle/>
+          <a:p>
+            <a:pPr algn="ctr"/>
+            <a:r>
+              <a:rPr lang="it-IT" sz="3200" dirty="0" err="1" smtClean="0"/>
+              <a:t>Centroids</a:t>
+            </a:r>
+            <a:endParaRPr lang="it-IT" sz="3200" dirty="0" smtClean="0"/>
+          </a:p>
+          <a:p>
+            <a:pPr algn="ctr"/>
+            <a:r>
+              <a:rPr lang="it-IT" sz="3200" dirty="0" smtClean="0"/>
+              <a:t>&amp;</a:t>
+            </a:r>
+          </a:p>
+          <a:p>
+            <a:pPr algn="ctr"/>
+            <a:r>
+              <a:rPr lang="it-IT" sz="3200" dirty="0" smtClean="0"/>
+              <a:t>Components</a:t>
+            </a:r>
+            <a:endParaRPr lang="it-IT" sz="3200" dirty="0"/>
+          </a:p>
+        </p:txBody>
+      </p:sp>
+      <p:sp>
+        <p:nvSpPr>
+          <p:cNvPr id="34" name="Freccia in giù 33"/>
+          <p:cNvSpPr/>
+          <p:nvPr/>
+        </p:nvSpPr>
+        <p:spPr>
+          <a:xfrm>
+            <a:off x="6960096" y="1489100"/>
+            <a:ext cx="1008112" cy="648072"/>
+          </a:xfrm>
+          <a:prstGeom prst="downArrow">
+            <a:avLst/>
+          </a:prstGeom>
+          <a:solidFill>
+            <a:schemeClr val="accent2">
+              <a:lumMod val="75000"/>
             </a:schemeClr>
           </a:solidFill>
           <a:ln>
             <a:solidFill>
-              <a:schemeClr val="tx1">
-                <a:lumMod val="65000"/>
-                <a:lumOff val="35000"/>
+              <a:schemeClr val="bg1">
+                <a:lumMod val="50000"/>
               </a:schemeClr>
             </a:solidFill>
           </a:ln>
+          <a:scene3d>
+            <a:camera prst="orthographicFront">
+              <a:rot lat="0" lon="0" rev="3000000"/>
+            </a:camera>
+            <a:lightRig rig="threePt" dir="t"/>
+          </a:scene3d>
         </p:spPr>
         <p:style>
           <a:lnRef idx="2">
@@ -4359,415 +4630,31 @@
           </a:fontRef>
         </p:style>
         <p:txBody>
-          <a:bodyPr lIns="90000" rtlCol="0" anchor="ctr"/>
+          <a:bodyPr rtlCol="0" anchor="ctr"/>
           <a:lstStyle/>
           <a:p>
             <a:pPr algn="ctr"/>
-            <a:r>
-              <a:rPr lang="it-IT" sz="4400" dirty="0" smtClean="0"/>
-              <a:t>K </a:t>
-            </a:r>
-            <a:r>
-              <a:rPr lang="it-IT" sz="4400" dirty="0" err="1"/>
-              <a:t>M</a:t>
-            </a:r>
-            <a:r>
-              <a:rPr lang="it-IT" sz="4400" dirty="0" err="1" smtClean="0"/>
-              <a:t>eans</a:t>
-            </a:r>
-            <a:endParaRPr lang="it-IT" sz="4400" dirty="0"/>
-          </a:p>
-        </p:txBody>
-      </p:sp>
-      <p:sp>
-        <p:nvSpPr>
-          <p:cNvPr id="2" name="CasellaDiTesto 1"/>
-          <p:cNvSpPr txBox="1"/>
-          <p:nvPr/>
-        </p:nvSpPr>
-        <p:spPr>
-          <a:xfrm>
-            <a:off x="530341" y="224721"/>
-            <a:ext cx="4080510" cy="830997"/>
-          </a:xfrm>
-          <a:prstGeom prst="rect">
-            <a:avLst/>
-          </a:prstGeom>
-          <a:noFill/>
-        </p:spPr>
-        <p:txBody>
-          <a:bodyPr wrap="square" rtlCol="0">
-            <a:spAutoFit/>
-          </a:bodyPr>
-          <a:lstStyle/>
-          <a:p>
-            <a:r>
-              <a:rPr lang="it-IT" sz="4800" dirty="0" smtClean="0">
-                <a:solidFill>
-                  <a:srgbClr val="FF0000"/>
-                </a:solidFill>
-              </a:rPr>
-              <a:t>Clustering</a:t>
-            </a:r>
-            <a:endParaRPr lang="it-IT" sz="4800" dirty="0">
-              <a:solidFill>
-                <a:srgbClr val="FF0000"/>
-              </a:solidFill>
-            </a:endParaRPr>
-          </a:p>
-        </p:txBody>
-      </p:sp>
-    </p:spTree>
-    <p:extLst>
-      <p:ext uri="{BB962C8B-B14F-4D97-AF65-F5344CB8AC3E}">
-        <p14:creationId xmlns:p14="http://schemas.microsoft.com/office/powerpoint/2010/main" val="64031430"/>
-      </p:ext>
-    </p:extLst>
-  </p:cSld>
-  <p:clrMapOvr>
-    <a:masterClrMapping/>
-  </p:clrMapOvr>
-</p:sld>
-</file>
-
-<file path=ppt/slides/slide4.xml><?xml version="1.0" encoding="utf-8"?>
-<p:sld xmlns:a="http://schemas.openxmlformats.org/drawingml/2006/main" xmlns:r="http://schemas.openxmlformats.org/officeDocument/2006/relationships" xmlns:p="http://schemas.openxmlformats.org/presentationml/2006/main">
-  <p:cSld>
-    <p:spTree>
-      <p:nvGrpSpPr>
-        <p:cNvPr id="1" name=""/>
-        <p:cNvGrpSpPr/>
-        <p:nvPr/>
-      </p:nvGrpSpPr>
-      <p:grpSpPr>
-        <a:xfrm>
-          <a:off x="0" y="0"/>
-          <a:ext cx="0" cy="0"/>
-          <a:chOff x="0" y="0"/>
-          <a:chExt cx="0" cy="0"/>
-        </a:xfrm>
-      </p:grpSpPr>
-      <p:pic>
-        <p:nvPicPr>
-          <p:cNvPr id="4" name="Picture 2" descr="C:\Users\Leonardo\Desktop\United-Globe.png"/>
-          <p:cNvPicPr>
-            <a:picLocks noChangeAspect="1" noChangeArrowheads="1"/>
-          </p:cNvPicPr>
-          <p:nvPr/>
-        </p:nvPicPr>
-        <p:blipFill>
-          <a:blip r:embed="rId2" cstate="print"/>
-          <a:srcRect/>
-          <a:stretch>
-            <a:fillRect/>
-          </a:stretch>
-        </p:blipFill>
-        <p:spPr bwMode="auto">
-          <a:xfrm>
-            <a:off x="9192344" y="5373217"/>
-            <a:ext cx="1254238" cy="1257003"/>
-          </a:xfrm>
-          <a:prstGeom prst="rect">
-            <a:avLst/>
-          </a:prstGeom>
-          <a:noFill/>
-        </p:spPr>
-      </p:pic>
-      <p:sp>
-        <p:nvSpPr>
-          <p:cNvPr id="12" name="CasellaDiTesto 11"/>
-          <p:cNvSpPr txBox="1"/>
-          <p:nvPr/>
-        </p:nvSpPr>
-        <p:spPr>
-          <a:xfrm>
-            <a:off x="4788426" y="530394"/>
-            <a:ext cx="2592288" cy="523220"/>
-          </a:xfrm>
-          <a:prstGeom prst="rect">
-            <a:avLst/>
-          </a:prstGeom>
-          <a:solidFill>
-            <a:schemeClr val="bg1">
-              <a:lumMod val="75000"/>
-            </a:schemeClr>
-          </a:solidFill>
-          <a:ln w="19050">
-            <a:solidFill>
-              <a:schemeClr val="tx1"/>
-            </a:solidFill>
-          </a:ln>
-        </p:spPr>
-        <p:txBody>
-          <a:bodyPr wrap="square" rtlCol="0">
-            <a:spAutoFit/>
-          </a:bodyPr>
-          <a:lstStyle/>
-          <a:p>
-            <a:pPr algn="ctr"/>
-            <a:r>
-              <a:rPr lang="it-IT" sz="2800" dirty="0" smtClean="0"/>
-              <a:t>No </a:t>
-            </a:r>
-            <a:r>
-              <a:rPr lang="it-IT" sz="2800" dirty="0" err="1"/>
-              <a:t>G</a:t>
-            </a:r>
-            <a:r>
-              <a:rPr lang="it-IT" sz="2800" dirty="0" err="1" smtClean="0"/>
-              <a:t>aussianity</a:t>
-            </a:r>
-            <a:endParaRPr lang="it-IT" sz="2800" dirty="0"/>
-          </a:p>
-        </p:txBody>
-      </p:sp>
-      <p:sp>
-        <p:nvSpPr>
-          <p:cNvPr id="13" name="CasellaDiTesto 12"/>
-          <p:cNvSpPr txBox="1"/>
-          <p:nvPr/>
-        </p:nvSpPr>
-        <p:spPr>
-          <a:xfrm>
-            <a:off x="3584105" y="1493168"/>
-            <a:ext cx="184731" cy="369332"/>
-          </a:xfrm>
-          <a:prstGeom prst="rect">
-            <a:avLst/>
-          </a:prstGeom>
-          <a:noFill/>
-        </p:spPr>
-        <p:txBody>
-          <a:bodyPr wrap="none" rtlCol="0">
-            <a:spAutoFit/>
-          </a:bodyPr>
-          <a:lstStyle/>
-          <a:p>
-            <a:endParaRPr lang="it-IT" dirty="0"/>
-          </a:p>
-        </p:txBody>
-      </p:sp>
-      <p:sp>
-        <p:nvSpPr>
-          <p:cNvPr id="14" name="CasellaDiTesto 13"/>
-          <p:cNvSpPr txBox="1"/>
-          <p:nvPr/>
-        </p:nvSpPr>
-        <p:spPr>
-          <a:xfrm>
-            <a:off x="3736505" y="1645568"/>
-            <a:ext cx="184731" cy="369332"/>
-          </a:xfrm>
-          <a:prstGeom prst="rect">
-            <a:avLst/>
-          </a:prstGeom>
-          <a:noFill/>
-        </p:spPr>
-        <p:txBody>
-          <a:bodyPr wrap="none" rtlCol="0">
-            <a:spAutoFit/>
-          </a:bodyPr>
-          <a:lstStyle/>
-          <a:p>
-            <a:endParaRPr lang="it-IT" dirty="0"/>
-          </a:p>
-        </p:txBody>
-      </p:sp>
-      <p:sp>
-        <p:nvSpPr>
-          <p:cNvPr id="27" name="CasellaDiTesto 26"/>
-          <p:cNvSpPr txBox="1"/>
-          <p:nvPr/>
-        </p:nvSpPr>
-        <p:spPr>
-          <a:xfrm>
-            <a:off x="2244542" y="2517133"/>
-            <a:ext cx="1872208" cy="523220"/>
-          </a:xfrm>
-          <a:prstGeom prst="rect">
-            <a:avLst/>
-          </a:prstGeom>
-          <a:solidFill>
-            <a:schemeClr val="bg1">
-              <a:lumMod val="75000"/>
-            </a:schemeClr>
-          </a:solidFill>
-          <a:ln w="19050">
-            <a:solidFill>
-              <a:schemeClr val="tx1"/>
-            </a:solidFill>
-          </a:ln>
-        </p:spPr>
-        <p:txBody>
-          <a:bodyPr wrap="square" rtlCol="0">
-            <a:spAutoFit/>
-          </a:bodyPr>
-          <a:lstStyle/>
-          <a:p>
-            <a:pPr algn="ctr"/>
-            <a:r>
-              <a:rPr lang="it-IT" sz="2800" dirty="0" smtClean="0"/>
-              <a:t>FDA</a:t>
-            </a:r>
-            <a:endParaRPr lang="it-IT" sz="2800" dirty="0"/>
-          </a:p>
-        </p:txBody>
-      </p:sp>
-      <p:sp>
-        <p:nvSpPr>
-          <p:cNvPr id="28" name="CasellaDiTesto 27"/>
-          <p:cNvSpPr txBox="1"/>
-          <p:nvPr/>
-        </p:nvSpPr>
-        <p:spPr>
-          <a:xfrm>
-            <a:off x="7947255" y="2519666"/>
-            <a:ext cx="1872208" cy="523220"/>
-          </a:xfrm>
-          <a:prstGeom prst="rect">
-            <a:avLst/>
-          </a:prstGeom>
-          <a:solidFill>
-            <a:schemeClr val="bg1">
-              <a:lumMod val="75000"/>
-            </a:schemeClr>
-          </a:solidFill>
-          <a:ln w="19050">
-            <a:solidFill>
-              <a:schemeClr val="tx1"/>
-            </a:solidFill>
-          </a:ln>
-        </p:spPr>
-        <p:txBody>
-          <a:bodyPr wrap="square" rtlCol="0">
-            <a:spAutoFit/>
-          </a:bodyPr>
-          <a:lstStyle/>
-          <a:p>
-            <a:pPr algn="ctr"/>
-            <a:r>
-              <a:rPr lang="it-IT" sz="2800" dirty="0" smtClean="0"/>
-              <a:t>KNN</a:t>
-            </a:r>
-            <a:endParaRPr lang="it-IT" sz="2800" dirty="0"/>
-          </a:p>
-        </p:txBody>
-      </p:sp>
-      <p:sp>
-        <p:nvSpPr>
-          <p:cNvPr id="31" name="CasellaDiTesto 30"/>
-          <p:cNvSpPr txBox="1"/>
-          <p:nvPr/>
-        </p:nvSpPr>
-        <p:spPr>
-          <a:xfrm>
-            <a:off x="4788426" y="4655873"/>
-            <a:ext cx="1872208" cy="584775"/>
-          </a:xfrm>
-          <a:prstGeom prst="rect">
-            <a:avLst/>
-          </a:prstGeom>
-          <a:solidFill>
-            <a:schemeClr val="accent6">
-              <a:lumMod val="60000"/>
-              <a:lumOff val="40000"/>
-            </a:schemeClr>
-          </a:solidFill>
-          <a:ln w="19050">
-            <a:solidFill>
-              <a:schemeClr val="tx1"/>
-            </a:solidFill>
-          </a:ln>
-        </p:spPr>
-        <p:txBody>
-          <a:bodyPr wrap="square" rtlCol="0">
-            <a:spAutoFit/>
-          </a:bodyPr>
-          <a:lstStyle/>
-          <a:p>
-            <a:pPr algn="ctr"/>
-            <a:r>
-              <a:rPr lang="it-IT" sz="3200" dirty="0" err="1" smtClean="0"/>
-              <a:t>Prediction</a:t>
-            </a:r>
-            <a:endParaRPr lang="it-IT" sz="3200" dirty="0"/>
-          </a:p>
-        </p:txBody>
-      </p:sp>
-      <p:sp>
-        <p:nvSpPr>
-          <p:cNvPr id="32" name="CasellaDiTesto 31"/>
-          <p:cNvSpPr txBox="1"/>
-          <p:nvPr/>
-        </p:nvSpPr>
-        <p:spPr>
-          <a:xfrm>
-            <a:off x="372334" y="4655874"/>
-            <a:ext cx="2336576" cy="1569660"/>
-          </a:xfrm>
-          <a:prstGeom prst="rect">
-            <a:avLst/>
-          </a:prstGeom>
-          <a:solidFill>
-            <a:schemeClr val="accent6">
-              <a:lumMod val="60000"/>
-              <a:lumOff val="40000"/>
-            </a:schemeClr>
-          </a:solidFill>
-          <a:ln w="19050">
-            <a:solidFill>
-              <a:schemeClr val="tx1"/>
-            </a:solidFill>
-          </a:ln>
-        </p:spPr>
-        <p:txBody>
-          <a:bodyPr wrap="square" rtlCol="0">
-            <a:spAutoFit/>
-          </a:bodyPr>
-          <a:lstStyle/>
-          <a:p>
-            <a:pPr algn="ctr"/>
-            <a:r>
-              <a:rPr lang="it-IT" sz="3200" dirty="0" err="1" smtClean="0"/>
-              <a:t>Centroids</a:t>
-            </a:r>
-            <a:endParaRPr lang="it-IT" sz="3200" dirty="0" smtClean="0"/>
-          </a:p>
-          <a:p>
-            <a:pPr algn="ctr"/>
-            <a:r>
-              <a:rPr lang="it-IT" sz="3200" dirty="0" smtClean="0"/>
-              <a:t>&amp;</a:t>
-            </a:r>
-          </a:p>
-          <a:p>
-            <a:pPr algn="ctr"/>
-            <a:r>
-              <a:rPr lang="it-IT" sz="3200" dirty="0" smtClean="0"/>
-              <a:t>Components</a:t>
-            </a:r>
-            <a:endParaRPr lang="it-IT" sz="3200" dirty="0"/>
-          </a:p>
-        </p:txBody>
-      </p:sp>
-      <p:sp>
-        <p:nvSpPr>
-          <p:cNvPr id="34" name="Freccia in giù 33"/>
+            <a:endParaRPr lang="it-IT"/>
+          </a:p>
+        </p:txBody>
+      </p:sp>
+      <p:sp>
+        <p:nvSpPr>
+          <p:cNvPr id="35" name="Freccia in giù 34"/>
           <p:cNvSpPr/>
           <p:nvPr/>
         </p:nvSpPr>
         <p:spPr>
           <a:xfrm>
-            <a:off x="6960096" y="1489100"/>
+            <a:off x="4116750" y="1489100"/>
             <a:ext cx="1008112" cy="648072"/>
           </a:xfrm>
           <a:prstGeom prst="downArrow">
             <a:avLst/>
           </a:prstGeom>
           <a:solidFill>
-            <a:schemeClr val="accent6">
-              <a:lumMod val="60000"/>
-              <a:lumOff val="40000"/>
+            <a:schemeClr val="accent2">
+              <a:lumMod val="75000"/>
             </a:schemeClr>
           </a:solidFill>
           <a:ln>
@@ -4779,7 +4666,7 @@
           </a:ln>
           <a:scene3d>
             <a:camera prst="orthographicFront">
-              <a:rot lat="0" lon="0" rev="3000000"/>
+              <a:rot lat="0" lon="0" rev="18600000"/>
             </a:camera>
             <a:lightRig rig="threePt" dir="t"/>
           </a:scene3d>
@@ -4811,22 +4698,76 @@
       </p:sp>
       <p:sp>
         <p:nvSpPr>
-          <p:cNvPr id="35" name="Freccia in giù 34"/>
+          <p:cNvPr id="2" name="CasellaDiTesto 1"/>
+          <p:cNvSpPr txBox="1"/>
+          <p:nvPr/>
+        </p:nvSpPr>
+        <p:spPr>
+          <a:xfrm>
+            <a:off x="415404" y="373894"/>
+            <a:ext cx="3505832" cy="1446550"/>
+          </a:xfrm>
+          <a:prstGeom prst="rect">
+            <a:avLst/>
+          </a:prstGeom>
+          <a:noFill/>
+        </p:spPr>
+        <p:txBody>
+          <a:bodyPr wrap="none" rtlCol="0">
+            <a:spAutoFit/>
+          </a:bodyPr>
+          <a:lstStyle/>
+          <a:p>
+            <a:pPr algn="ctr"/>
+            <a:r>
+              <a:rPr lang="it-IT" sz="4400" dirty="0" err="1" smtClean="0">
+                <a:solidFill>
+                  <a:srgbClr val="FF0000"/>
+                </a:solidFill>
+              </a:rPr>
+              <a:t>Discrimination</a:t>
+            </a:r>
+            <a:endParaRPr lang="it-IT" sz="4400" dirty="0" smtClean="0">
+              <a:solidFill>
+                <a:srgbClr val="FF0000"/>
+              </a:solidFill>
+            </a:endParaRPr>
+          </a:p>
+          <a:p>
+            <a:pPr algn="ctr"/>
+            <a:r>
+              <a:rPr lang="it-IT" sz="4400" dirty="0" smtClean="0">
+                <a:solidFill>
+                  <a:srgbClr val="FF0000"/>
+                </a:solidFill>
+              </a:rPr>
+              <a:t>Analysis</a:t>
+            </a:r>
+            <a:endParaRPr lang="it-IT" sz="4400" dirty="0">
+              <a:solidFill>
+                <a:srgbClr val="FF0000"/>
+              </a:solidFill>
+            </a:endParaRPr>
+          </a:p>
+        </p:txBody>
+      </p:sp>
+      <p:sp>
+        <p:nvSpPr>
+          <p:cNvPr id="18" name="Freccia in giù 34"/>
           <p:cNvSpPr/>
           <p:nvPr/>
         </p:nvSpPr>
         <p:spPr>
           <a:xfrm>
-            <a:off x="4116750" y="1489100"/>
+            <a:off x="1474259" y="3545806"/>
             <a:ext cx="1008112" cy="648072"/>
           </a:xfrm>
           <a:prstGeom prst="downArrow">
             <a:avLst/>
           </a:prstGeom>
           <a:solidFill>
-            <a:schemeClr val="accent6">
-              <a:lumMod val="60000"/>
-              <a:lumOff val="40000"/>
+            <a:schemeClr val="accent2">
+              <a:lumMod val="75000"/>
             </a:schemeClr>
           </a:solidFill>
           <a:ln>
@@ -4870,77 +4811,21 @@
       </p:sp>
       <p:sp>
         <p:nvSpPr>
-          <p:cNvPr id="2" name="CasellaDiTesto 1"/>
-          <p:cNvSpPr txBox="1"/>
-          <p:nvPr/>
-        </p:nvSpPr>
-        <p:spPr>
-          <a:xfrm>
-            <a:off x="415404" y="373894"/>
-            <a:ext cx="3505832" cy="1446550"/>
-          </a:xfrm>
-          <a:prstGeom prst="rect">
-            <a:avLst/>
-          </a:prstGeom>
-          <a:noFill/>
-        </p:spPr>
-        <p:txBody>
-          <a:bodyPr wrap="none" rtlCol="0">
-            <a:spAutoFit/>
-          </a:bodyPr>
-          <a:lstStyle/>
-          <a:p>
-            <a:pPr algn="ctr"/>
-            <a:r>
-              <a:rPr lang="it-IT" sz="4400" dirty="0" err="1" smtClean="0">
-                <a:solidFill>
-                  <a:srgbClr val="FF0000"/>
-                </a:solidFill>
-              </a:rPr>
-              <a:t>Discrimination</a:t>
-            </a:r>
-            <a:endParaRPr lang="it-IT" sz="4400" dirty="0" smtClean="0">
-              <a:solidFill>
-                <a:srgbClr val="FF0000"/>
-              </a:solidFill>
-            </a:endParaRPr>
-          </a:p>
-          <a:p>
-            <a:pPr algn="ctr"/>
-            <a:r>
-              <a:rPr lang="it-IT" sz="4400" dirty="0" smtClean="0">
-                <a:solidFill>
-                  <a:srgbClr val="FF0000"/>
-                </a:solidFill>
-              </a:rPr>
-              <a:t>Analysis</a:t>
-            </a:r>
-            <a:endParaRPr lang="it-IT" sz="4400" dirty="0">
-              <a:solidFill>
-                <a:srgbClr val="FF0000"/>
-              </a:solidFill>
-            </a:endParaRPr>
-          </a:p>
-        </p:txBody>
-      </p:sp>
-      <p:sp>
-        <p:nvSpPr>
-          <p:cNvPr id="18" name="Freccia in giù 34"/>
+          <p:cNvPr id="19" name="Freccia in giù 33"/>
           <p:cNvSpPr/>
           <p:nvPr/>
         </p:nvSpPr>
         <p:spPr>
           <a:xfrm>
-            <a:off x="1474259" y="3545806"/>
+            <a:off x="3935760" y="3542586"/>
             <a:ext cx="1008112" cy="648072"/>
           </a:xfrm>
           <a:prstGeom prst="downArrow">
             <a:avLst/>
           </a:prstGeom>
           <a:solidFill>
-            <a:schemeClr val="accent6">
-              <a:lumMod val="60000"/>
-              <a:lumOff val="40000"/>
+            <a:schemeClr val="accent2">
+              <a:lumMod val="75000"/>
             </a:schemeClr>
           </a:solidFill>
           <a:ln>
@@ -4952,7 +4837,7 @@
           </a:ln>
           <a:scene3d>
             <a:camera prst="orthographicFront">
-              <a:rot lat="0" lon="0" rev="18600000"/>
+              <a:rot lat="0" lon="0" rev="3000000"/>
             </a:camera>
             <a:lightRig rig="threePt" dir="t"/>
           </a:scene3d>
@@ -4984,22 +4869,59 @@
       </p:sp>
       <p:sp>
         <p:nvSpPr>
-          <p:cNvPr id="19" name="Freccia in giù 33"/>
+          <p:cNvPr id="15" name="CasellaDiTesto 14"/>
+          <p:cNvSpPr txBox="1"/>
+          <p:nvPr/>
+        </p:nvSpPr>
+        <p:spPr>
+          <a:xfrm>
+            <a:off x="7947255" y="4655872"/>
+            <a:ext cx="1872208" cy="584775"/>
+          </a:xfrm>
+          <a:prstGeom prst="rect">
+            <a:avLst/>
+          </a:prstGeom>
+          <a:solidFill>
+            <a:srgbClr val="FF0000"/>
+          </a:solidFill>
+          <a:ln w="19050">
+            <a:solidFill>
+              <a:schemeClr val="tx1"/>
+            </a:solidFill>
+          </a:ln>
+        </p:spPr>
+        <p:txBody>
+          <a:bodyPr wrap="square" rtlCol="0">
+            <a:spAutoFit/>
+          </a:bodyPr>
+          <a:lstStyle/>
+          <a:p>
+            <a:pPr algn="ctr"/>
+            <a:r>
+              <a:rPr lang="it-IT" sz="3200" dirty="0" err="1" smtClean="0"/>
+              <a:t>Prediction</a:t>
+            </a:r>
+            <a:endParaRPr lang="it-IT" sz="3200" dirty="0"/>
+          </a:p>
+        </p:txBody>
+      </p:sp>
+      <p:sp>
+        <p:nvSpPr>
+          <p:cNvPr id="16" name="Freccia in giù 32"/>
           <p:cNvSpPr/>
           <p:nvPr/>
         </p:nvSpPr>
         <p:spPr>
           <a:xfrm>
-            <a:off x="3935760" y="3542586"/>
+            <a:off x="8379303" y="3559979"/>
             <a:ext cx="1008112" cy="648072"/>
           </a:xfrm>
           <a:prstGeom prst="downArrow">
             <a:avLst/>
           </a:prstGeom>
           <a:solidFill>
-            <a:schemeClr val="accent6">
-              <a:lumMod val="60000"/>
-              <a:lumOff val="40000"/>
+            <a:schemeClr val="accent2">
+              <a:lumMod val="75000"/>
             </a:schemeClr>
           </a:solidFill>
           <a:ln>
@@ -5009,12 +4931,6 @@
               </a:schemeClr>
             </a:solidFill>
           </a:ln>
-          <a:scene3d>
-            <a:camera prst="orthographicFront">
-              <a:rot lat="0" lon="0" rev="3000000"/>
-            </a:camera>
-            <a:lightRig rig="threePt" dir="t"/>
-          </a:scene3d>
         </p:spPr>
         <p:style>
           <a:lnRef idx="2">
@@ -5041,100 +4957,6 @@
           </a:p>
         </p:txBody>
       </p:sp>
-      <p:sp>
-        <p:nvSpPr>
-          <p:cNvPr id="15" name="CasellaDiTesto 14"/>
-          <p:cNvSpPr txBox="1"/>
-          <p:nvPr/>
-        </p:nvSpPr>
-        <p:spPr>
-          <a:xfrm>
-            <a:off x="7947255" y="4655872"/>
-            <a:ext cx="1872208" cy="584775"/>
-          </a:xfrm>
-          <a:prstGeom prst="rect">
-            <a:avLst/>
-          </a:prstGeom>
-          <a:solidFill>
-            <a:schemeClr val="accent6">
-              <a:lumMod val="60000"/>
-              <a:lumOff val="40000"/>
-            </a:schemeClr>
-          </a:solidFill>
-          <a:ln w="19050">
-            <a:solidFill>
-              <a:schemeClr val="tx1"/>
-            </a:solidFill>
-          </a:ln>
-        </p:spPr>
-        <p:txBody>
-          <a:bodyPr wrap="square" rtlCol="0">
-            <a:spAutoFit/>
-          </a:bodyPr>
-          <a:lstStyle/>
-          <a:p>
-            <a:pPr algn="ctr"/>
-            <a:r>
-              <a:rPr lang="it-IT" sz="3200" dirty="0" err="1" smtClean="0"/>
-              <a:t>Prediction</a:t>
-            </a:r>
-            <a:endParaRPr lang="it-IT" sz="3200" dirty="0"/>
-          </a:p>
-        </p:txBody>
-      </p:sp>
-      <p:sp>
-        <p:nvSpPr>
-          <p:cNvPr id="16" name="Freccia in giù 32"/>
-          <p:cNvSpPr/>
-          <p:nvPr/>
-        </p:nvSpPr>
-        <p:spPr>
-          <a:xfrm>
-            <a:off x="8379303" y="3559979"/>
-            <a:ext cx="1008112" cy="648072"/>
-          </a:xfrm>
-          <a:prstGeom prst="downArrow">
-            <a:avLst/>
-          </a:prstGeom>
-          <a:solidFill>
-            <a:schemeClr val="accent6">
-              <a:lumMod val="60000"/>
-              <a:lumOff val="40000"/>
-            </a:schemeClr>
-          </a:solidFill>
-          <a:ln>
-            <a:solidFill>
-              <a:schemeClr val="bg1">
-                <a:lumMod val="50000"/>
-              </a:schemeClr>
-            </a:solidFill>
-          </a:ln>
-        </p:spPr>
-        <p:style>
-          <a:lnRef idx="2">
-            <a:schemeClr val="accent1">
-              <a:shade val="50000"/>
-            </a:schemeClr>
-          </a:lnRef>
-          <a:fillRef idx="1">
-            <a:schemeClr val="accent1"/>
-          </a:fillRef>
-          <a:effectRef idx="0">
-            <a:schemeClr val="accent1"/>
-          </a:effectRef>
-          <a:fontRef idx="minor">
-            <a:schemeClr val="lt1"/>
-          </a:fontRef>
-        </p:style>
-        <p:txBody>
-          <a:bodyPr rtlCol="0" anchor="ctr"/>
-          <a:lstStyle/>
-          <a:p>
-            <a:pPr algn="ctr"/>
-            <a:endParaRPr lang="it-IT"/>
-          </a:p>
-        </p:txBody>
-      </p:sp>
     </p:spTree>
     <p:extLst>
       <p:ext uri="{BB962C8B-B14F-4D97-AF65-F5344CB8AC3E}">
@@ -5145,10 +4967,17 @@
   <p:clrMapOvr>
     <a:masterClrMapping/>
   </p:clrMapOvr>
+  <p:timing>
+    <p:tnLst>
+      <p:par>
+        <p:cTn id="1" dur="indefinite" restart="never" nodeType="tmRoot"/>
+      </p:par>
+    </p:tnLst>
+  </p:timing>
 </p:sld>
 </file>
 
-<file path=ppt/slides/slide5.xml><?xml version="1.0" encoding="utf-8"?>
+<file path=ppt/slides/slide4.xml><?xml version="1.0" encoding="utf-8"?>
 <p:sld xmlns:a="http://schemas.openxmlformats.org/drawingml/2006/main" xmlns:r="http://schemas.openxmlformats.org/officeDocument/2006/relationships" xmlns:p="http://schemas.openxmlformats.org/presentationml/2006/main">
   <p:cSld>
     <p:spTree>
@@ -5764,89 +5593,6 @@
     <p:extLst>
       <p:ext uri="{BB962C8B-B14F-4D97-AF65-F5344CB8AC3E}">
         <p14:creationId xmlns:p14="http://schemas.microsoft.com/office/powerpoint/2010/main" val="1855289691"/>
-      </p:ext>
-    </p:extLst>
-  </p:cSld>
-  <p:clrMapOvr>
-    <a:masterClrMapping/>
-  </p:clrMapOvr>
-  <p:timing>
-    <p:tnLst>
-      <p:par>
-        <p:cTn id="1" dur="indefinite" restart="never" nodeType="tmRoot"/>
-      </p:par>
-    </p:tnLst>
-  </p:timing>
-</p:sld>
-</file>
-
-<file path=ppt/slides/slide6.xml><?xml version="1.0" encoding="utf-8"?>
-<p:sld xmlns:a="http://schemas.openxmlformats.org/drawingml/2006/main" xmlns:r="http://schemas.openxmlformats.org/officeDocument/2006/relationships" xmlns:p="http://schemas.openxmlformats.org/presentationml/2006/main">
-  <p:cSld>
-    <p:spTree>
-      <p:nvGrpSpPr>
-        <p:cNvPr id="1" name=""/>
-        <p:cNvGrpSpPr/>
-        <p:nvPr/>
-      </p:nvGrpSpPr>
-      <p:grpSpPr>
-        <a:xfrm>
-          <a:off x="0" y="0"/>
-          <a:ext cx="0" cy="0"/>
-          <a:chOff x="0" y="0"/>
-          <a:chExt cx="0" cy="0"/>
-        </a:xfrm>
-      </p:grpSpPr>
-      <p:sp>
-        <p:nvSpPr>
-          <p:cNvPr id="2" name="Titolo 1"/>
-          <p:cNvSpPr>
-            <a:spLocks noGrp="1"/>
-          </p:cNvSpPr>
-          <p:nvPr>
-            <p:ph type="title"/>
-          </p:nvPr>
-        </p:nvSpPr>
-        <p:spPr/>
-        <p:txBody>
-          <a:bodyPr/>
-          <a:lstStyle/>
-          <a:p>
-            <a:r>
-              <a:rPr lang="it-IT" dirty="0" smtClean="0"/>
-              <a:t>Tabella </a:t>
-            </a:r>
-            <a:r>
-              <a:rPr lang="it-IT" smtClean="0"/>
-              <a:t>aper</a:t>
-            </a:r>
-            <a:endParaRPr lang="it-IT"/>
-          </a:p>
-        </p:txBody>
-      </p:sp>
-      <p:sp>
-        <p:nvSpPr>
-          <p:cNvPr id="5" name="Segnaposto contenuto 4"/>
-          <p:cNvSpPr>
-            <a:spLocks noGrp="1"/>
-          </p:cNvSpPr>
-          <p:nvPr>
-            <p:ph idx="1"/>
-          </p:nvPr>
-        </p:nvSpPr>
-        <p:spPr/>
-        <p:txBody>
-          <a:bodyPr/>
-          <a:lstStyle/>
-          <a:p>
-            <a:endParaRPr lang="it-IT"/>
-          </a:p>
-        </p:txBody>
-      </p:sp>
-    </p:spTree>
-    <p:extLst>
-      <p:ext uri="{BB962C8B-B14F-4D97-AF65-F5344CB8AC3E}">
-        <p14:creationId xmlns:p14="http://schemas.microsoft.com/office/powerpoint/2010/main" val="2072589235"/>
       </p:ext>
     </p:extLst>
   </p:cSld>

--- a/AAA-Final presentation/PresentazioneMowy.pptx
+++ b/AAA-Final presentation/PresentazioneMowy.pptx
@@ -5,13 +5,15 @@
     <p:sldMasterId id="2147483648" r:id="rId1"/>
   </p:sldMasterIdLst>
   <p:notesMasterIdLst>
-    <p:notesMasterId r:id="rId6"/>
+    <p:notesMasterId r:id="rId8"/>
   </p:notesMasterIdLst>
   <p:sldIdLst>
     <p:sldId id="257" r:id="rId2"/>
-    <p:sldId id="259" r:id="rId3"/>
-    <p:sldId id="260" r:id="rId4"/>
-    <p:sldId id="261" r:id="rId5"/>
+    <p:sldId id="263" r:id="rId3"/>
+    <p:sldId id="259" r:id="rId4"/>
+    <p:sldId id="262" r:id="rId5"/>
+    <p:sldId id="260" r:id="rId6"/>
+    <p:sldId id="261" r:id="rId7"/>
   </p:sldIdLst>
   <p:sldSz cx="12192000" cy="6858000"/>
   <p:notesSz cx="6858000" cy="9144000"/>
@@ -200,7 +202,7 @@
           <a:p>
             <a:fld id="{33DB569A-0D9F-E343-9FF9-919F5CE9D15F}" type="datetimeFigureOut">
               <a:rPr lang="it-IT" smtClean="0"/>
-              <a:t>08/07/17</a:t>
+              <a:t>10/07/17</a:t>
             </a:fld>
             <a:endParaRPr lang="it-IT"/>
           </a:p>
@@ -599,7 +601,7 @@
           <a:p>
             <a:fld id="{ED310DC3-54BA-614A-9270-7E7F322F0ECE}" type="datetimeFigureOut">
               <a:rPr lang="it-IT" smtClean="0"/>
-              <a:t>08/07/17</a:t>
+              <a:t>10/07/17</a:t>
             </a:fld>
             <a:endParaRPr lang="it-IT"/>
           </a:p>
@@ -769,7 +771,7 @@
           <a:p>
             <a:fld id="{ED310DC3-54BA-614A-9270-7E7F322F0ECE}" type="datetimeFigureOut">
               <a:rPr lang="it-IT" smtClean="0"/>
-              <a:t>08/07/17</a:t>
+              <a:t>10/07/17</a:t>
             </a:fld>
             <a:endParaRPr lang="it-IT"/>
           </a:p>
@@ -949,7 +951,7 @@
           <a:p>
             <a:fld id="{ED310DC3-54BA-614A-9270-7E7F322F0ECE}" type="datetimeFigureOut">
               <a:rPr lang="it-IT" smtClean="0"/>
-              <a:t>08/07/17</a:t>
+              <a:t>10/07/17</a:t>
             </a:fld>
             <a:endParaRPr lang="it-IT"/>
           </a:p>
@@ -1119,7 +1121,7 @@
           <a:p>
             <a:fld id="{ED310DC3-54BA-614A-9270-7E7F322F0ECE}" type="datetimeFigureOut">
               <a:rPr lang="it-IT" smtClean="0"/>
-              <a:t>08/07/17</a:t>
+              <a:t>10/07/17</a:t>
             </a:fld>
             <a:endParaRPr lang="it-IT"/>
           </a:p>
@@ -1365,7 +1367,7 @@
           <a:p>
             <a:fld id="{ED310DC3-54BA-614A-9270-7E7F322F0ECE}" type="datetimeFigureOut">
               <a:rPr lang="it-IT" smtClean="0"/>
-              <a:t>08/07/17</a:t>
+              <a:t>10/07/17</a:t>
             </a:fld>
             <a:endParaRPr lang="it-IT"/>
           </a:p>
@@ -1597,7 +1599,7 @@
           <a:p>
             <a:fld id="{ED310DC3-54BA-614A-9270-7E7F322F0ECE}" type="datetimeFigureOut">
               <a:rPr lang="it-IT" smtClean="0"/>
-              <a:t>08/07/17</a:t>
+              <a:t>10/07/17</a:t>
             </a:fld>
             <a:endParaRPr lang="it-IT"/>
           </a:p>
@@ -1964,7 +1966,7 @@
           <a:p>
             <a:fld id="{ED310DC3-54BA-614A-9270-7E7F322F0ECE}" type="datetimeFigureOut">
               <a:rPr lang="it-IT" smtClean="0"/>
-              <a:t>08/07/17</a:t>
+              <a:t>10/07/17</a:t>
             </a:fld>
             <a:endParaRPr lang="it-IT"/>
           </a:p>
@@ -2082,7 +2084,7 @@
           <a:p>
             <a:fld id="{ED310DC3-54BA-614A-9270-7E7F322F0ECE}" type="datetimeFigureOut">
               <a:rPr lang="it-IT" smtClean="0"/>
-              <a:t>08/07/17</a:t>
+              <a:t>10/07/17</a:t>
             </a:fld>
             <a:endParaRPr lang="it-IT"/>
           </a:p>
@@ -2177,7 +2179,7 @@
           <a:p>
             <a:fld id="{ED310DC3-54BA-614A-9270-7E7F322F0ECE}" type="datetimeFigureOut">
               <a:rPr lang="it-IT" smtClean="0"/>
-              <a:t>08/07/17</a:t>
+              <a:t>10/07/17</a:t>
             </a:fld>
             <a:endParaRPr lang="it-IT"/>
           </a:p>
@@ -2454,7 +2456,7 @@
           <a:p>
             <a:fld id="{ED310DC3-54BA-614A-9270-7E7F322F0ECE}" type="datetimeFigureOut">
               <a:rPr lang="it-IT" smtClean="0"/>
-              <a:t>08/07/17</a:t>
+              <a:t>10/07/17</a:t>
             </a:fld>
             <a:endParaRPr lang="it-IT"/>
           </a:p>
@@ -2707,7 +2709,7 @@
           <a:p>
             <a:fld id="{ED310DC3-54BA-614A-9270-7E7F322F0ECE}" type="datetimeFigureOut">
               <a:rPr lang="it-IT" smtClean="0"/>
-              <a:t>08/07/17</a:t>
+              <a:t>10/07/17</a:t>
             </a:fld>
             <a:endParaRPr lang="it-IT"/>
           </a:p>
@@ -2920,7 +2922,7 @@
           <a:p>
             <a:fld id="{ED310DC3-54BA-614A-9270-7E7F322F0ECE}" type="datetimeFigureOut">
               <a:rPr lang="it-IT" smtClean="0"/>
-              <a:t>08/07/17</a:t>
+              <a:t>10/07/17</a:t>
             </a:fld>
             <a:endParaRPr lang="it-IT"/>
           </a:p>
@@ -3921,40 +3923,43 @@
       </p:grpSpPr>
       <p:pic>
         <p:nvPicPr>
-          <p:cNvPr id="4" name="Picture 2" descr="C:\Users\Leonardo\Desktop\United-Globe.png"/>
+          <p:cNvPr id="4" name="Segnaposto contenuto 3"/>
           <p:cNvPicPr>
-            <a:picLocks noChangeAspect="1" noChangeArrowheads="1"/>
+            <a:picLocks noGrp="1" noChangeAspect="1"/>
           </p:cNvPicPr>
-          <p:nvPr/>
+          <p:nvPr>
+            <p:ph idx="1"/>
+          </p:nvPr>
         </p:nvPicPr>
         <p:blipFill>
-          <a:blip r:embed="rId2" cstate="print"/>
-          <a:srcRect/>
+          <a:blip r:embed="rId2">
+            <a:extLst>
+              <a:ext uri="{28A0092B-C50C-407E-A947-70E740481C1C}">
+                <a14:useLocalDpi xmlns:a14="http://schemas.microsoft.com/office/drawing/2010/main" val="0"/>
+              </a:ext>
+            </a:extLst>
+          </a:blip>
           <a:stretch>
             <a:fillRect/>
           </a:stretch>
         </p:blipFill>
-        <p:spPr bwMode="auto">
-          <a:xfrm>
-            <a:off x="9192344" y="5373217"/>
-            <a:ext cx="1254238" cy="1257003"/>
-          </a:xfrm>
-          <a:prstGeom prst="rect">
-            <a:avLst/>
-          </a:prstGeom>
-          <a:noFill/>
+        <p:spPr>
+          <a:xfrm>
+            <a:off x="3343275" y="1825625"/>
+            <a:ext cx="5386388" cy="4351338"/>
+          </a:xfrm>
         </p:spPr>
       </p:pic>
       <p:sp>
         <p:nvSpPr>
-          <p:cNvPr id="13" name="CasellaDiTesto 12"/>
+          <p:cNvPr id="6" name="CasellaDiTesto 5"/>
           <p:cNvSpPr txBox="1"/>
           <p:nvPr/>
         </p:nvSpPr>
         <p:spPr>
           <a:xfrm>
-            <a:off x="3584105" y="1493168"/>
-            <a:ext cx="184731" cy="369332"/>
+            <a:off x="354330" y="548640"/>
+            <a:ext cx="3682803" cy="769441"/>
           </a:xfrm>
           <a:prstGeom prst="rect">
             <a:avLst/>
@@ -3967,278 +3972,31 @@
           </a:bodyPr>
           <a:lstStyle/>
           <a:p>
-            <a:endParaRPr lang="it-IT" dirty="0"/>
-          </a:p>
-        </p:txBody>
-      </p:sp>
-      <p:sp>
-        <p:nvSpPr>
-          <p:cNvPr id="14" name="CasellaDiTesto 13"/>
-          <p:cNvSpPr txBox="1"/>
-          <p:nvPr/>
-        </p:nvSpPr>
-        <p:spPr>
-          <a:xfrm>
-            <a:off x="3736505" y="1645568"/>
-            <a:ext cx="184731" cy="369332"/>
-          </a:xfrm>
-          <a:prstGeom prst="rect">
-            <a:avLst/>
-          </a:prstGeom>
-          <a:noFill/>
-        </p:spPr>
-        <p:txBody>
-          <a:bodyPr wrap="none" rtlCol="0">
-            <a:spAutoFit/>
-          </a:bodyPr>
-          <a:lstStyle/>
-          <a:p>
-            <a:endParaRPr lang="it-IT" dirty="0"/>
-          </a:p>
-        </p:txBody>
-      </p:sp>
-      <p:sp>
-        <p:nvSpPr>
-          <p:cNvPr id="6" name="CasellaDiTesto 5"/>
-          <p:cNvSpPr txBox="1"/>
-          <p:nvPr/>
-        </p:nvSpPr>
-        <p:spPr>
-          <a:xfrm>
-            <a:off x="6368804" y="1125664"/>
-            <a:ext cx="1353769" cy="523220"/>
-          </a:xfrm>
-          <a:prstGeom prst="rect">
-            <a:avLst/>
-          </a:prstGeom>
-          <a:noFill/>
-          <a:scene3d>
-            <a:camera prst="orthographicFront">
-              <a:rot lat="0" lon="0" rev="0"/>
-            </a:camera>
-            <a:lightRig rig="threePt" dir="t"/>
-          </a:scene3d>
-        </p:spPr>
-        <p:txBody>
-          <a:bodyPr wrap="none" rtlCol="0">
-            <a:spAutoFit/>
-          </a:bodyPr>
-          <a:lstStyle/>
-          <a:p>
-            <a:pPr algn="ctr"/>
-            <a:r>
-              <a:rPr lang="it-IT" sz="2800" dirty="0" err="1" smtClean="0"/>
-              <a:t>Stability</a:t>
-            </a:r>
-            <a:endParaRPr lang="it-IT" sz="2800" dirty="0"/>
-          </a:p>
-        </p:txBody>
-      </p:sp>
-      <p:sp>
-        <p:nvSpPr>
-          <p:cNvPr id="7" name="CasellaDiTesto 6"/>
-          <p:cNvSpPr txBox="1"/>
-          <p:nvPr/>
-        </p:nvSpPr>
-        <p:spPr>
-          <a:xfrm>
-            <a:off x="6921659" y="2210694"/>
-            <a:ext cx="2270685" cy="1815882"/>
-          </a:xfrm>
-          <a:prstGeom prst="rect">
-            <a:avLst/>
-          </a:prstGeom>
-          <a:noFill/>
-        </p:spPr>
-        <p:txBody>
-          <a:bodyPr wrap="none" rtlCol="0">
-            <a:spAutoFit/>
-          </a:bodyPr>
-          <a:lstStyle/>
-          <a:p>
-            <a:pPr algn="ctr"/>
-            <a:r>
-              <a:rPr lang="it-IT" sz="2800" dirty="0"/>
-              <a:t>k</a:t>
-            </a:r>
-            <a:r>
-              <a:rPr lang="it-IT" sz="2800" dirty="0" smtClean="0"/>
-              <a:t> </a:t>
-            </a:r>
-            <a:r>
-              <a:rPr lang="it-IT" sz="2800" dirty="0" err="1" smtClean="0"/>
-              <a:t>found</a:t>
-            </a:r>
-            <a:r>
-              <a:rPr lang="it-IT" sz="2800" dirty="0" smtClean="0"/>
-              <a:t> </a:t>
-            </a:r>
-          </a:p>
-          <a:p>
-            <a:pPr algn="ctr"/>
-            <a:r>
-              <a:rPr lang="it-IT" sz="2800" dirty="0" err="1" smtClean="0"/>
-              <a:t>quantitatively</a:t>
-            </a:r>
-            <a:r>
-              <a:rPr lang="it-IT" sz="2800" dirty="0" smtClean="0"/>
-              <a:t> </a:t>
-            </a:r>
-          </a:p>
-          <a:p>
-            <a:pPr algn="ctr"/>
-            <a:r>
-              <a:rPr lang="it-IT" sz="2800" dirty="0" smtClean="0"/>
-              <a:t>&amp; </a:t>
-            </a:r>
-          </a:p>
-          <a:p>
-            <a:pPr algn="ctr"/>
-            <a:r>
-              <a:rPr lang="it-IT" sz="2800" dirty="0" err="1" smtClean="0"/>
-              <a:t>qualitatively</a:t>
-            </a:r>
-            <a:endParaRPr lang="it-IT" sz="2800" dirty="0"/>
-          </a:p>
-        </p:txBody>
-      </p:sp>
-      <p:sp>
-        <p:nvSpPr>
-          <p:cNvPr id="8" name="CasellaDiTesto 7"/>
-          <p:cNvSpPr txBox="1"/>
-          <p:nvPr/>
-        </p:nvSpPr>
-        <p:spPr>
-          <a:xfrm>
-            <a:off x="6368804" y="4584790"/>
-            <a:ext cx="1858650" cy="523220"/>
-          </a:xfrm>
-          <a:prstGeom prst="rect">
-            <a:avLst/>
-          </a:prstGeom>
-          <a:noFill/>
-          <a:scene3d>
-            <a:camera prst="orthographicFront">
-              <a:rot lat="0" lon="0" rev="0"/>
-            </a:camera>
-            <a:lightRig rig="threePt" dir="t"/>
-          </a:scene3d>
-        </p:spPr>
-        <p:txBody>
-          <a:bodyPr wrap="none" rtlCol="0">
-            <a:spAutoFit/>
-          </a:bodyPr>
-          <a:lstStyle/>
-          <a:p>
-            <a:pPr algn="ctr"/>
-            <a:r>
-              <a:rPr lang="it-IT" sz="2800" dirty="0" smtClean="0"/>
-              <a:t>Real </a:t>
-            </a:r>
-            <a:r>
-              <a:rPr lang="it-IT" sz="2800" dirty="0" err="1" smtClean="0"/>
-              <a:t>results</a:t>
-            </a:r>
-            <a:endParaRPr lang="it-IT" sz="2800" dirty="0"/>
-          </a:p>
-        </p:txBody>
-      </p:sp>
-      <p:sp>
-        <p:nvSpPr>
-          <p:cNvPr id="11" name="Ovale 10"/>
-          <p:cNvSpPr/>
-          <p:nvPr/>
-        </p:nvSpPr>
-        <p:spPr>
-          <a:xfrm>
-            <a:off x="3921236" y="1910494"/>
-            <a:ext cx="2447568" cy="2416283"/>
-          </a:xfrm>
-          <a:prstGeom prst="ellipse">
-            <a:avLst/>
-          </a:prstGeom>
-          <a:solidFill>
-            <a:schemeClr val="accent2">
-              <a:lumMod val="75000"/>
-            </a:schemeClr>
-          </a:solidFill>
-          <a:ln>
-            <a:solidFill>
-              <a:schemeClr val="tx1">
-                <a:lumMod val="65000"/>
-                <a:lumOff val="35000"/>
-              </a:schemeClr>
-            </a:solidFill>
-          </a:ln>
-        </p:spPr>
-        <p:style>
-          <a:lnRef idx="2">
-            <a:schemeClr val="accent1">
-              <a:shade val="50000"/>
-            </a:schemeClr>
-          </a:lnRef>
-          <a:fillRef idx="1">
-            <a:schemeClr val="accent1"/>
-          </a:fillRef>
-          <a:effectRef idx="0">
-            <a:schemeClr val="accent1"/>
-          </a:effectRef>
-          <a:fontRef idx="minor">
-            <a:schemeClr val="lt1"/>
-          </a:fontRef>
-        </p:style>
-        <p:txBody>
-          <a:bodyPr lIns="90000" rtlCol="0" anchor="ctr"/>
-          <a:lstStyle/>
-          <a:p>
-            <a:pPr algn="ctr"/>
-            <a:r>
-              <a:rPr lang="it-IT" sz="4400" dirty="0" smtClean="0"/>
-              <a:t>K </a:t>
-            </a:r>
-            <a:r>
-              <a:rPr lang="it-IT" sz="4400" dirty="0" err="1"/>
-              <a:t>M</a:t>
-            </a:r>
-            <a:r>
-              <a:rPr lang="it-IT" sz="4400" dirty="0" err="1" smtClean="0"/>
-              <a:t>eans</a:t>
-            </a:r>
-            <a:endParaRPr lang="it-IT" sz="4400" dirty="0"/>
-          </a:p>
-        </p:txBody>
-      </p:sp>
-      <p:sp>
-        <p:nvSpPr>
-          <p:cNvPr id="2" name="CasellaDiTesto 1"/>
-          <p:cNvSpPr txBox="1"/>
-          <p:nvPr/>
-        </p:nvSpPr>
-        <p:spPr>
-          <a:xfrm>
-            <a:off x="530341" y="224721"/>
-            <a:ext cx="4080510" cy="830997"/>
-          </a:xfrm>
-          <a:prstGeom prst="rect">
-            <a:avLst/>
-          </a:prstGeom>
-          <a:noFill/>
-        </p:spPr>
-        <p:txBody>
-          <a:bodyPr wrap="square" rtlCol="0">
-            <a:spAutoFit/>
-          </a:bodyPr>
-          <a:lstStyle/>
-          <a:p>
-            <a:r>
-              <a:rPr lang="it-IT" sz="4800" dirty="0" smtClean="0">
+            <a:r>
+              <a:rPr lang="it-IT" sz="4400" dirty="0" smtClean="0">
                 <a:solidFill>
                   <a:srgbClr val="FF0000"/>
                 </a:solidFill>
               </a:rPr>
-              <a:t>Clustering</a:t>
-            </a:r>
-            <a:endParaRPr lang="it-IT" sz="4800" dirty="0">
+              <a:t>No </a:t>
+            </a:r>
+            <a:r>
+              <a:rPr lang="it-IT" sz="4400" dirty="0" err="1">
+                <a:solidFill>
+                  <a:srgbClr val="FF0000"/>
+                </a:solidFill>
+              </a:rPr>
+              <a:t>H</a:t>
+            </a:r>
+            <a:r>
+              <a:rPr lang="it-IT" sz="4400" dirty="0" err="1" smtClean="0">
+                <a:solidFill>
+                  <a:srgbClr val="FF0000"/>
+                </a:solidFill>
+              </a:rPr>
+              <a:t>ierarchical</a:t>
+            </a:r>
+            <a:endParaRPr lang="it-IT" sz="4400" dirty="0">
               <a:solidFill>
                 <a:srgbClr val="FF0000"/>
               </a:solidFill>
@@ -4249,20 +4007,13 @@
     </p:spTree>
     <p:extLst>
       <p:ext uri="{BB962C8B-B14F-4D97-AF65-F5344CB8AC3E}">
-        <p14:creationId xmlns:p14="http://schemas.microsoft.com/office/powerpoint/2010/main" val="64031430"/>
+        <p14:creationId xmlns:p14="http://schemas.microsoft.com/office/powerpoint/2010/main" val="226110627"/>
       </p:ext>
     </p:extLst>
   </p:cSld>
   <p:clrMapOvr>
     <a:masterClrMapping/>
   </p:clrMapOvr>
-  <p:timing>
-    <p:tnLst>
-      <p:par>
-        <p:cTn id="1" dur="indefinite" restart="never" nodeType="tmRoot"/>
-      </p:par>
-    </p:tnLst>
-  </p:timing>
 </p:sld>
 </file>
 
@@ -4311,6 +4062,1044 @@
       </p:pic>
       <p:sp>
         <p:nvSpPr>
+          <p:cNvPr id="13" name="CasellaDiTesto 12"/>
+          <p:cNvSpPr txBox="1"/>
+          <p:nvPr/>
+        </p:nvSpPr>
+        <p:spPr>
+          <a:xfrm>
+            <a:off x="3584105" y="1493168"/>
+            <a:ext cx="184731" cy="369332"/>
+          </a:xfrm>
+          <a:prstGeom prst="rect">
+            <a:avLst/>
+          </a:prstGeom>
+          <a:noFill/>
+        </p:spPr>
+        <p:txBody>
+          <a:bodyPr wrap="none" rtlCol="0">
+            <a:spAutoFit/>
+          </a:bodyPr>
+          <a:lstStyle/>
+          <a:p>
+            <a:endParaRPr lang="it-IT" dirty="0"/>
+          </a:p>
+        </p:txBody>
+      </p:sp>
+      <p:sp>
+        <p:nvSpPr>
+          <p:cNvPr id="14" name="CasellaDiTesto 13"/>
+          <p:cNvSpPr txBox="1"/>
+          <p:nvPr/>
+        </p:nvSpPr>
+        <p:spPr>
+          <a:xfrm>
+            <a:off x="3736505" y="1645568"/>
+            <a:ext cx="184731" cy="369332"/>
+          </a:xfrm>
+          <a:prstGeom prst="rect">
+            <a:avLst/>
+          </a:prstGeom>
+          <a:noFill/>
+        </p:spPr>
+        <p:txBody>
+          <a:bodyPr wrap="none" rtlCol="0">
+            <a:spAutoFit/>
+          </a:bodyPr>
+          <a:lstStyle/>
+          <a:p>
+            <a:endParaRPr lang="it-IT" dirty="0"/>
+          </a:p>
+        </p:txBody>
+      </p:sp>
+      <p:sp>
+        <p:nvSpPr>
+          <p:cNvPr id="6" name="CasellaDiTesto 5"/>
+          <p:cNvSpPr txBox="1"/>
+          <p:nvPr/>
+        </p:nvSpPr>
+        <p:spPr>
+          <a:xfrm>
+            <a:off x="6368804" y="1125664"/>
+            <a:ext cx="1353769" cy="523220"/>
+          </a:xfrm>
+          <a:prstGeom prst="rect">
+            <a:avLst/>
+          </a:prstGeom>
+          <a:noFill/>
+          <a:scene3d>
+            <a:camera prst="orthographicFront">
+              <a:rot lat="0" lon="0" rev="0"/>
+            </a:camera>
+            <a:lightRig rig="threePt" dir="t"/>
+          </a:scene3d>
+        </p:spPr>
+        <p:txBody>
+          <a:bodyPr wrap="none" rtlCol="0">
+            <a:spAutoFit/>
+          </a:bodyPr>
+          <a:lstStyle/>
+          <a:p>
+            <a:pPr algn="ctr"/>
+            <a:r>
+              <a:rPr lang="it-IT" sz="2800" dirty="0" err="1" smtClean="0"/>
+              <a:t>Stability</a:t>
+            </a:r>
+            <a:endParaRPr lang="it-IT" sz="2800" dirty="0"/>
+          </a:p>
+        </p:txBody>
+      </p:sp>
+      <p:sp>
+        <p:nvSpPr>
+          <p:cNvPr id="7" name="CasellaDiTesto 6"/>
+          <p:cNvSpPr txBox="1"/>
+          <p:nvPr/>
+        </p:nvSpPr>
+        <p:spPr>
+          <a:xfrm>
+            <a:off x="6921659" y="2210694"/>
+            <a:ext cx="2270685" cy="1815882"/>
+          </a:xfrm>
+          <a:prstGeom prst="rect">
+            <a:avLst/>
+          </a:prstGeom>
+          <a:noFill/>
+        </p:spPr>
+        <p:txBody>
+          <a:bodyPr wrap="none" rtlCol="0">
+            <a:spAutoFit/>
+          </a:bodyPr>
+          <a:lstStyle/>
+          <a:p>
+            <a:pPr algn="ctr"/>
+            <a:r>
+              <a:rPr lang="it-IT" sz="2800" dirty="0"/>
+              <a:t>k</a:t>
+            </a:r>
+            <a:r>
+              <a:rPr lang="it-IT" sz="2800" dirty="0" smtClean="0"/>
+              <a:t> </a:t>
+            </a:r>
+            <a:r>
+              <a:rPr lang="it-IT" sz="2800" dirty="0" err="1" smtClean="0"/>
+              <a:t>found</a:t>
+            </a:r>
+            <a:r>
+              <a:rPr lang="it-IT" sz="2800" dirty="0" smtClean="0"/>
+              <a:t> </a:t>
+            </a:r>
+          </a:p>
+          <a:p>
+            <a:pPr algn="ctr"/>
+            <a:r>
+              <a:rPr lang="it-IT" sz="2800" dirty="0" err="1" smtClean="0"/>
+              <a:t>quantitatively</a:t>
+            </a:r>
+            <a:r>
+              <a:rPr lang="it-IT" sz="2800" dirty="0" smtClean="0"/>
+              <a:t> </a:t>
+            </a:r>
+          </a:p>
+          <a:p>
+            <a:pPr algn="ctr"/>
+            <a:r>
+              <a:rPr lang="it-IT" sz="2800" dirty="0" smtClean="0"/>
+              <a:t>&amp; </a:t>
+            </a:r>
+          </a:p>
+          <a:p>
+            <a:pPr algn="ctr"/>
+            <a:r>
+              <a:rPr lang="it-IT" sz="2800" dirty="0" err="1" smtClean="0"/>
+              <a:t>qualitatively</a:t>
+            </a:r>
+            <a:endParaRPr lang="it-IT" sz="2800" dirty="0"/>
+          </a:p>
+        </p:txBody>
+      </p:sp>
+      <p:sp>
+        <p:nvSpPr>
+          <p:cNvPr id="8" name="CasellaDiTesto 7"/>
+          <p:cNvSpPr txBox="1"/>
+          <p:nvPr/>
+        </p:nvSpPr>
+        <p:spPr>
+          <a:xfrm>
+            <a:off x="6368804" y="4584790"/>
+            <a:ext cx="1858650" cy="523220"/>
+          </a:xfrm>
+          <a:prstGeom prst="rect">
+            <a:avLst/>
+          </a:prstGeom>
+          <a:noFill/>
+          <a:scene3d>
+            <a:camera prst="orthographicFront">
+              <a:rot lat="0" lon="0" rev="0"/>
+            </a:camera>
+            <a:lightRig rig="threePt" dir="t"/>
+          </a:scene3d>
+        </p:spPr>
+        <p:txBody>
+          <a:bodyPr wrap="none" rtlCol="0">
+            <a:spAutoFit/>
+          </a:bodyPr>
+          <a:lstStyle/>
+          <a:p>
+            <a:pPr algn="ctr"/>
+            <a:r>
+              <a:rPr lang="it-IT" sz="2800" dirty="0" smtClean="0"/>
+              <a:t>Real </a:t>
+            </a:r>
+            <a:r>
+              <a:rPr lang="it-IT" sz="2800" dirty="0" err="1" smtClean="0"/>
+              <a:t>results</a:t>
+            </a:r>
+            <a:endParaRPr lang="it-IT" sz="2800" dirty="0"/>
+          </a:p>
+        </p:txBody>
+      </p:sp>
+      <p:sp>
+        <p:nvSpPr>
+          <p:cNvPr id="11" name="Ovale 10"/>
+          <p:cNvSpPr/>
+          <p:nvPr/>
+        </p:nvSpPr>
+        <p:spPr>
+          <a:xfrm>
+            <a:off x="3921236" y="1910494"/>
+            <a:ext cx="2447568" cy="2416283"/>
+          </a:xfrm>
+          <a:prstGeom prst="ellipse">
+            <a:avLst/>
+          </a:prstGeom>
+          <a:solidFill>
+            <a:schemeClr val="accent2">
+              <a:lumMod val="75000"/>
+            </a:schemeClr>
+          </a:solidFill>
+          <a:ln>
+            <a:solidFill>
+              <a:schemeClr val="tx1">
+                <a:lumMod val="65000"/>
+                <a:lumOff val="35000"/>
+              </a:schemeClr>
+            </a:solidFill>
+          </a:ln>
+        </p:spPr>
+        <p:style>
+          <a:lnRef idx="2">
+            <a:schemeClr val="accent1">
+              <a:shade val="50000"/>
+            </a:schemeClr>
+          </a:lnRef>
+          <a:fillRef idx="1">
+            <a:schemeClr val="accent1"/>
+          </a:fillRef>
+          <a:effectRef idx="0">
+            <a:schemeClr val="accent1"/>
+          </a:effectRef>
+          <a:fontRef idx="minor">
+            <a:schemeClr val="lt1"/>
+          </a:fontRef>
+        </p:style>
+        <p:txBody>
+          <a:bodyPr lIns="90000" rtlCol="0" anchor="ctr"/>
+          <a:lstStyle/>
+          <a:p>
+            <a:pPr algn="ctr"/>
+            <a:r>
+              <a:rPr lang="it-IT" sz="4400" dirty="0" smtClean="0"/>
+              <a:t>K </a:t>
+            </a:r>
+            <a:r>
+              <a:rPr lang="it-IT" sz="4400" dirty="0" err="1"/>
+              <a:t>M</a:t>
+            </a:r>
+            <a:r>
+              <a:rPr lang="it-IT" sz="4400" dirty="0" err="1" smtClean="0"/>
+              <a:t>eans</a:t>
+            </a:r>
+            <a:endParaRPr lang="it-IT" sz="4400" dirty="0"/>
+          </a:p>
+        </p:txBody>
+      </p:sp>
+      <p:sp>
+        <p:nvSpPr>
+          <p:cNvPr id="2" name="CasellaDiTesto 1"/>
+          <p:cNvSpPr txBox="1"/>
+          <p:nvPr/>
+        </p:nvSpPr>
+        <p:spPr>
+          <a:xfrm>
+            <a:off x="530341" y="224721"/>
+            <a:ext cx="4080510" cy="830997"/>
+          </a:xfrm>
+          <a:prstGeom prst="rect">
+            <a:avLst/>
+          </a:prstGeom>
+          <a:noFill/>
+        </p:spPr>
+        <p:txBody>
+          <a:bodyPr wrap="square" rtlCol="0">
+            <a:spAutoFit/>
+          </a:bodyPr>
+          <a:lstStyle/>
+          <a:p>
+            <a:r>
+              <a:rPr lang="it-IT" sz="4800" dirty="0" smtClean="0">
+                <a:solidFill>
+                  <a:srgbClr val="FF0000"/>
+                </a:solidFill>
+              </a:rPr>
+              <a:t>Clustering</a:t>
+            </a:r>
+            <a:endParaRPr lang="it-IT" sz="4800" dirty="0">
+              <a:solidFill>
+                <a:srgbClr val="FF0000"/>
+              </a:solidFill>
+            </a:endParaRPr>
+          </a:p>
+        </p:txBody>
+      </p:sp>
+    </p:spTree>
+    <p:extLst>
+      <p:ext uri="{BB962C8B-B14F-4D97-AF65-F5344CB8AC3E}">
+        <p14:creationId xmlns:p14="http://schemas.microsoft.com/office/powerpoint/2010/main" val="64031430"/>
+      </p:ext>
+    </p:extLst>
+  </p:cSld>
+  <p:clrMapOvr>
+    <a:masterClrMapping/>
+  </p:clrMapOvr>
+  <p:timing>
+    <p:tnLst>
+      <p:par>
+        <p:cTn id="1" dur="indefinite" restart="never" nodeType="tmRoot"/>
+      </p:par>
+    </p:tnLst>
+  </p:timing>
+</p:sld>
+</file>
+
+<file path=ppt/slides/slide4.xml><?xml version="1.0" encoding="utf-8"?>
+<p:sld xmlns:a="http://schemas.openxmlformats.org/drawingml/2006/main" xmlns:r="http://schemas.openxmlformats.org/officeDocument/2006/relationships" xmlns:p="http://schemas.openxmlformats.org/presentationml/2006/main">
+  <p:cSld>
+    <p:spTree>
+      <p:nvGrpSpPr>
+        <p:cNvPr id="1" name=""/>
+        <p:cNvGrpSpPr/>
+        <p:nvPr/>
+      </p:nvGrpSpPr>
+      <p:grpSpPr>
+        <a:xfrm>
+          <a:off x="0" y="0"/>
+          <a:ext cx="0" cy="0"/>
+          <a:chOff x="0" y="0"/>
+          <a:chExt cx="0" cy="0"/>
+        </a:xfrm>
+      </p:grpSpPr>
+      <p:pic>
+        <p:nvPicPr>
+          <p:cNvPr id="15" name="Immagine 14"/>
+          <p:cNvPicPr>
+            <a:picLocks noChangeAspect="1"/>
+          </p:cNvPicPr>
+          <p:nvPr/>
+        </p:nvPicPr>
+        <p:blipFill>
+          <a:blip r:embed="rId2">
+            <a:extLst>
+              <a:ext uri="{28A0092B-C50C-407E-A947-70E740481C1C}">
+                <a14:useLocalDpi xmlns:a14="http://schemas.microsoft.com/office/drawing/2010/main" val="0"/>
+              </a:ext>
+            </a:extLst>
+          </a:blip>
+          <a:stretch>
+            <a:fillRect/>
+          </a:stretch>
+        </p:blipFill>
+        <p:spPr>
+          <a:xfrm>
+            <a:off x="5649404" y="325627"/>
+            <a:ext cx="6034755" cy="1243793"/>
+          </a:xfrm>
+          <a:prstGeom prst="rect">
+            <a:avLst/>
+          </a:prstGeom>
+        </p:spPr>
+      </p:pic>
+      <p:pic>
+        <p:nvPicPr>
+          <p:cNvPr id="16" name="Immagine 15"/>
+          <p:cNvPicPr>
+            <a:picLocks noChangeAspect="1"/>
+          </p:cNvPicPr>
+          <p:nvPr/>
+        </p:nvPicPr>
+        <p:blipFill>
+          <a:blip r:embed="rId3">
+            <a:extLst>
+              <a:ext uri="{28A0092B-C50C-407E-A947-70E740481C1C}">
+                <a14:useLocalDpi xmlns:a14="http://schemas.microsoft.com/office/drawing/2010/main" val="0"/>
+              </a:ext>
+            </a:extLst>
+          </a:blip>
+          <a:stretch>
+            <a:fillRect/>
+          </a:stretch>
+        </p:blipFill>
+        <p:spPr>
+          <a:xfrm>
+            <a:off x="132032" y="1926301"/>
+            <a:ext cx="4985622" cy="1146922"/>
+          </a:xfrm>
+          <a:prstGeom prst="rect">
+            <a:avLst/>
+          </a:prstGeom>
+        </p:spPr>
+      </p:pic>
+      <p:pic>
+        <p:nvPicPr>
+          <p:cNvPr id="17" name="Immagine 16"/>
+          <p:cNvPicPr>
+            <a:picLocks noChangeAspect="1"/>
+          </p:cNvPicPr>
+          <p:nvPr/>
+        </p:nvPicPr>
+        <p:blipFill>
+          <a:blip r:embed="rId4">
+            <a:extLst>
+              <a:ext uri="{28A0092B-C50C-407E-A947-70E740481C1C}">
+                <a14:useLocalDpi xmlns:a14="http://schemas.microsoft.com/office/drawing/2010/main" val="0"/>
+              </a:ext>
+            </a:extLst>
+          </a:blip>
+          <a:stretch>
+            <a:fillRect/>
+          </a:stretch>
+        </p:blipFill>
+        <p:spPr>
+          <a:xfrm>
+            <a:off x="0" y="4888649"/>
+            <a:ext cx="5557520" cy="1316217"/>
+          </a:xfrm>
+          <a:prstGeom prst="rect">
+            <a:avLst/>
+          </a:prstGeom>
+        </p:spPr>
+      </p:pic>
+      <p:pic>
+        <p:nvPicPr>
+          <p:cNvPr id="18" name="Immagine 17"/>
+          <p:cNvPicPr>
+            <a:picLocks noChangeAspect="1"/>
+          </p:cNvPicPr>
+          <p:nvPr/>
+        </p:nvPicPr>
+        <p:blipFill>
+          <a:blip r:embed="rId5">
+            <a:extLst>
+              <a:ext uri="{28A0092B-C50C-407E-A947-70E740481C1C}">
+                <a14:useLocalDpi xmlns:a14="http://schemas.microsoft.com/office/drawing/2010/main" val="0"/>
+              </a:ext>
+            </a:extLst>
+          </a:blip>
+          <a:stretch>
+            <a:fillRect/>
+          </a:stretch>
+        </p:blipFill>
+        <p:spPr>
+          <a:xfrm>
+            <a:off x="5809063" y="5832597"/>
+            <a:ext cx="6256580" cy="744538"/>
+          </a:xfrm>
+          <a:prstGeom prst="rect">
+            <a:avLst/>
+          </a:prstGeom>
+        </p:spPr>
+      </p:pic>
+      <p:pic>
+        <p:nvPicPr>
+          <p:cNvPr id="19" name="Immagine 18"/>
+          <p:cNvPicPr>
+            <a:picLocks noChangeAspect="1"/>
+          </p:cNvPicPr>
+          <p:nvPr/>
+        </p:nvPicPr>
+        <p:blipFill>
+          <a:blip r:embed="rId6">
+            <a:extLst>
+              <a:ext uri="{28A0092B-C50C-407E-A947-70E740481C1C}">
+                <a14:useLocalDpi xmlns:a14="http://schemas.microsoft.com/office/drawing/2010/main" val="0"/>
+              </a:ext>
+            </a:extLst>
+          </a:blip>
+          <a:stretch>
+            <a:fillRect/>
+          </a:stretch>
+        </p:blipFill>
+        <p:spPr>
+          <a:xfrm>
+            <a:off x="5556872" y="4117032"/>
+            <a:ext cx="6448839" cy="1349803"/>
+          </a:xfrm>
+          <a:prstGeom prst="rect">
+            <a:avLst/>
+          </a:prstGeom>
+        </p:spPr>
+      </p:pic>
+      <p:pic>
+        <p:nvPicPr>
+          <p:cNvPr id="24" name="Immagine 23"/>
+          <p:cNvPicPr>
+            <a:picLocks noChangeAspect="1"/>
+          </p:cNvPicPr>
+          <p:nvPr/>
+        </p:nvPicPr>
+        <p:blipFill>
+          <a:blip r:embed="rId7">
+            <a:extLst>
+              <a:ext uri="{28A0092B-C50C-407E-A947-70E740481C1C}">
+                <a14:useLocalDpi xmlns:a14="http://schemas.microsoft.com/office/drawing/2010/main" val="0"/>
+              </a:ext>
+            </a:extLst>
+          </a:blip>
+          <a:stretch>
+            <a:fillRect/>
+          </a:stretch>
+        </p:blipFill>
+        <p:spPr>
+          <a:xfrm>
+            <a:off x="5649404" y="1590176"/>
+            <a:ext cx="5906326" cy="2296023"/>
+          </a:xfrm>
+          <a:prstGeom prst="rect">
+            <a:avLst/>
+          </a:prstGeom>
+        </p:spPr>
+      </p:pic>
+      <p:sp>
+        <p:nvSpPr>
+          <p:cNvPr id="26" name="CasellaDiTesto 25"/>
+          <p:cNvSpPr txBox="1"/>
+          <p:nvPr/>
+        </p:nvSpPr>
+        <p:spPr>
+          <a:xfrm>
+            <a:off x="536459" y="144340"/>
+            <a:ext cx="4032258" cy="1446550"/>
+          </a:xfrm>
+          <a:prstGeom prst="rect">
+            <a:avLst/>
+          </a:prstGeom>
+          <a:noFill/>
+        </p:spPr>
+        <p:txBody>
+          <a:bodyPr wrap="none" rtlCol="0">
+            <a:spAutoFit/>
+          </a:bodyPr>
+          <a:lstStyle/>
+          <a:p>
+            <a:pPr algn="ctr"/>
+            <a:r>
+              <a:rPr lang="it-IT" sz="4400" dirty="0">
+                <a:solidFill>
+                  <a:srgbClr val="FF0000"/>
+                </a:solidFill>
+              </a:rPr>
+              <a:t>F</a:t>
+            </a:r>
+            <a:r>
+              <a:rPr lang="it-IT" sz="4400" dirty="0" smtClean="0">
+                <a:solidFill>
+                  <a:srgbClr val="FF0000"/>
+                </a:solidFill>
+              </a:rPr>
+              <a:t>rom </a:t>
+            </a:r>
+          </a:p>
+          <a:p>
+            <a:pPr algn="ctr"/>
+            <a:r>
+              <a:rPr lang="it-IT" sz="4400" dirty="0" smtClean="0">
+                <a:solidFill>
+                  <a:srgbClr val="FF0000"/>
+                </a:solidFill>
+              </a:rPr>
+              <a:t>“The </a:t>
+            </a:r>
+            <a:r>
+              <a:rPr lang="it-IT" sz="4400" dirty="0" err="1" smtClean="0">
+                <a:solidFill>
+                  <a:srgbClr val="FF0000"/>
+                </a:solidFill>
+              </a:rPr>
+              <a:t>Economist</a:t>
+            </a:r>
+            <a:r>
+              <a:rPr lang="it-IT" sz="4400" dirty="0" smtClean="0">
+                <a:solidFill>
+                  <a:srgbClr val="FF0000"/>
+                </a:solidFill>
+              </a:rPr>
+              <a:t>”</a:t>
+            </a:r>
+            <a:endParaRPr lang="it-IT" sz="4400" dirty="0">
+              <a:solidFill>
+                <a:srgbClr val="FF0000"/>
+              </a:solidFill>
+            </a:endParaRPr>
+          </a:p>
+        </p:txBody>
+      </p:sp>
+      <p:pic>
+        <p:nvPicPr>
+          <p:cNvPr id="27" name="Immagine 26"/>
+          <p:cNvPicPr>
+            <a:picLocks noChangeAspect="1"/>
+          </p:cNvPicPr>
+          <p:nvPr/>
+        </p:nvPicPr>
+        <p:blipFill>
+          <a:blip r:embed="rId8">
+            <a:extLst>
+              <a:ext uri="{28A0092B-C50C-407E-A947-70E740481C1C}">
+                <a14:useLocalDpi xmlns:a14="http://schemas.microsoft.com/office/drawing/2010/main" val="0"/>
+              </a:ext>
+            </a:extLst>
+          </a:blip>
+          <a:stretch>
+            <a:fillRect/>
+          </a:stretch>
+        </p:blipFill>
+        <p:spPr>
+          <a:xfrm>
+            <a:off x="132032" y="3551021"/>
+            <a:ext cx="5517372" cy="677572"/>
+          </a:xfrm>
+          <a:prstGeom prst="rect">
+            <a:avLst/>
+          </a:prstGeom>
+        </p:spPr>
+      </p:pic>
+      <p:sp>
+        <p:nvSpPr>
+          <p:cNvPr id="28" name="CasellaDiTesto 27"/>
+          <p:cNvSpPr txBox="1"/>
+          <p:nvPr/>
+        </p:nvSpPr>
+        <p:spPr>
+          <a:xfrm>
+            <a:off x="64973" y="1827363"/>
+            <a:ext cx="319318" cy="461665"/>
+          </a:xfrm>
+          <a:prstGeom prst="rect">
+            <a:avLst/>
+          </a:prstGeom>
+          <a:noFill/>
+        </p:spPr>
+        <p:txBody>
+          <a:bodyPr wrap="none" rtlCol="0">
+            <a:spAutoFit/>
+          </a:bodyPr>
+          <a:lstStyle/>
+          <a:p>
+            <a:r>
+              <a:rPr lang="it-IT" sz="2400" b="1" dirty="0" smtClean="0"/>
+              <a:t>“</a:t>
+            </a:r>
+            <a:endParaRPr lang="it-IT" sz="2400" b="1" dirty="0"/>
+          </a:p>
+        </p:txBody>
+      </p:sp>
+      <p:sp>
+        <p:nvSpPr>
+          <p:cNvPr id="30" name="CasellaDiTesto 29"/>
+          <p:cNvSpPr txBox="1"/>
+          <p:nvPr/>
+        </p:nvSpPr>
+        <p:spPr>
+          <a:xfrm>
+            <a:off x="20635" y="3434492"/>
+            <a:ext cx="319318" cy="461665"/>
+          </a:xfrm>
+          <a:prstGeom prst="rect">
+            <a:avLst/>
+          </a:prstGeom>
+          <a:noFill/>
+        </p:spPr>
+        <p:txBody>
+          <a:bodyPr wrap="none" rtlCol="0">
+            <a:spAutoFit/>
+          </a:bodyPr>
+          <a:lstStyle/>
+          <a:p>
+            <a:r>
+              <a:rPr lang="it-IT" sz="2400" b="1" dirty="0" smtClean="0"/>
+              <a:t>“</a:t>
+            </a:r>
+            <a:endParaRPr lang="it-IT" sz="2400" b="1" dirty="0"/>
+          </a:p>
+        </p:txBody>
+      </p:sp>
+      <p:sp>
+        <p:nvSpPr>
+          <p:cNvPr id="31" name="CasellaDiTesto 30"/>
+          <p:cNvSpPr txBox="1"/>
+          <p:nvPr/>
+        </p:nvSpPr>
+        <p:spPr>
+          <a:xfrm>
+            <a:off x="5615430" y="4035537"/>
+            <a:ext cx="319318" cy="461665"/>
+          </a:xfrm>
+          <a:prstGeom prst="rect">
+            <a:avLst/>
+          </a:prstGeom>
+          <a:noFill/>
+        </p:spPr>
+        <p:txBody>
+          <a:bodyPr wrap="none" rtlCol="0">
+            <a:spAutoFit/>
+          </a:bodyPr>
+          <a:lstStyle/>
+          <a:p>
+            <a:r>
+              <a:rPr lang="it-IT" sz="2400" b="1" dirty="0" smtClean="0"/>
+              <a:t>“</a:t>
+            </a:r>
+            <a:endParaRPr lang="it-IT" sz="2400" b="1" dirty="0"/>
+          </a:p>
+        </p:txBody>
+      </p:sp>
+      <p:sp>
+        <p:nvSpPr>
+          <p:cNvPr id="32" name="CasellaDiTesto 31"/>
+          <p:cNvSpPr txBox="1"/>
+          <p:nvPr/>
+        </p:nvSpPr>
+        <p:spPr>
+          <a:xfrm>
+            <a:off x="5518321" y="233256"/>
+            <a:ext cx="319318" cy="461665"/>
+          </a:xfrm>
+          <a:prstGeom prst="rect">
+            <a:avLst/>
+          </a:prstGeom>
+          <a:noFill/>
+        </p:spPr>
+        <p:txBody>
+          <a:bodyPr wrap="none" rtlCol="0">
+            <a:spAutoFit/>
+          </a:bodyPr>
+          <a:lstStyle/>
+          <a:p>
+            <a:r>
+              <a:rPr lang="it-IT" sz="2400" b="1" dirty="0" smtClean="0"/>
+              <a:t>“</a:t>
+            </a:r>
+            <a:endParaRPr lang="it-IT" sz="2400" b="1" dirty="0"/>
+          </a:p>
+        </p:txBody>
+      </p:sp>
+      <p:sp>
+        <p:nvSpPr>
+          <p:cNvPr id="33" name="CasellaDiTesto 32"/>
+          <p:cNvSpPr txBox="1"/>
+          <p:nvPr/>
+        </p:nvSpPr>
+        <p:spPr>
+          <a:xfrm>
+            <a:off x="1693750" y="4772120"/>
+            <a:ext cx="319318" cy="461665"/>
+          </a:xfrm>
+          <a:prstGeom prst="rect">
+            <a:avLst/>
+          </a:prstGeom>
+          <a:noFill/>
+        </p:spPr>
+        <p:txBody>
+          <a:bodyPr wrap="none" rtlCol="0">
+            <a:spAutoFit/>
+          </a:bodyPr>
+          <a:lstStyle/>
+          <a:p>
+            <a:r>
+              <a:rPr lang="it-IT" sz="2400" b="1" dirty="0" smtClean="0"/>
+              <a:t>“</a:t>
+            </a:r>
+            <a:endParaRPr lang="it-IT" sz="2400" b="1" dirty="0"/>
+          </a:p>
+        </p:txBody>
+      </p:sp>
+      <p:sp>
+        <p:nvSpPr>
+          <p:cNvPr id="34" name="CasellaDiTesto 33"/>
+          <p:cNvSpPr txBox="1"/>
+          <p:nvPr/>
+        </p:nvSpPr>
+        <p:spPr>
+          <a:xfrm>
+            <a:off x="5747946" y="5780883"/>
+            <a:ext cx="319318" cy="461665"/>
+          </a:xfrm>
+          <a:prstGeom prst="rect">
+            <a:avLst/>
+          </a:prstGeom>
+          <a:noFill/>
+        </p:spPr>
+        <p:txBody>
+          <a:bodyPr wrap="none" rtlCol="0">
+            <a:spAutoFit/>
+          </a:bodyPr>
+          <a:lstStyle/>
+          <a:p>
+            <a:r>
+              <a:rPr lang="it-IT" sz="2400" b="1" dirty="0" smtClean="0"/>
+              <a:t>“</a:t>
+            </a:r>
+            <a:endParaRPr lang="it-IT" sz="2400" b="1" dirty="0"/>
+          </a:p>
+        </p:txBody>
+      </p:sp>
+      <p:sp>
+        <p:nvSpPr>
+          <p:cNvPr id="35" name="CasellaDiTesto 34"/>
+          <p:cNvSpPr txBox="1"/>
+          <p:nvPr/>
+        </p:nvSpPr>
+        <p:spPr>
+          <a:xfrm>
+            <a:off x="4675440" y="2604825"/>
+            <a:ext cx="319318" cy="461665"/>
+          </a:xfrm>
+          <a:prstGeom prst="rect">
+            <a:avLst/>
+          </a:prstGeom>
+          <a:noFill/>
+        </p:spPr>
+        <p:txBody>
+          <a:bodyPr wrap="none" rtlCol="0">
+            <a:spAutoFit/>
+          </a:bodyPr>
+          <a:lstStyle/>
+          <a:p>
+            <a:r>
+              <a:rPr lang="it-IT" sz="2400" b="1" dirty="0" smtClean="0"/>
+              <a:t>”</a:t>
+            </a:r>
+            <a:endParaRPr lang="it-IT" sz="2400" b="1" dirty="0"/>
+          </a:p>
+        </p:txBody>
+      </p:sp>
+      <p:sp>
+        <p:nvSpPr>
+          <p:cNvPr id="36" name="CasellaDiTesto 35"/>
+          <p:cNvSpPr txBox="1"/>
+          <p:nvPr/>
+        </p:nvSpPr>
+        <p:spPr>
+          <a:xfrm>
+            <a:off x="5374356" y="3774681"/>
+            <a:ext cx="319318" cy="461665"/>
+          </a:xfrm>
+          <a:prstGeom prst="rect">
+            <a:avLst/>
+          </a:prstGeom>
+          <a:noFill/>
+        </p:spPr>
+        <p:txBody>
+          <a:bodyPr wrap="none" rtlCol="0">
+            <a:spAutoFit/>
+          </a:bodyPr>
+          <a:lstStyle/>
+          <a:p>
+            <a:r>
+              <a:rPr lang="it-IT" sz="2400" b="1" dirty="0" smtClean="0"/>
+              <a:t>”</a:t>
+            </a:r>
+            <a:endParaRPr lang="it-IT" sz="2400" b="1" dirty="0"/>
+          </a:p>
+        </p:txBody>
+      </p:sp>
+      <p:sp>
+        <p:nvSpPr>
+          <p:cNvPr id="37" name="CasellaDiTesto 36"/>
+          <p:cNvSpPr txBox="1"/>
+          <p:nvPr/>
+        </p:nvSpPr>
+        <p:spPr>
+          <a:xfrm>
+            <a:off x="4883890" y="5800353"/>
+            <a:ext cx="319318" cy="461665"/>
+          </a:xfrm>
+          <a:prstGeom prst="rect">
+            <a:avLst/>
+          </a:prstGeom>
+          <a:noFill/>
+        </p:spPr>
+        <p:txBody>
+          <a:bodyPr wrap="none" rtlCol="0">
+            <a:spAutoFit/>
+          </a:bodyPr>
+          <a:lstStyle/>
+          <a:p>
+            <a:r>
+              <a:rPr lang="it-IT" sz="2400" b="1" dirty="0" smtClean="0"/>
+              <a:t>”</a:t>
+            </a:r>
+            <a:endParaRPr lang="it-IT" sz="2400" b="1" dirty="0"/>
+          </a:p>
+        </p:txBody>
+      </p:sp>
+      <p:sp>
+        <p:nvSpPr>
+          <p:cNvPr id="38" name="CasellaDiTesto 37"/>
+          <p:cNvSpPr txBox="1"/>
+          <p:nvPr/>
+        </p:nvSpPr>
+        <p:spPr>
+          <a:xfrm>
+            <a:off x="11496087" y="5042864"/>
+            <a:ext cx="319318" cy="461665"/>
+          </a:xfrm>
+          <a:prstGeom prst="rect">
+            <a:avLst/>
+          </a:prstGeom>
+          <a:noFill/>
+        </p:spPr>
+        <p:txBody>
+          <a:bodyPr wrap="none" rtlCol="0">
+            <a:spAutoFit/>
+          </a:bodyPr>
+          <a:lstStyle/>
+          <a:p>
+            <a:r>
+              <a:rPr lang="it-IT" sz="2400" b="1" dirty="0" smtClean="0"/>
+              <a:t>”</a:t>
+            </a:r>
+            <a:endParaRPr lang="it-IT" sz="2400" b="1" dirty="0"/>
+          </a:p>
+        </p:txBody>
+      </p:sp>
+      <p:sp>
+        <p:nvSpPr>
+          <p:cNvPr id="39" name="CasellaDiTesto 38"/>
+          <p:cNvSpPr txBox="1"/>
+          <p:nvPr/>
+        </p:nvSpPr>
+        <p:spPr>
+          <a:xfrm>
+            <a:off x="11453223" y="6173293"/>
+            <a:ext cx="319318" cy="461665"/>
+          </a:xfrm>
+          <a:prstGeom prst="rect">
+            <a:avLst/>
+          </a:prstGeom>
+          <a:noFill/>
+        </p:spPr>
+        <p:txBody>
+          <a:bodyPr wrap="none" rtlCol="0">
+            <a:spAutoFit/>
+          </a:bodyPr>
+          <a:lstStyle/>
+          <a:p>
+            <a:r>
+              <a:rPr lang="it-IT" sz="2400" b="1" dirty="0" smtClean="0"/>
+              <a:t>”</a:t>
+            </a:r>
+            <a:endParaRPr lang="it-IT" sz="2400" b="1" dirty="0"/>
+          </a:p>
+        </p:txBody>
+      </p:sp>
+      <p:sp>
+        <p:nvSpPr>
+          <p:cNvPr id="40" name="CasellaDiTesto 39"/>
+          <p:cNvSpPr txBox="1"/>
+          <p:nvPr/>
+        </p:nvSpPr>
+        <p:spPr>
+          <a:xfrm>
+            <a:off x="10230643" y="1128510"/>
+            <a:ext cx="319318" cy="461665"/>
+          </a:xfrm>
+          <a:prstGeom prst="rect">
+            <a:avLst/>
+          </a:prstGeom>
+          <a:noFill/>
+        </p:spPr>
+        <p:txBody>
+          <a:bodyPr wrap="none" rtlCol="0">
+            <a:spAutoFit/>
+          </a:bodyPr>
+          <a:lstStyle/>
+          <a:p>
+            <a:r>
+              <a:rPr lang="it-IT" sz="2400" b="1" dirty="0" smtClean="0"/>
+              <a:t>”</a:t>
+            </a:r>
+            <a:endParaRPr lang="it-IT" sz="2400" b="1" dirty="0"/>
+          </a:p>
+        </p:txBody>
+      </p:sp>
+    </p:spTree>
+    <p:extLst>
+      <p:ext uri="{BB962C8B-B14F-4D97-AF65-F5344CB8AC3E}">
+        <p14:creationId xmlns:p14="http://schemas.microsoft.com/office/powerpoint/2010/main" val="1529330510"/>
+      </p:ext>
+    </p:extLst>
+  </p:cSld>
+  <p:clrMapOvr>
+    <a:masterClrMapping/>
+  </p:clrMapOvr>
+</p:sld>
+</file>
+
+<file path=ppt/slides/slide5.xml><?xml version="1.0" encoding="utf-8"?>
+<p:sld xmlns:a="http://schemas.openxmlformats.org/drawingml/2006/main" xmlns:r="http://schemas.openxmlformats.org/officeDocument/2006/relationships" xmlns:p="http://schemas.openxmlformats.org/presentationml/2006/main">
+  <p:cSld>
+    <p:spTree>
+      <p:nvGrpSpPr>
+        <p:cNvPr id="1" name=""/>
+        <p:cNvGrpSpPr/>
+        <p:nvPr/>
+      </p:nvGrpSpPr>
+      <p:grpSpPr>
+        <a:xfrm>
+          <a:off x="0" y="0"/>
+          <a:ext cx="0" cy="0"/>
+          <a:chOff x="0" y="0"/>
+          <a:chExt cx="0" cy="0"/>
+        </a:xfrm>
+      </p:grpSpPr>
+      <p:pic>
+        <p:nvPicPr>
+          <p:cNvPr id="4" name="Picture 2" descr="C:\Users\Leonardo\Desktop\United-Globe.png"/>
+          <p:cNvPicPr>
+            <a:picLocks noChangeAspect="1" noChangeArrowheads="1"/>
+          </p:cNvPicPr>
+          <p:nvPr/>
+        </p:nvPicPr>
+        <p:blipFill>
+          <a:blip r:embed="rId2" cstate="print"/>
+          <a:srcRect/>
+          <a:stretch>
+            <a:fillRect/>
+          </a:stretch>
+        </p:blipFill>
+        <p:spPr bwMode="auto">
+          <a:xfrm>
+            <a:off x="9192344" y="5373217"/>
+            <a:ext cx="1254238" cy="1257003"/>
+          </a:xfrm>
+          <a:prstGeom prst="rect">
+            <a:avLst/>
+          </a:prstGeom>
+          <a:noFill/>
+        </p:spPr>
+      </p:pic>
+      <p:sp>
+        <p:nvSpPr>
           <p:cNvPr id="12" name="CasellaDiTesto 11"/>
           <p:cNvSpPr txBox="1"/>
           <p:nvPr/>
@@ -4977,7 +5766,7 @@
 </p:sld>
 </file>
 
-<file path=ppt/slides/slide4.xml><?xml version="1.0" encoding="utf-8"?>
+<file path=ppt/slides/slide6.xml><?xml version="1.0" encoding="utf-8"?>
 <p:sld xmlns:a="http://schemas.openxmlformats.org/drawingml/2006/main" xmlns:r="http://schemas.openxmlformats.org/officeDocument/2006/relationships" xmlns:p="http://schemas.openxmlformats.org/presentationml/2006/main">
   <p:cSld>
     <p:spTree>
